--- a/Presentazione/Atsilo1/Bottiglieri/Atsilo_A_GianfrancoB.pptx
+++ b/Presentazione/Atsilo1/Bottiglieri/Atsilo_A_GianfrancoB.pptx
@@ -5,7 +5,7 @@
     <p:sldMasterId id="2147483684" r:id="rId1"/>
   </p:sldMasterIdLst>
   <p:notesMasterIdLst>
-    <p:notesMasterId r:id="rId7"/>
+    <p:notesMasterId r:id="rId10"/>
   </p:notesMasterIdLst>
   <p:sldIdLst>
     <p:sldId id="280" r:id="rId2"/>
@@ -13,6 +13,9 @@
     <p:sldId id="282" r:id="rId4"/>
     <p:sldId id="283" r:id="rId5"/>
     <p:sldId id="284" r:id="rId6"/>
+    <p:sldId id="285" r:id="rId7"/>
+    <p:sldId id="286" r:id="rId8"/>
+    <p:sldId id="287" r:id="rId9"/>
   </p:sldIdLst>
   <p:sldSz cx="9144000" cy="6858000" type="screen4x3"/>
   <p:notesSz cx="6858000" cy="9144000"/>
@@ -366,7 +369,7 @@
     </p:spTree>
     <p:extLst>
       <p:ext uri="{BB962C8B-B14F-4D97-AF65-F5344CB8AC3E}">
-        <p14:creationId xmlns="" xmlns:p14="http://schemas.microsoft.com/office/powerpoint/2010/main" val="2126419590"/>
+        <p14:creationId xmlns:p14="http://schemas.microsoft.com/office/powerpoint/2010/main" xmlns="" val="2126419590"/>
       </p:ext>
     </p:extLst>
   </p:cSld>
@@ -4395,7 +4398,7 @@
         <p:spPr>
           <a:xfrm>
             <a:off x="323640" y="1795320"/>
-            <a:ext cx="8177040" cy="4633560"/>
+            <a:ext cx="8177040" cy="4205448"/>
           </a:xfrm>
           <a:prstGeom prst="rect">
             <a:avLst/>
@@ -4410,11 +4413,9 @@
                 <a:spcPct val="100000"/>
               </a:lnSpc>
               <a:buSzPct val="95000"/>
-              <a:buFont typeface="Arial"/>
-              <a:buChar char="•"/>
             </a:pPr>
             <a:r>
-              <a:rPr lang="it-IT" sz="2800" b="1" dirty="0" err="1">
+              <a:rPr lang="it-IT" sz="4000" b="1" dirty="0" err="1">
                 <a:solidFill>
                   <a:srgbClr val="000000"/>
                 </a:solidFill>
@@ -4423,7 +4424,7 @@
               <a:t>NotificheMail</a:t>
             </a:r>
             <a:r>
-              <a:rPr lang="it-IT" sz="2800" b="1" dirty="0">
+              <a:rPr lang="it-IT" sz="4000" b="1" dirty="0">
                 <a:solidFill>
                   <a:srgbClr val="000000"/>
                 </a:solidFill>
@@ -4432,7 +4433,7 @@
               <a:t>: </a:t>
             </a:r>
             <a:r>
-              <a:rPr lang="it-IT" sz="2800" dirty="0">
+              <a:rPr lang="it-IT" sz="4000" dirty="0">
                 <a:solidFill>
                   <a:srgbClr val="000000"/>
                 </a:solidFill>
@@ -4441,24 +4442,24 @@
               <a:t>è una funzionalità interna al nostro </a:t>
             </a:r>
             <a:r>
-              <a:rPr lang="it-IT" sz="2800" dirty="0" err="1">
+              <a:rPr lang="it-IT" sz="4000" dirty="0" smtClean="0">
                 <a:solidFill>
                   <a:srgbClr val="000000"/>
                 </a:solidFill>
                 <a:latin typeface="Calibri"/>
               </a:rPr>
-              <a:t>sitema</a:t>
-            </a:r>
-            <a:r>
-              <a:rPr lang="it-IT" sz="2800" dirty="0">
+              <a:t>sistema </a:t>
+            </a:r>
+            <a:r>
+              <a:rPr lang="it-IT" sz="4000" dirty="0">
                 <a:solidFill>
                   <a:srgbClr val="000000"/>
                 </a:solidFill>
                 <a:latin typeface="Calibri"/>
               </a:rPr>
-              <a:t> che permette di inviare, brevi messaggi di notifiche agli utenti che porto a termine iterazioni con il nostro sistema:</a:t>
-            </a:r>
-            <a:endParaRPr/>
+              <a:t>che permette di inviare, brevi messaggi di notifiche agli utenti che porto a termine iterazioni con il nostro sistema:</a:t>
+            </a:r>
+            <a:endParaRPr sz="2800"/>
           </a:p>
         </p:txBody>
       </p:sp>
@@ -4595,15 +4596,24 @@
               <a:buChar char="•"/>
             </a:pPr>
             <a:r>
-              <a:rPr lang="it-IT" sz="2800">
+              <a:rPr lang="it-IT" sz="3200" dirty="0">
                 <a:solidFill>
                   <a:srgbClr val="000000"/>
                 </a:solidFill>
                 <a:latin typeface="Calibri"/>
               </a:rPr>
-              <a:t>Fra le varie notifiche che il sistema invia possiamo trovare notifiche di :</a:t>
-            </a:r>
-            <a:endParaRPr/>
+              <a:t>Fra le varie notifiche che il sistema invia possiamo trovare notifiche di </a:t>
+            </a:r>
+            <a:r>
+              <a:rPr lang="it-IT" sz="3200" dirty="0" smtClean="0">
+                <a:solidFill>
+                  <a:srgbClr val="000000"/>
+                </a:solidFill>
+                <a:latin typeface="Calibri"/>
+              </a:rPr>
+              <a:t>:</a:t>
+            </a:r>
+            <a:endParaRPr sz="2000"/>
           </a:p>
           <a:p>
             <a:pPr>
@@ -4614,7 +4624,25 @@
               <a:buFont typeface="Arial"/>
               <a:buChar char="•"/>
             </a:pPr>
-            <a:endParaRPr/>
+            <a:r>
+              <a:rPr lang="it-IT" sz="3200" b="1" dirty="0">
+                <a:solidFill>
+                  <a:srgbClr val="000000"/>
+                </a:solidFill>
+                <a:latin typeface="Calibri"/>
+              </a:rPr>
+              <a:t>Composizione classe</a:t>
+            </a:r>
+            <a:r>
+              <a:rPr lang="it-IT" sz="3200" dirty="0">
+                <a:solidFill>
+                  <a:srgbClr val="000000"/>
+                </a:solidFill>
+                <a:latin typeface="Calibri"/>
+              </a:rPr>
+              <a:t>, manda una notifica al responsabile delle classi, con un link in cui quest'ultimo l'approverà.</a:t>
+            </a:r>
+            <a:endParaRPr sz="2000"/>
           </a:p>
           <a:p>
             <a:pPr>
@@ -4626,24 +4654,42 @@
               <a:buChar char="•"/>
             </a:pPr>
             <a:r>
-              <a:rPr lang="it-IT" sz="2800" b="1">
+              <a:rPr lang="it-IT" sz="3200" b="1" dirty="0">
                 <a:solidFill>
                   <a:srgbClr val="000000"/>
                 </a:solidFill>
                 <a:latin typeface="Calibri"/>
               </a:rPr>
-              <a:t>Composizione classe</a:t>
-            </a:r>
-            <a:r>
-              <a:rPr lang="it-IT" sz="2800">
+              <a:t>Evento</a:t>
+            </a:r>
+            <a:r>
+              <a:rPr lang="it-IT" sz="3200" dirty="0">
                 <a:solidFill>
                   <a:srgbClr val="000000"/>
                 </a:solidFill>
                 <a:latin typeface="Calibri"/>
               </a:rPr>
-              <a:t>, manda una notifica al responsabile delle classi, con un link in cui quest'ultimo l'approverà.</a:t>
-            </a:r>
-            <a:endParaRPr/>
+              <a:t>,manda una notifica tutte le </a:t>
+            </a:r>
+            <a:r>
+              <a:rPr lang="it-IT" sz="3200" dirty="0" err="1">
+                <a:solidFill>
+                  <a:srgbClr val="000000"/>
+                </a:solidFill>
+                <a:latin typeface="Calibri"/>
+              </a:rPr>
+              <a:t>email</a:t>
+            </a:r>
+            <a:r>
+              <a:rPr lang="it-IT" sz="3200" dirty="0">
+                <a:solidFill>
+                  <a:srgbClr val="000000"/>
+                </a:solidFill>
+                <a:latin typeface="Calibri"/>
+              </a:rPr>
+              <a:t> presenti nel campo CC dell'evento, con data ora e luogo dell'evento.</a:t>
+            </a:r>
+            <a:endParaRPr sz="2000"/>
           </a:p>
           <a:p>
             <a:pPr>
@@ -4655,36 +4701,7 @@
               <a:buChar char="•"/>
             </a:pPr>
             <a:r>
-              <a:rPr lang="it-IT" sz="2800" b="1">
-                <a:solidFill>
-                  <a:srgbClr val="000000"/>
-                </a:solidFill>
-                <a:latin typeface="Calibri"/>
-              </a:rPr>
-              <a:t>Evento</a:t>
-            </a:r>
-            <a:r>
-              <a:rPr lang="it-IT" sz="2800">
-                <a:solidFill>
-                  <a:srgbClr val="000000"/>
-                </a:solidFill>
-                <a:latin typeface="Calibri"/>
-              </a:rPr>
-              <a:t>,manda una notifica tutte le email presenti nel campo CC dell'evento, con data ora e luogo dell'evento.</a:t>
-            </a:r>
-            <a:endParaRPr/>
-          </a:p>
-          <a:p>
-            <a:pPr>
-              <a:lnSpc>
-                <a:spcPct val="100000"/>
-              </a:lnSpc>
-              <a:buSzPct val="95000"/>
-              <a:buFont typeface="Arial"/>
-              <a:buChar char="•"/>
-            </a:pPr>
-            <a:r>
-              <a:rPr lang="it-IT" sz="2800">
+              <a:rPr lang="it-IT" sz="3200" dirty="0">
                 <a:solidFill>
                   <a:srgbClr val="000000"/>
                 </a:solidFill>
@@ -4692,7 +4709,7 @@
               </a:rPr>
               <a:t>…..</a:t>
             </a:r>
-            <a:endParaRPr/>
+            <a:endParaRPr sz="2000"/>
           </a:p>
         </p:txBody>
       </p:sp>
@@ -4800,7 +4817,7 @@
         </p:nvSpPr>
         <p:spPr>
           <a:xfrm>
-            <a:off x="323640" y="1795320"/>
+            <a:off x="571472" y="1571612"/>
             <a:ext cx="8177040" cy="4633560"/>
           </a:xfrm>
           <a:prstGeom prst="rect">
@@ -4810,6 +4827,15 @@
         <p:txBody>
           <a:bodyPr lIns="90000" tIns="0" rIns="90000" bIns="45000"/>
           <a:lstStyle/>
+          <a:p>
+            <a:pPr>
+              <a:lnSpc>
+                <a:spcPct val="100000"/>
+              </a:lnSpc>
+              <a:buSzPct val="95000"/>
+            </a:pPr>
+            <a:endParaRPr sz="3200"/>
+          </a:p>
           <a:p>
             <a:pPr>
               <a:lnSpc>
@@ -4819,7 +4845,34 @@
               <a:buFont typeface="Arial"/>
               <a:buChar char="•"/>
             </a:pPr>
-            <a:endParaRPr/>
+            <a:r>
+              <a:rPr lang="it-IT" sz="4400" b="1" dirty="0">
+                <a:solidFill>
+                  <a:srgbClr val="000000"/>
+                </a:solidFill>
+                <a:latin typeface="Calibri"/>
+              </a:rPr>
+              <a:t>Licenziamento,</a:t>
+            </a:r>
+            <a:r>
+              <a:rPr lang="it-IT" sz="4400" dirty="0">
+                <a:solidFill>
+                  <a:srgbClr val="000000"/>
+                </a:solidFill>
+                <a:latin typeface="Calibri"/>
+              </a:rPr>
+              <a:t>manda una notifica al diretto interessato</a:t>
+            </a:r>
+            <a:r>
+              <a:rPr lang="it-IT" sz="4400" b="1" dirty="0">
+                <a:solidFill>
+                  <a:srgbClr val="000000"/>
+                </a:solidFill>
+                <a:latin typeface="Calibri"/>
+              </a:rPr>
+              <a:t>.</a:t>
+            </a:r>
+            <a:endParaRPr sz="3200"/>
           </a:p>
           <a:p>
             <a:pPr>
@@ -4830,7 +4883,30 @@
               <a:buFont typeface="Arial"/>
               <a:buChar char="•"/>
             </a:pPr>
-            <a:endParaRPr/>
+            <a:r>
+              <a:rPr lang="it-IT" sz="4400" b="1" dirty="0">
+                <a:solidFill>
+                  <a:srgbClr val="000000"/>
+                </a:solidFill>
+                <a:latin typeface="Calibri"/>
+              </a:rPr>
+              <a:t>Registrazione,</a:t>
+            </a:r>
+            <a:r>
+              <a:rPr lang="it-IT" sz="4400" dirty="0">
+                <a:solidFill>
+                  <a:srgbClr val="000000"/>
+                </a:solidFill>
+                <a:latin typeface="Calibri"/>
+              </a:rPr>
+              <a:t>alla fine della registrazione il sistema invia un </a:t>
+            </a:r>
+            <a:endParaRPr lang="it-IT" sz="4400" dirty="0" smtClean="0">
+              <a:solidFill>
+                <a:srgbClr val="000000"/>
+              </a:solidFill>
+              <a:latin typeface="Calibri"/>
+            </a:endParaRPr>
           </a:p>
           <a:p>
             <a:pPr>
@@ -4838,29 +4914,27 @@
                 <a:spcPct val="100000"/>
               </a:lnSpc>
               <a:buSzPct val="95000"/>
-              <a:buFont typeface="Arial"/>
-              <a:buChar char="•"/>
             </a:pPr>
             <a:r>
-              <a:rPr lang="it-IT" sz="2800" b="1">
+              <a:rPr lang="it-IT" sz="4400" dirty="0" smtClean="0">
                 <a:solidFill>
                   <a:srgbClr val="000000"/>
                 </a:solidFill>
                 <a:latin typeface="Calibri"/>
               </a:rPr>
-              <a:t>Licenziamento,</a:t>
-            </a:r>
-            <a:r>
-              <a:rPr lang="it-IT" sz="2800">
+              <a:t>e-mail </a:t>
+            </a:r>
+            <a:r>
+              <a:rPr lang="it-IT" sz="4400" dirty="0">
                 <a:solidFill>
                   <a:srgbClr val="000000"/>
                 </a:solidFill>
                 <a:latin typeface="Calibri"/>
               </a:rPr>
-              <a:t>manda una notifica al diretto interessato</a:t>
-            </a:r>
-            <a:r>
-              <a:rPr lang="it-IT" sz="2800" b="1">
+              <a:t>con le credenziali appena inserite</a:t>
+            </a:r>
+            <a:r>
+              <a:rPr lang="it-IT" sz="4400" b="1" dirty="0">
                 <a:solidFill>
                   <a:srgbClr val="000000"/>
                 </a:solidFill>
@@ -4868,66 +4942,63 @@
               </a:rPr>
               <a:t>.</a:t>
             </a:r>
-            <a:endParaRPr/>
-          </a:p>
-          <a:p>
-            <a:pPr>
+            <a:endParaRPr sz="3200"/>
+          </a:p>
+        </p:txBody>
+      </p:sp>
+      <p:sp>
+        <p:nvSpPr>
+          <p:cNvPr id="47" name="TextShape 3"/>
+          <p:cNvSpPr txBox="1"/>
+          <p:nvPr/>
+        </p:nvSpPr>
+        <p:spPr>
+          <a:xfrm>
+            <a:off x="1714480" y="500042"/>
+            <a:ext cx="5529960" cy="1368000"/>
+          </a:xfrm>
+          <a:prstGeom prst="rect">
+            <a:avLst/>
+          </a:prstGeom>
+        </p:spPr>
+        <p:txBody>
+          <a:bodyPr wrap="none" lIns="90000" tIns="45000" rIns="90000" bIns="45000"/>
+          <a:lstStyle/>
+          <a:p>
+            <a:pPr algn="ctr">
               <a:lnSpc>
                 <a:spcPct val="100000"/>
               </a:lnSpc>
-              <a:buSzPct val="95000"/>
-              <a:buFont typeface="Arial"/>
-              <a:buChar char="•"/>
             </a:pPr>
             <a:r>
-              <a:rPr lang="it-IT" sz="2800" b="1">
+              <a:rPr lang="it-IT" sz="4800" b="1" dirty="0">
                 <a:solidFill>
                   <a:srgbClr val="000000"/>
                 </a:solidFill>
                 <a:latin typeface="Calibri"/>
               </a:rPr>
-              <a:t>Registrazione,</a:t>
-            </a:r>
-            <a:r>
-              <a:rPr lang="it-IT" sz="2800">
+              <a:t>TIPI </a:t>
+            </a:r>
+            <a:r>
+              <a:rPr lang="it-IT" sz="4800" b="1" dirty="0" err="1">
                 <a:solidFill>
                   <a:srgbClr val="000000"/>
                 </a:solidFill>
                 <a:latin typeface="Calibri"/>
               </a:rPr>
-              <a:t>alla fine della registrazione il sistema invia un email con le credenziali appena inserite</a:t>
-            </a:r>
-            <a:r>
-              <a:rPr lang="it-IT" sz="2800" b="1">
+              <a:t>DI</a:t>
+            </a:r>
+            <a:r>
+              <a:rPr lang="it-IT" sz="4800" b="1" dirty="0">
                 <a:solidFill>
                   <a:srgbClr val="000000"/>
                 </a:solidFill>
                 <a:latin typeface="Calibri"/>
               </a:rPr>
-              <a:t>.</a:t>
+              <a:t> NOTIFICHE</a:t>
             </a:r>
             <a:endParaRPr/>
           </a:p>
-        </p:txBody>
-      </p:sp>
-      <p:sp>
-        <p:nvSpPr>
-          <p:cNvPr id="47" name="TextShape 3"/>
-          <p:cNvSpPr txBox="1"/>
-          <p:nvPr/>
-        </p:nvSpPr>
-        <p:spPr>
-          <a:xfrm>
-            <a:off x="1742040" y="792000"/>
-            <a:ext cx="5529960" cy="1368000"/>
-          </a:xfrm>
-          <a:prstGeom prst="rect">
-            <a:avLst/>
-          </a:prstGeom>
-        </p:spPr>
-        <p:txBody>
-          <a:bodyPr wrap="none" lIns="90000" tIns="45000" rIns="90000" bIns="45000"/>
-          <a:lstStyle/>
           <a:p>
             <a:pPr algn="ctr">
               <a:lnSpc>
@@ -4935,24 +5006,7 @@
               </a:lnSpc>
             </a:pPr>
             <a:r>
-              <a:rPr lang="it-IT" sz="4800" b="1">
-                <a:solidFill>
-                  <a:srgbClr val="000000"/>
-                </a:solidFill>
-                <a:latin typeface="Calibri"/>
-              </a:rPr>
-              <a:t>TIPI DI NOTIFICHE</a:t>
-            </a:r>
-            <a:endParaRPr/>
-          </a:p>
-          <a:p>
-            <a:pPr algn="ctr">
-              <a:lnSpc>
-                <a:spcPct val="100000"/>
-              </a:lnSpc>
-            </a:pPr>
-            <a:r>
-              <a:rPr lang="it-IT" sz="3000">
+              <a:rPr lang="it-IT" sz="3000" dirty="0">
                 <a:solidFill>
                   <a:srgbClr val="000000"/>
                 </a:solidFill>
@@ -5084,11 +5138,9 @@
                 <a:spcPct val="100000"/>
               </a:lnSpc>
               <a:buSzPct val="95000"/>
-              <a:buFont typeface="Arial"/>
-              <a:buChar char="•"/>
             </a:pPr>
             <a:r>
-              <a:rPr lang="it-IT" sz="2800">
+              <a:rPr lang="it-IT" sz="4400" dirty="0">
                 <a:solidFill>
                   <a:srgbClr val="000000"/>
                 </a:solidFill>
@@ -5097,16 +5149,43 @@
               <a:t>Per dar vita a questa funzionalità abbiamo usato </a:t>
             </a:r>
             <a:r>
-              <a:rPr lang="it-IT" sz="2800" b="1">
+              <a:rPr lang="it-IT" sz="4400" b="1" dirty="0" smtClean="0">
                 <a:solidFill>
                   <a:srgbClr val="000000"/>
                 </a:solidFill>
                 <a:latin typeface="Calibri"/>
               </a:rPr>
-              <a:t>JAVAMAIL(è un api della Sun) </a:t>
-            </a:r>
-            <a:r>
-              <a:rPr lang="it-IT" sz="2800">
+              <a:t>JAVAMAIL  (</a:t>
+            </a:r>
+            <a:r>
+              <a:rPr lang="it-IT" sz="4400" b="1" dirty="0">
+                <a:solidFill>
+                  <a:srgbClr val="000000"/>
+                </a:solidFill>
+                <a:latin typeface="Calibri"/>
+              </a:rPr>
+              <a:t>è un api della </a:t>
+            </a:r>
+            <a:r>
+              <a:rPr lang="it-IT" sz="4400" b="1" dirty="0" err="1">
+                <a:solidFill>
+                  <a:srgbClr val="000000"/>
+                </a:solidFill>
+                <a:latin typeface="Calibri"/>
+              </a:rPr>
+              <a:t>Sun</a:t>
+            </a:r>
+            <a:r>
+              <a:rPr lang="it-IT" sz="4400" b="1" dirty="0">
+                <a:solidFill>
+                  <a:srgbClr val="000000"/>
+                </a:solidFill>
+                <a:latin typeface="Calibri"/>
+              </a:rPr>
+              <a:t>) </a:t>
+            </a:r>
+            <a:r>
+              <a:rPr lang="it-IT" sz="4400" dirty="0">
                 <a:solidFill>
                   <a:srgbClr val="000000"/>
                 </a:solidFill>
@@ -5114,7 +5193,7 @@
               </a:rPr>
               <a:t>e l'abbiamo integrata nel nostro sistema tramite il design pattern BRIDGE.</a:t>
             </a:r>
-            <a:endParaRPr/>
+            <a:endParaRPr sz="3200"/>
           </a:p>
         </p:txBody>
       </p:sp>
@@ -5326,6 +5405,818 @@
           </a:prstGeom>
         </p:spPr>
       </p:pic>
+      <p:cxnSp>
+        <p:nvCxnSpPr>
+          <p:cNvPr id="7" name="Connettore 2 6"/>
+          <p:cNvCxnSpPr/>
+          <p:nvPr/>
+        </p:nvCxnSpPr>
+        <p:spPr>
+          <a:xfrm flipV="1">
+            <a:off x="2714612" y="2571744"/>
+            <a:ext cx="1000132" cy="571504"/>
+          </a:xfrm>
+          <a:prstGeom prst="straightConnector1">
+            <a:avLst/>
+          </a:prstGeom>
+          <a:ln>
+            <a:tailEnd type="arrow"/>
+          </a:ln>
+        </p:spPr>
+        <p:style>
+          <a:lnRef idx="1">
+            <a:schemeClr val="accent1"/>
+          </a:lnRef>
+          <a:fillRef idx="0">
+            <a:schemeClr val="accent1"/>
+          </a:fillRef>
+          <a:effectRef idx="0">
+            <a:schemeClr val="accent1"/>
+          </a:effectRef>
+          <a:fontRef idx="minor">
+            <a:schemeClr val="tx1"/>
+          </a:fontRef>
+        </p:style>
+      </p:cxnSp>
+      <p:sp>
+        <p:nvSpPr>
+          <p:cNvPr id="8" name="CasellaDiTesto 7"/>
+          <p:cNvSpPr txBox="1"/>
+          <p:nvPr/>
+        </p:nvSpPr>
+        <p:spPr>
+          <a:xfrm>
+            <a:off x="3714744" y="2000240"/>
+            <a:ext cx="4357718" cy="646331"/>
+          </a:xfrm>
+          <a:prstGeom prst="rect">
+            <a:avLst/>
+          </a:prstGeom>
+          <a:noFill/>
+        </p:spPr>
+        <p:txBody>
+          <a:bodyPr wrap="square" rtlCol="0">
+            <a:spAutoFit/>
+          </a:bodyPr>
+          <a:lstStyle/>
+          <a:p>
+            <a:r>
+              <a:rPr lang="it-IT" dirty="0" smtClean="0"/>
+              <a:t>Alla classe Abstraction corrisponde la classe</a:t>
+            </a:r>
+          </a:p>
+          <a:p>
+            <a:r>
+              <a:rPr lang="it-IT" dirty="0" err="1" smtClean="0"/>
+              <a:t>NotificheMail.java</a:t>
+            </a:r>
+            <a:endParaRPr lang="it-IT" dirty="0"/>
+          </a:p>
+        </p:txBody>
+      </p:sp>
+    </p:spTree>
+  </p:cSld>
+  <p:clrMapOvr>
+    <a:masterClrMapping/>
+  </p:clrMapOvr>
+  <p:timing>
+    <p:tnLst>
+      <p:par>
+        <p:cTn id="1" dur="indefinite" restart="never" nodeType="tmRoot">
+          <p:childTnLst>
+            <p:seq>
+              <p:cTn id="2" nodeType="mainSeq"/>
+              <p:prevCondLst>
+                <p:cond evt="onPrev" delay="0">
+                  <p:tgtEl>
+                    <p:sldTgt/>
+                  </p:tgtEl>
+                </p:cond>
+              </p:prevCondLst>
+              <p:nextCondLst>
+                <p:cond evt="onNext" delay="0">
+                  <p:tgtEl>
+                    <p:sldTgt/>
+                  </p:tgtEl>
+                </p:cond>
+              </p:nextCondLst>
+            </p:seq>
+          </p:childTnLst>
+        </p:cTn>
+      </p:par>
+    </p:tnLst>
+  </p:timing>
+</p:sld>
+</file>
+
+<file path=ppt/slides/slide6.xml><?xml version="1.0" encoding="utf-8"?>
+<p:sld xmlns:a="http://schemas.openxmlformats.org/drawingml/2006/main" xmlns:r="http://schemas.openxmlformats.org/officeDocument/2006/relationships" xmlns:p="http://schemas.openxmlformats.org/presentationml/2006/main">
+  <p:cSld>
+    <p:spTree>
+      <p:nvGrpSpPr>
+        <p:cNvPr id="1" name=""/>
+        <p:cNvGrpSpPr/>
+        <p:nvPr/>
+      </p:nvGrpSpPr>
+      <p:grpSpPr>
+        <a:xfrm>
+          <a:off x="0" y="0"/>
+          <a:ext cx="0" cy="0"/>
+          <a:chOff x="0" y="0"/>
+          <a:chExt cx="0" cy="0"/>
+        </a:xfrm>
+      </p:grpSpPr>
+      <p:sp>
+        <p:nvSpPr>
+          <p:cNvPr id="51" name="CustomShape 1"/>
+          <p:cNvSpPr/>
+          <p:nvPr/>
+        </p:nvSpPr>
+        <p:spPr>
+          <a:xfrm>
+            <a:off x="1671480" y="476640"/>
+            <a:ext cx="5540040" cy="1521720"/>
+          </a:xfrm>
+          <a:prstGeom prst="rect">
+            <a:avLst/>
+          </a:prstGeom>
+        </p:spPr>
+        <p:txBody>
+          <a:bodyPr wrap="none" lIns="90000" tIns="45000" rIns="90000" bIns="45000"/>
+          <a:lstStyle/>
+          <a:p>
+            <a:pPr algn="ctr">
+              <a:lnSpc>
+                <a:spcPct val="100000"/>
+              </a:lnSpc>
+            </a:pPr>
+            <a:endParaRPr/>
+          </a:p>
+          <a:p>
+            <a:pPr algn="ctr">
+              <a:lnSpc>
+                <a:spcPct val="100000"/>
+              </a:lnSpc>
+            </a:pPr>
+            <a:endParaRPr/>
+          </a:p>
+          <a:p>
+            <a:pPr algn="ctr">
+              <a:lnSpc>
+                <a:spcPct val="100000"/>
+              </a:lnSpc>
+            </a:pPr>
+            <a:endParaRPr/>
+          </a:p>
+        </p:txBody>
+      </p:sp>
+      <p:sp>
+        <p:nvSpPr>
+          <p:cNvPr id="52" name="CustomShape 2"/>
+          <p:cNvSpPr/>
+          <p:nvPr/>
+        </p:nvSpPr>
+        <p:spPr>
+          <a:xfrm>
+            <a:off x="323640" y="1795320"/>
+            <a:ext cx="8177040" cy="4633560"/>
+          </a:xfrm>
+          <a:prstGeom prst="rect">
+            <a:avLst/>
+          </a:prstGeom>
+        </p:spPr>
+      </p:sp>
+      <p:sp>
+        <p:nvSpPr>
+          <p:cNvPr id="53" name="TextShape 3"/>
+          <p:cNvSpPr txBox="1"/>
+          <p:nvPr/>
+        </p:nvSpPr>
+        <p:spPr>
+          <a:xfrm>
+            <a:off x="1166040" y="864000"/>
+            <a:ext cx="6753960" cy="1368000"/>
+          </a:xfrm>
+          <a:prstGeom prst="rect">
+            <a:avLst/>
+          </a:prstGeom>
+        </p:spPr>
+        <p:txBody>
+          <a:bodyPr wrap="none" lIns="90000" tIns="45000" rIns="90000" bIns="45000"/>
+          <a:lstStyle/>
+          <a:p>
+            <a:pPr algn="ctr">
+              <a:lnSpc>
+                <a:spcPct val="100000"/>
+              </a:lnSpc>
+            </a:pPr>
+            <a:r>
+              <a:rPr lang="it-IT" sz="4800" b="1">
+                <a:solidFill>
+                  <a:srgbClr val="000000"/>
+                </a:solidFill>
+                <a:latin typeface="Calibri"/>
+              </a:rPr>
+              <a:t>IMPLEMENTAZIONE</a:t>
+            </a:r>
+            <a:endParaRPr/>
+          </a:p>
+        </p:txBody>
+      </p:sp>
+      <p:pic>
+        <p:nvPicPr>
+          <p:cNvPr id="54" name="Immagine 53"/>
+          <p:cNvPicPr/>
+          <p:nvPr/>
+        </p:nvPicPr>
+        <p:blipFill>
+          <a:blip r:embed="rId2"/>
+          <a:stretch>
+            <a:fillRect/>
+          </a:stretch>
+        </p:blipFill>
+        <p:spPr>
+          <a:xfrm>
+            <a:off x="216000" y="1656000"/>
+            <a:ext cx="8712000" cy="4392000"/>
+          </a:xfrm>
+          <a:prstGeom prst="rect">
+            <a:avLst/>
+          </a:prstGeom>
+        </p:spPr>
+      </p:pic>
+      <p:cxnSp>
+        <p:nvCxnSpPr>
+          <p:cNvPr id="7" name="Connettore 2 6"/>
+          <p:cNvCxnSpPr/>
+          <p:nvPr/>
+        </p:nvCxnSpPr>
+        <p:spPr>
+          <a:xfrm rot="16200000" flipV="1">
+            <a:off x="7072330" y="2714620"/>
+            <a:ext cx="428628" cy="428628"/>
+          </a:xfrm>
+          <a:prstGeom prst="straightConnector1">
+            <a:avLst/>
+          </a:prstGeom>
+          <a:ln>
+            <a:tailEnd type="arrow"/>
+          </a:ln>
+        </p:spPr>
+        <p:style>
+          <a:lnRef idx="1">
+            <a:schemeClr val="accent1"/>
+          </a:lnRef>
+          <a:fillRef idx="0">
+            <a:schemeClr val="accent1"/>
+          </a:fillRef>
+          <a:effectRef idx="0">
+            <a:schemeClr val="accent1"/>
+          </a:effectRef>
+          <a:fontRef idx="minor">
+            <a:schemeClr val="tx1"/>
+          </a:fontRef>
+        </p:style>
+      </p:cxnSp>
+      <p:sp>
+        <p:nvSpPr>
+          <p:cNvPr id="8" name="CasellaDiTesto 7"/>
+          <p:cNvSpPr txBox="1"/>
+          <p:nvPr/>
+        </p:nvSpPr>
+        <p:spPr>
+          <a:xfrm>
+            <a:off x="3714744" y="2000240"/>
+            <a:ext cx="4357718" cy="646331"/>
+          </a:xfrm>
+          <a:prstGeom prst="rect">
+            <a:avLst/>
+          </a:prstGeom>
+          <a:noFill/>
+        </p:spPr>
+        <p:txBody>
+          <a:bodyPr wrap="square" rtlCol="0">
+            <a:spAutoFit/>
+          </a:bodyPr>
+          <a:lstStyle/>
+          <a:p>
+            <a:r>
+              <a:rPr lang="it-IT" dirty="0" smtClean="0"/>
+              <a:t>All’interfaccia </a:t>
+            </a:r>
+            <a:r>
+              <a:rPr lang="it-IT" dirty="0" err="1" smtClean="0"/>
+              <a:t>Implementor</a:t>
+            </a:r>
+            <a:r>
+              <a:rPr lang="it-IT" dirty="0" smtClean="0"/>
+              <a:t> </a:t>
+            </a:r>
+            <a:r>
+              <a:rPr lang="it-IT" dirty="0" err="1" smtClean="0"/>
+              <a:t>corrispone</a:t>
+            </a:r>
+            <a:r>
+              <a:rPr lang="it-IT" dirty="0" smtClean="0"/>
+              <a:t> l’interfaccia Messaggio</a:t>
+            </a:r>
+            <a:endParaRPr lang="it-IT" dirty="0"/>
+          </a:p>
+        </p:txBody>
+      </p:sp>
+    </p:spTree>
+  </p:cSld>
+  <p:clrMapOvr>
+    <a:masterClrMapping/>
+  </p:clrMapOvr>
+  <p:timing>
+    <p:tnLst>
+      <p:par>
+        <p:cTn id="1" dur="indefinite" restart="never" nodeType="tmRoot">
+          <p:childTnLst>
+            <p:seq>
+              <p:cTn id="2" nodeType="mainSeq"/>
+              <p:prevCondLst>
+                <p:cond evt="onPrev" delay="0">
+                  <p:tgtEl>
+                    <p:sldTgt/>
+                  </p:tgtEl>
+                </p:cond>
+              </p:prevCondLst>
+              <p:nextCondLst>
+                <p:cond evt="onNext" delay="0">
+                  <p:tgtEl>
+                    <p:sldTgt/>
+                  </p:tgtEl>
+                </p:cond>
+              </p:nextCondLst>
+            </p:seq>
+          </p:childTnLst>
+        </p:cTn>
+      </p:par>
+    </p:tnLst>
+  </p:timing>
+</p:sld>
+</file>
+
+<file path=ppt/slides/slide7.xml><?xml version="1.0" encoding="utf-8"?>
+<p:sld xmlns:a="http://schemas.openxmlformats.org/drawingml/2006/main" xmlns:r="http://schemas.openxmlformats.org/officeDocument/2006/relationships" xmlns:p="http://schemas.openxmlformats.org/presentationml/2006/main">
+  <p:cSld>
+    <p:spTree>
+      <p:nvGrpSpPr>
+        <p:cNvPr id="1" name=""/>
+        <p:cNvGrpSpPr/>
+        <p:nvPr/>
+      </p:nvGrpSpPr>
+      <p:grpSpPr>
+        <a:xfrm>
+          <a:off x="0" y="0"/>
+          <a:ext cx="0" cy="0"/>
+          <a:chOff x="0" y="0"/>
+          <a:chExt cx="0" cy="0"/>
+        </a:xfrm>
+      </p:grpSpPr>
+      <p:sp>
+        <p:nvSpPr>
+          <p:cNvPr id="51" name="CustomShape 1"/>
+          <p:cNvSpPr/>
+          <p:nvPr/>
+        </p:nvSpPr>
+        <p:spPr>
+          <a:xfrm>
+            <a:off x="1671480" y="476640"/>
+            <a:ext cx="5540040" cy="1521720"/>
+          </a:xfrm>
+          <a:prstGeom prst="rect">
+            <a:avLst/>
+          </a:prstGeom>
+        </p:spPr>
+        <p:txBody>
+          <a:bodyPr wrap="none" lIns="90000" tIns="45000" rIns="90000" bIns="45000"/>
+          <a:lstStyle/>
+          <a:p>
+            <a:pPr algn="ctr">
+              <a:lnSpc>
+                <a:spcPct val="100000"/>
+              </a:lnSpc>
+            </a:pPr>
+            <a:endParaRPr/>
+          </a:p>
+          <a:p>
+            <a:pPr algn="ctr">
+              <a:lnSpc>
+                <a:spcPct val="100000"/>
+              </a:lnSpc>
+            </a:pPr>
+            <a:endParaRPr/>
+          </a:p>
+          <a:p>
+            <a:pPr algn="ctr">
+              <a:lnSpc>
+                <a:spcPct val="100000"/>
+              </a:lnSpc>
+            </a:pPr>
+            <a:endParaRPr/>
+          </a:p>
+        </p:txBody>
+      </p:sp>
+      <p:sp>
+        <p:nvSpPr>
+          <p:cNvPr id="52" name="CustomShape 2"/>
+          <p:cNvSpPr/>
+          <p:nvPr/>
+        </p:nvSpPr>
+        <p:spPr>
+          <a:xfrm>
+            <a:off x="323640" y="1795320"/>
+            <a:ext cx="8177040" cy="4633560"/>
+          </a:xfrm>
+          <a:prstGeom prst="rect">
+            <a:avLst/>
+          </a:prstGeom>
+        </p:spPr>
+      </p:sp>
+      <p:sp>
+        <p:nvSpPr>
+          <p:cNvPr id="53" name="TextShape 3"/>
+          <p:cNvSpPr txBox="1"/>
+          <p:nvPr/>
+        </p:nvSpPr>
+        <p:spPr>
+          <a:xfrm>
+            <a:off x="1166040" y="864000"/>
+            <a:ext cx="6753960" cy="1368000"/>
+          </a:xfrm>
+          <a:prstGeom prst="rect">
+            <a:avLst/>
+          </a:prstGeom>
+        </p:spPr>
+        <p:txBody>
+          <a:bodyPr wrap="none" lIns="90000" tIns="45000" rIns="90000" bIns="45000"/>
+          <a:lstStyle/>
+          <a:p>
+            <a:pPr algn="ctr">
+              <a:lnSpc>
+                <a:spcPct val="100000"/>
+              </a:lnSpc>
+            </a:pPr>
+            <a:r>
+              <a:rPr lang="it-IT" sz="4800" b="1">
+                <a:solidFill>
+                  <a:srgbClr val="000000"/>
+                </a:solidFill>
+                <a:latin typeface="Calibri"/>
+              </a:rPr>
+              <a:t>IMPLEMENTAZIONE</a:t>
+            </a:r>
+            <a:endParaRPr/>
+          </a:p>
+        </p:txBody>
+      </p:sp>
+      <p:pic>
+        <p:nvPicPr>
+          <p:cNvPr id="54" name="Immagine 53"/>
+          <p:cNvPicPr/>
+          <p:nvPr/>
+        </p:nvPicPr>
+        <p:blipFill>
+          <a:blip r:embed="rId2"/>
+          <a:stretch>
+            <a:fillRect/>
+          </a:stretch>
+        </p:blipFill>
+        <p:spPr>
+          <a:xfrm>
+            <a:off x="216000" y="1656000"/>
+            <a:ext cx="8712000" cy="4392000"/>
+          </a:xfrm>
+          <a:prstGeom prst="rect">
+            <a:avLst/>
+          </a:prstGeom>
+        </p:spPr>
+      </p:pic>
+      <p:cxnSp>
+        <p:nvCxnSpPr>
+          <p:cNvPr id="7" name="Connettore 2 6"/>
+          <p:cNvCxnSpPr/>
+          <p:nvPr/>
+        </p:nvCxnSpPr>
+        <p:spPr>
+          <a:xfrm rot="5400000" flipH="1" flipV="1">
+            <a:off x="2464579" y="4036223"/>
+            <a:ext cx="2428892" cy="71438"/>
+          </a:xfrm>
+          <a:prstGeom prst="straightConnector1">
+            <a:avLst/>
+          </a:prstGeom>
+          <a:ln>
+            <a:tailEnd type="arrow"/>
+          </a:ln>
+        </p:spPr>
+        <p:style>
+          <a:lnRef idx="1">
+            <a:schemeClr val="accent1"/>
+          </a:lnRef>
+          <a:fillRef idx="0">
+            <a:schemeClr val="accent1"/>
+          </a:fillRef>
+          <a:effectRef idx="0">
+            <a:schemeClr val="accent1"/>
+          </a:effectRef>
+          <a:fontRef idx="minor">
+            <a:schemeClr val="tx1"/>
+          </a:fontRef>
+        </p:style>
+      </p:cxnSp>
+      <p:cxnSp>
+        <p:nvCxnSpPr>
+          <p:cNvPr id="11" name="Connettore 2 10"/>
+          <p:cNvCxnSpPr/>
+          <p:nvPr/>
+        </p:nvCxnSpPr>
+        <p:spPr>
+          <a:xfrm rot="16200000" flipV="1">
+            <a:off x="6679421" y="3964785"/>
+            <a:ext cx="2714644" cy="71438"/>
+          </a:xfrm>
+          <a:prstGeom prst="straightConnector1">
+            <a:avLst/>
+          </a:prstGeom>
+          <a:ln>
+            <a:tailEnd type="arrow"/>
+          </a:ln>
+        </p:spPr>
+        <p:style>
+          <a:lnRef idx="1">
+            <a:schemeClr val="accent1"/>
+          </a:lnRef>
+          <a:fillRef idx="0">
+            <a:schemeClr val="accent1"/>
+          </a:fillRef>
+          <a:effectRef idx="0">
+            <a:schemeClr val="accent1"/>
+          </a:effectRef>
+          <a:fontRef idx="minor">
+            <a:schemeClr val="tx1"/>
+          </a:fontRef>
+        </p:style>
+      </p:cxnSp>
+      <p:sp>
+        <p:nvSpPr>
+          <p:cNvPr id="26" name="CasellaDiTesto 25"/>
+          <p:cNvSpPr txBox="1"/>
+          <p:nvPr/>
+        </p:nvSpPr>
+        <p:spPr>
+          <a:xfrm>
+            <a:off x="3286116" y="1857364"/>
+            <a:ext cx="5674567" cy="923330"/>
+          </a:xfrm>
+          <a:prstGeom prst="rect">
+            <a:avLst/>
+          </a:prstGeom>
+          <a:noFill/>
+        </p:spPr>
+        <p:txBody>
+          <a:bodyPr wrap="none" rtlCol="0">
+            <a:spAutoFit/>
+          </a:bodyPr>
+          <a:lstStyle/>
+          <a:p>
+            <a:r>
+              <a:rPr lang="it-IT" dirty="0" smtClean="0"/>
+              <a:t>Alle classi </a:t>
+            </a:r>
+            <a:r>
+              <a:rPr lang="it-IT" dirty="0" err="1" smtClean="0"/>
+              <a:t>ConcreteImplementor</a:t>
+            </a:r>
+            <a:r>
+              <a:rPr lang="it-IT" dirty="0" smtClean="0"/>
+              <a:t> A </a:t>
+            </a:r>
+            <a:r>
+              <a:rPr lang="it-IT" dirty="0" err="1" smtClean="0"/>
+              <a:t>eB</a:t>
+            </a:r>
+            <a:r>
+              <a:rPr lang="it-IT" dirty="0" smtClean="0"/>
+              <a:t> corrispondono i vari </a:t>
+            </a:r>
+          </a:p>
+          <a:p>
+            <a:r>
+              <a:rPr lang="it-IT" dirty="0" smtClean="0"/>
+              <a:t>t</a:t>
+            </a:r>
+            <a:r>
+              <a:rPr lang="it-IT" dirty="0" smtClean="0"/>
+              <a:t>ipi di messaggi sopra citati ovvero : </a:t>
+            </a:r>
+            <a:r>
+              <a:rPr lang="it-IT" dirty="0" err="1" smtClean="0"/>
+              <a:t>ComposioneClasse</a:t>
+            </a:r>
+            <a:r>
+              <a:rPr lang="it-IT" dirty="0" smtClean="0"/>
+              <a:t>,</a:t>
+            </a:r>
+          </a:p>
+          <a:p>
+            <a:r>
+              <a:rPr lang="it-IT" dirty="0" smtClean="0"/>
+              <a:t>Evento,Registrazione e Licenziamento.</a:t>
+            </a:r>
+            <a:endParaRPr lang="it-IT" dirty="0"/>
+          </a:p>
+        </p:txBody>
+      </p:sp>
+    </p:spTree>
+  </p:cSld>
+  <p:clrMapOvr>
+    <a:masterClrMapping/>
+  </p:clrMapOvr>
+  <p:timing>
+    <p:tnLst>
+      <p:par>
+        <p:cTn id="1" dur="indefinite" restart="never" nodeType="tmRoot">
+          <p:childTnLst>
+            <p:seq>
+              <p:cTn id="2" nodeType="mainSeq"/>
+              <p:prevCondLst>
+                <p:cond evt="onPrev" delay="0">
+                  <p:tgtEl>
+                    <p:sldTgt/>
+                  </p:tgtEl>
+                </p:cond>
+              </p:prevCondLst>
+              <p:nextCondLst>
+                <p:cond evt="onNext" delay="0">
+                  <p:tgtEl>
+                    <p:sldTgt/>
+                  </p:tgtEl>
+                </p:cond>
+              </p:nextCondLst>
+            </p:seq>
+          </p:childTnLst>
+        </p:cTn>
+      </p:par>
+    </p:tnLst>
+  </p:timing>
+</p:sld>
+</file>
+
+<file path=ppt/slides/slide8.xml><?xml version="1.0" encoding="utf-8"?>
+<p:sld xmlns:a="http://schemas.openxmlformats.org/drawingml/2006/main" xmlns:r="http://schemas.openxmlformats.org/officeDocument/2006/relationships" xmlns:p="http://schemas.openxmlformats.org/presentationml/2006/main">
+  <p:cSld>
+    <p:spTree>
+      <p:nvGrpSpPr>
+        <p:cNvPr id="1" name=""/>
+        <p:cNvGrpSpPr/>
+        <p:nvPr/>
+      </p:nvGrpSpPr>
+      <p:grpSpPr>
+        <a:xfrm>
+          <a:off x="0" y="0"/>
+          <a:ext cx="0" cy="0"/>
+          <a:chOff x="0" y="0"/>
+          <a:chExt cx="0" cy="0"/>
+        </a:xfrm>
+      </p:grpSpPr>
+      <p:sp>
+        <p:nvSpPr>
+          <p:cNvPr id="48" name="CustomShape 1"/>
+          <p:cNvSpPr/>
+          <p:nvPr/>
+        </p:nvSpPr>
+        <p:spPr>
+          <a:xfrm>
+            <a:off x="1671480" y="476640"/>
+            <a:ext cx="5540040" cy="1521720"/>
+          </a:xfrm>
+          <a:prstGeom prst="rect">
+            <a:avLst/>
+          </a:prstGeom>
+        </p:spPr>
+        <p:txBody>
+          <a:bodyPr wrap="none" lIns="90000" tIns="45000" rIns="90000" bIns="45000"/>
+          <a:lstStyle/>
+          <a:p>
+            <a:pPr algn="ctr">
+              <a:lnSpc>
+                <a:spcPct val="100000"/>
+              </a:lnSpc>
+            </a:pPr>
+            <a:endParaRPr/>
+          </a:p>
+          <a:p>
+            <a:pPr algn="ctr">
+              <a:lnSpc>
+                <a:spcPct val="100000"/>
+              </a:lnSpc>
+            </a:pPr>
+            <a:endParaRPr/>
+          </a:p>
+          <a:p>
+            <a:pPr algn="ctr">
+              <a:lnSpc>
+                <a:spcPct val="100000"/>
+              </a:lnSpc>
+            </a:pPr>
+            <a:endParaRPr/>
+          </a:p>
+        </p:txBody>
+      </p:sp>
+      <p:sp>
+        <p:nvSpPr>
+          <p:cNvPr id="49" name="CustomShape 2"/>
+          <p:cNvSpPr/>
+          <p:nvPr/>
+        </p:nvSpPr>
+        <p:spPr>
+          <a:xfrm>
+            <a:off x="323640" y="1795320"/>
+            <a:ext cx="8177040" cy="4633560"/>
+          </a:xfrm>
+          <a:prstGeom prst="rect">
+            <a:avLst/>
+          </a:prstGeom>
+        </p:spPr>
+        <p:txBody>
+          <a:bodyPr lIns="90000" tIns="0" rIns="90000" bIns="45000"/>
+          <a:lstStyle/>
+          <a:p>
+            <a:pPr>
+              <a:lnSpc>
+                <a:spcPct val="100000"/>
+              </a:lnSpc>
+              <a:buSzPct val="95000"/>
+            </a:pPr>
+            <a:r>
+              <a:rPr lang="it-IT" sz="3200" dirty="0" smtClean="0"/>
+              <a:t>Abbiamo scelto di integrare </a:t>
+            </a:r>
+            <a:r>
+              <a:rPr lang="it-IT" sz="3200" b="1" dirty="0" err="1" smtClean="0"/>
+              <a:t>JavaMail</a:t>
+            </a:r>
+            <a:r>
+              <a:rPr lang="it-IT" sz="3200" b="1" dirty="0" smtClean="0"/>
+              <a:t> </a:t>
+            </a:r>
+            <a:r>
+              <a:rPr lang="it-IT" sz="3200" dirty="0" smtClean="0"/>
+              <a:t>con il pattern bridge, perché soprattutto ci permette di inserire altri messaggi in modo semplice  e senza causare molti cambiamenti nel sistema cosi come modificare </a:t>
+            </a:r>
+            <a:r>
+              <a:rPr lang="it-IT" sz="3200" smtClean="0"/>
+              <a:t>quelli già esistenti</a:t>
+            </a:r>
+            <a:r>
+              <a:rPr lang="it-IT" sz="3200" dirty="0" smtClean="0"/>
+              <a:t>.</a:t>
+            </a:r>
+            <a:endParaRPr sz="3200" b="1"/>
+          </a:p>
+        </p:txBody>
+      </p:sp>
+      <p:sp>
+        <p:nvSpPr>
+          <p:cNvPr id="50" name="TextShape 3"/>
+          <p:cNvSpPr txBox="1"/>
+          <p:nvPr/>
+        </p:nvSpPr>
+        <p:spPr>
+          <a:xfrm>
+            <a:off x="1166040" y="864000"/>
+            <a:ext cx="6753960" cy="1368000"/>
+          </a:xfrm>
+          <a:prstGeom prst="rect">
+            <a:avLst/>
+          </a:prstGeom>
+        </p:spPr>
+        <p:txBody>
+          <a:bodyPr wrap="none" lIns="90000" tIns="45000" rIns="90000" bIns="45000"/>
+          <a:lstStyle/>
+          <a:p>
+            <a:pPr algn="ctr">
+              <a:lnSpc>
+                <a:spcPct val="100000"/>
+              </a:lnSpc>
+            </a:pPr>
+            <a:r>
+              <a:rPr lang="it-IT" sz="4800" b="1" dirty="0" smtClean="0">
+                <a:solidFill>
+                  <a:srgbClr val="000000"/>
+                </a:solidFill>
+                <a:latin typeface="Calibri"/>
+              </a:rPr>
+              <a:t>PERCHE’ BRIDGE?</a:t>
+            </a:r>
+            <a:endParaRPr/>
+          </a:p>
+        </p:txBody>
+      </p:sp>
     </p:spTree>
   </p:cSld>
   <p:clrMapOvr>

--- a/Presentazione/Atsilo1/Bottiglieri/Atsilo_A_GianfrancoB.pptx
+++ b/Presentazione/Atsilo1/Bottiglieri/Atsilo_A_GianfrancoB.pptx
@@ -369,7 +369,7 @@
     </p:spTree>
     <p:extLst>
       <p:ext uri="{BB962C8B-B14F-4D97-AF65-F5344CB8AC3E}">
-        <p14:creationId xmlns:p14="http://schemas.microsoft.com/office/powerpoint/2010/main" xmlns="" val="2126419590"/>
+        <p14:creationId xmlns="" xmlns:p14="http://schemas.microsoft.com/office/powerpoint/2010/main" val="2126419590"/>
       </p:ext>
     </p:extLst>
   </p:cSld>
@@ -4413,6 +4413,8 @@
                 <a:spcPct val="100000"/>
               </a:lnSpc>
               <a:buSzPct val="95000"/>
+              <a:buFont typeface="Wingdings" pitchFamily="2" charset="2"/>
+              <a:buChar char="v"/>
             </a:pPr>
             <a:r>
               <a:rPr lang="it-IT" sz="4000" b="1" dirty="0" err="1">
@@ -4424,25 +4426,53 @@
               <a:t>NotificheMail</a:t>
             </a:r>
             <a:r>
-              <a:rPr lang="it-IT" sz="4000" b="1" dirty="0">
+              <a:rPr lang="it-IT" sz="4000" b="1" dirty="0" smtClean="0">
                 <a:solidFill>
                   <a:srgbClr val="000000"/>
                 </a:solidFill>
                 <a:latin typeface="Calibri"/>
               </a:rPr>
-              <a:t>: </a:t>
-            </a:r>
-            <a:r>
-              <a:rPr lang="it-IT" sz="4000" dirty="0">
+              <a:t>:</a:t>
+            </a:r>
+          </a:p>
+          <a:p>
+            <a:pPr>
+              <a:lnSpc>
+                <a:spcPct val="100000"/>
+              </a:lnSpc>
+              <a:buSzPct val="95000"/>
+            </a:pPr>
+            <a:endParaRPr lang="it-IT" sz="4000" b="1" dirty="0" smtClean="0">
+              <a:solidFill>
+                <a:srgbClr val="000000"/>
+              </a:solidFill>
+              <a:latin typeface="Calibri"/>
+            </a:endParaRPr>
+          </a:p>
+          <a:p>
+            <a:pPr lvl="1">
+              <a:buSzPct val="95000"/>
+            </a:pPr>
+            <a:r>
+              <a:rPr lang="it-IT" sz="2800" dirty="0" smtClean="0">
                 <a:solidFill>
                   <a:srgbClr val="000000"/>
                 </a:solidFill>
                 <a:latin typeface="Calibri"/>
               </a:rPr>
-              <a:t>è una funzionalità interna al nostro </a:t>
-            </a:r>
-            <a:r>
-              <a:rPr lang="it-IT" sz="4000" dirty="0" smtClean="0">
+              <a:t>è </a:t>
+            </a:r>
+            <a:r>
+              <a:rPr lang="it-IT" sz="2800" dirty="0">
+                <a:solidFill>
+                  <a:srgbClr val="000000"/>
+                </a:solidFill>
+                <a:latin typeface="Calibri"/>
+              </a:rPr>
+              <a:t>una funzionalità interna al nostro </a:t>
+            </a:r>
+            <a:r>
+              <a:rPr lang="it-IT" sz="2800" dirty="0" smtClean="0">
                 <a:solidFill>
                   <a:srgbClr val="000000"/>
                 </a:solidFill>
@@ -4451,7 +4481,7 @@
               <a:t>sistema </a:t>
             </a:r>
             <a:r>
-              <a:rPr lang="it-IT" sz="4000" dirty="0">
+              <a:rPr lang="it-IT" sz="2800" dirty="0">
                 <a:solidFill>
                   <a:srgbClr val="000000"/>
                 </a:solidFill>
@@ -4592,8 +4622,8 @@
                 <a:spcPct val="100000"/>
               </a:lnSpc>
               <a:buSzPct val="95000"/>
-              <a:buFont typeface="Arial"/>
-              <a:buChar char="•"/>
+              <a:buFont typeface="Wingdings" pitchFamily="2" charset="2"/>
+              <a:buChar char="v"/>
             </a:pPr>
             <a:r>
               <a:rPr lang="it-IT" sz="3200" dirty="0">
@@ -4616,10 +4646,7 @@
             <a:endParaRPr sz="2000"/>
           </a:p>
           <a:p>
-            <a:pPr>
-              <a:lnSpc>
-                <a:spcPct val="100000"/>
-              </a:lnSpc>
+            <a:pPr lvl="1">
               <a:buSzPct val="95000"/>
               <a:buFont typeface="Arial"/>
               <a:buChar char="•"/>
@@ -4640,15 +4667,39 @@
                 </a:solidFill>
                 <a:latin typeface="Calibri"/>
               </a:rPr>
-              <a:t>, manda una notifica al responsabile delle classi, con un link in cui quest'ultimo l'approverà.</a:t>
+              <a:t>, manda una notifica al responsabile delle </a:t>
+            </a:r>
+            <a:r>
+              <a:rPr lang="it-IT" sz="3200" dirty="0" smtClean="0">
+                <a:solidFill>
+                  <a:srgbClr val="000000"/>
+                </a:solidFill>
+                <a:latin typeface="Calibri"/>
+              </a:rPr>
+              <a:t>classi,che </a:t>
+            </a:r>
+            <a:r>
+              <a:rPr lang="it-IT" sz="3200" dirty="0">
+                <a:solidFill>
+                  <a:srgbClr val="000000"/>
+                </a:solidFill>
+                <a:latin typeface="Calibri"/>
+              </a:rPr>
+              <a:t>quest'ultimo </a:t>
+            </a:r>
+            <a:r>
+              <a:rPr lang="it-IT" sz="3200" dirty="0" smtClean="0">
+                <a:solidFill>
+                  <a:srgbClr val="000000"/>
+                </a:solidFill>
+                <a:latin typeface="Calibri"/>
+              </a:rPr>
+              <a:t>dovrà poi approvare.</a:t>
             </a:r>
             <a:endParaRPr sz="2000"/>
           </a:p>
           <a:p>
-            <a:pPr>
-              <a:lnSpc>
-                <a:spcPct val="100000"/>
-              </a:lnSpc>
+            <a:pPr lvl="1">
               <a:buSzPct val="95000"/>
               <a:buFont typeface="Arial"/>
               <a:buChar char="•"/>
@@ -4692,10 +4743,7 @@
             <a:endParaRPr sz="2000"/>
           </a:p>
           <a:p>
-            <a:pPr>
-              <a:lnSpc>
-                <a:spcPct val="100000"/>
-              </a:lnSpc>
+            <a:pPr lvl="1">
               <a:buSzPct val="95000"/>
               <a:buFont typeface="Arial"/>
               <a:buChar char="•"/>
@@ -4846,7 +4894,7 @@
               <a:buChar char="•"/>
             </a:pPr>
             <a:r>
-              <a:rPr lang="it-IT" sz="4400" b="1" dirty="0">
+              <a:rPr lang="it-IT" sz="3200" b="1" dirty="0">
                 <a:solidFill>
                   <a:srgbClr val="000000"/>
                 </a:solidFill>
@@ -4855,7 +4903,7 @@
               <a:t>Licenziamento,</a:t>
             </a:r>
             <a:r>
-              <a:rPr lang="it-IT" sz="4400" dirty="0">
+              <a:rPr lang="it-IT" sz="3200" dirty="0">
                 <a:solidFill>
                   <a:srgbClr val="000000"/>
                 </a:solidFill>
@@ -4864,7 +4912,7 @@
               <a:t>manda una notifica al diretto interessato</a:t>
             </a:r>
             <a:r>
-              <a:rPr lang="it-IT" sz="4400" b="1" dirty="0">
+              <a:rPr lang="it-IT" sz="3200" b="1" dirty="0">
                 <a:solidFill>
                   <a:srgbClr val="000000"/>
                 </a:solidFill>
@@ -4884,7 +4932,7 @@
               <a:buChar char="•"/>
             </a:pPr>
             <a:r>
-              <a:rPr lang="it-IT" sz="4400" b="1" dirty="0">
+              <a:rPr lang="it-IT" sz="3200" b="1" dirty="0">
                 <a:solidFill>
                   <a:srgbClr val="000000"/>
                 </a:solidFill>
@@ -4893,7 +4941,7 @@
               <a:t>Registrazione,</a:t>
             </a:r>
             <a:r>
-              <a:rPr lang="it-IT" sz="4400" dirty="0">
+              <a:rPr lang="it-IT" sz="3200" dirty="0">
                 <a:solidFill>
                   <a:srgbClr val="000000"/>
                 </a:solidFill>
@@ -4901,7 +4949,7 @@
               </a:rPr>
               <a:t>alla fine della registrazione il sistema invia un </a:t>
             </a:r>
-            <a:endParaRPr lang="it-IT" sz="4400" dirty="0" smtClean="0">
+            <a:endParaRPr lang="it-IT" sz="3200" dirty="0" smtClean="0">
               <a:solidFill>
                 <a:srgbClr val="000000"/>
               </a:solidFill>
@@ -4916,7 +4964,7 @@
               <a:buSzPct val="95000"/>
             </a:pPr>
             <a:r>
-              <a:rPr lang="it-IT" sz="4400" dirty="0" smtClean="0">
+              <a:rPr lang="it-IT" sz="3200" dirty="0" smtClean="0">
                 <a:solidFill>
                   <a:srgbClr val="000000"/>
                 </a:solidFill>
@@ -4925,7 +4973,7 @@
               <a:t>e-mail </a:t>
             </a:r>
             <a:r>
-              <a:rPr lang="it-IT" sz="4400" dirty="0">
+              <a:rPr lang="it-IT" sz="3200" dirty="0">
                 <a:solidFill>
                   <a:srgbClr val="000000"/>
                 </a:solidFill>
@@ -4934,7 +4982,7 @@
               <a:t>con le credenziali appena inserite</a:t>
             </a:r>
             <a:r>
-              <a:rPr lang="it-IT" sz="4400" b="1" dirty="0">
+              <a:rPr lang="it-IT" sz="3200" b="1" dirty="0">
                 <a:solidFill>
                   <a:srgbClr val="000000"/>
                 </a:solidFill>
@@ -5138,18 +5186,77 @@
                 <a:spcPct val="100000"/>
               </a:lnSpc>
               <a:buSzPct val="95000"/>
+              <a:buFont typeface="Wingdings" pitchFamily="2" charset="2"/>
+              <a:buChar char="v"/>
             </a:pPr>
             <a:r>
-              <a:rPr lang="it-IT" sz="4400" dirty="0">
+              <a:rPr lang="it-IT" sz="4400" b="1" dirty="0" smtClean="0">
                 <a:solidFill>
                   <a:srgbClr val="000000"/>
                 </a:solidFill>
                 <a:latin typeface="Calibri"/>
               </a:rPr>
-              <a:t>Per dar vita a questa funzionalità abbiamo usato </a:t>
-            </a:r>
-            <a:r>
-              <a:rPr lang="it-IT" sz="4400" b="1" dirty="0" smtClean="0">
+              <a:t>Come fare?</a:t>
+            </a:r>
+          </a:p>
+          <a:p>
+            <a:pPr>
+              <a:lnSpc>
+                <a:spcPct val="100000"/>
+              </a:lnSpc>
+              <a:buSzPct val="95000"/>
+            </a:pPr>
+            <a:endParaRPr lang="it-IT" sz="4400" b="1" dirty="0" smtClean="0">
+              <a:solidFill>
+                <a:srgbClr val="000000"/>
+              </a:solidFill>
+              <a:latin typeface="Calibri"/>
+            </a:endParaRPr>
+          </a:p>
+          <a:p>
+            <a:pPr lvl="1">
+              <a:buSzPct val="95000"/>
+              <a:buFont typeface="Arial" pitchFamily="34" charset="0"/>
+              <a:buChar char="•"/>
+            </a:pPr>
+            <a:r>
+              <a:rPr lang="it-IT" sz="3200" dirty="0" smtClean="0">
+                <a:solidFill>
+                  <a:srgbClr val="000000"/>
+                </a:solidFill>
+                <a:latin typeface="Calibri"/>
+              </a:rPr>
+              <a:t>Per </a:t>
+            </a:r>
+            <a:r>
+              <a:rPr lang="it-IT" sz="3200" dirty="0">
+                <a:solidFill>
+                  <a:srgbClr val="000000"/>
+                </a:solidFill>
+                <a:latin typeface="Calibri"/>
+              </a:rPr>
+              <a:t>dar vita a questa funzionalità </a:t>
+            </a:r>
+            <a:r>
+              <a:rPr lang="it-IT" sz="3200" dirty="0" smtClean="0">
+                <a:solidFill>
+                  <a:srgbClr val="000000"/>
+                </a:solidFill>
+                <a:latin typeface="Calibri"/>
+              </a:rPr>
+              <a:t>abbiamo </a:t>
+            </a:r>
+            <a:r>
+              <a:rPr lang="it-IT" sz="3200" dirty="0">
+                <a:solidFill>
+                  <a:srgbClr val="000000"/>
+                </a:solidFill>
+                <a:latin typeface="Calibri"/>
+              </a:rPr>
+              <a:t>usato </a:t>
+            </a:r>
+            <a:r>
+              <a:rPr lang="it-IT" sz="3200" b="1" dirty="0" smtClean="0">
                 <a:solidFill>
                   <a:srgbClr val="000000"/>
                 </a:solidFill>
@@ -5158,16 +5265,34 @@
               <a:t>JAVAMAIL  (</a:t>
             </a:r>
             <a:r>
-              <a:rPr lang="it-IT" sz="4400" b="1" dirty="0">
+              <a:rPr lang="it-IT" sz="3200" b="1" dirty="0">
                 <a:solidFill>
                   <a:srgbClr val="000000"/>
                 </a:solidFill>
                 <a:latin typeface="Calibri"/>
               </a:rPr>
-              <a:t>è un api della </a:t>
-            </a:r>
-            <a:r>
-              <a:rPr lang="it-IT" sz="4400" b="1" dirty="0" err="1">
+              <a:t>è </a:t>
+            </a:r>
+            <a:r>
+              <a:rPr lang="it-IT" sz="3200" b="1" dirty="0" smtClean="0">
+                <a:solidFill>
+                  <a:srgbClr val="000000"/>
+                </a:solidFill>
+                <a:latin typeface="Calibri"/>
+              </a:rPr>
+              <a:t>un </a:t>
+            </a:r>
+            <a:r>
+              <a:rPr lang="it-IT" sz="3200" b="1" dirty="0">
+                <a:solidFill>
+                  <a:srgbClr val="000000"/>
+                </a:solidFill>
+                <a:latin typeface="Calibri"/>
+              </a:rPr>
+              <a:t>api della </a:t>
+            </a:r>
+            <a:r>
+              <a:rPr lang="it-IT" sz="3200" b="1" dirty="0" err="1">
                 <a:solidFill>
                   <a:srgbClr val="000000"/>
                 </a:solidFill>
@@ -5176,7 +5301,7 @@
               <a:t>Sun</a:t>
             </a:r>
             <a:r>
-              <a:rPr lang="it-IT" sz="4400" b="1" dirty="0">
+              <a:rPr lang="it-IT" sz="3200" b="1" dirty="0">
                 <a:solidFill>
                   <a:srgbClr val="000000"/>
                 </a:solidFill>
@@ -5185,15 +5310,51 @@
               <a:t>) </a:t>
             </a:r>
             <a:r>
-              <a:rPr lang="it-IT" sz="4400" dirty="0">
+              <a:rPr lang="it-IT" sz="3200" dirty="0">
                 <a:solidFill>
                   <a:srgbClr val="000000"/>
                 </a:solidFill>
                 <a:latin typeface="Calibri"/>
               </a:rPr>
-              <a:t>e l'abbiamo integrata nel nostro sistema tramite il design pattern BRIDGE.</a:t>
-            </a:r>
-            <a:endParaRPr sz="3200"/>
+              <a:t>e l'abbiamo </a:t>
+            </a:r>
+            <a:r>
+              <a:rPr lang="it-IT" sz="3200" dirty="0" smtClean="0">
+                <a:solidFill>
+                  <a:srgbClr val="000000"/>
+                </a:solidFill>
+                <a:latin typeface="Calibri"/>
+              </a:rPr>
+              <a:t>integrata </a:t>
+            </a:r>
+            <a:r>
+              <a:rPr lang="it-IT" sz="3200" dirty="0">
+                <a:solidFill>
+                  <a:srgbClr val="000000"/>
+                </a:solidFill>
+                <a:latin typeface="Calibri"/>
+              </a:rPr>
+              <a:t>nel nostro sistema </a:t>
+            </a:r>
+            <a:r>
+              <a:rPr lang="it-IT" sz="3200" dirty="0" smtClean="0">
+                <a:solidFill>
+                  <a:srgbClr val="000000"/>
+                </a:solidFill>
+                <a:latin typeface="Calibri"/>
+              </a:rPr>
+              <a:t>tramite </a:t>
+            </a:r>
+            <a:r>
+              <a:rPr lang="it-IT" sz="3200" dirty="0">
+                <a:solidFill>
+                  <a:srgbClr val="000000"/>
+                </a:solidFill>
+                <a:latin typeface="Calibri"/>
+              </a:rPr>
+              <a:t>il design pattern BRIDGE.</a:t>
+            </a:r>
+            <a:endParaRPr sz="2000"/>
           </a:p>
         </p:txBody>
       </p:sp>
@@ -6007,11 +6168,7 @@
           <a:p>
             <a:r>
               <a:rPr lang="it-IT" dirty="0" smtClean="0"/>
-              <a:t>t</a:t>
-            </a:r>
-            <a:r>
-              <a:rPr lang="it-IT" dirty="0" smtClean="0"/>
-              <a:t>ipi di messaggi sopra citati ovvero : </a:t>
+              <a:t>tipi di messaggi sopra citati ovvero : </a:t>
             </a:r>
             <a:r>
               <a:rPr lang="it-IT" dirty="0" err="1" smtClean="0"/>
@@ -6151,32 +6308,39 @@
                 <a:spcPct val="100000"/>
               </a:lnSpc>
               <a:buSzPct val="95000"/>
+              <a:buFont typeface="Wingdings" pitchFamily="2" charset="2"/>
+              <a:buChar char="v"/>
             </a:pPr>
             <a:r>
-              <a:rPr lang="it-IT" sz="3200" dirty="0" smtClean="0"/>
-              <a:t>Abbiamo scelto di integrare </a:t>
-            </a:r>
-            <a:r>
               <a:rPr lang="it-IT" sz="3200" b="1" dirty="0" err="1" smtClean="0"/>
-              <a:t>JavaMail</a:t>
-            </a:r>
-            <a:r>
-              <a:rPr lang="it-IT" sz="3200" b="1" dirty="0" smtClean="0"/>
-              <a:t> </a:t>
-            </a:r>
-            <a:r>
-              <a:rPr lang="it-IT" sz="3200" dirty="0" smtClean="0"/>
-              <a:t>con il pattern bridge, perché soprattutto ci permette di inserire altri messaggi in modo semplice  e senza causare molti cambiamenti nel sistema cosi come modificare </a:t>
-            </a:r>
-            <a:r>
-              <a:rPr lang="it-IT" sz="3200" smtClean="0"/>
-              <a:t>quelli già esistenti</a:t>
-            </a:r>
-            <a:r>
-              <a:rPr lang="it-IT" sz="3200" dirty="0" smtClean="0"/>
-              <a:t>.</a:t>
-            </a:r>
-            <a:endParaRPr sz="3200" b="1"/>
+              <a:t>Perchè</a:t>
+            </a:r>
+            <a:endParaRPr lang="it-IT" sz="3200" b="1" dirty="0" smtClean="0"/>
+          </a:p>
+          <a:p>
+            <a:pPr>
+              <a:lnSpc>
+                <a:spcPct val="100000"/>
+              </a:lnSpc>
+              <a:buSzPct val="95000"/>
+            </a:pPr>
+            <a:endParaRPr lang="it-IT" sz="3200" dirty="0" smtClean="0"/>
+          </a:p>
+          <a:p>
+            <a:pPr lvl="1">
+              <a:buSzPct val="95000"/>
+              <a:buFont typeface="Arial" pitchFamily="34" charset="0"/>
+              <a:buChar char="•"/>
+            </a:pPr>
+            <a:r>
+              <a:rPr lang="it-IT" sz="2800" smtClean="0"/>
+              <a:t>ci </a:t>
+            </a:r>
+            <a:r>
+              <a:rPr lang="it-IT" sz="2800" dirty="0" smtClean="0"/>
+              <a:t>permette di inserire altri messaggi in modo semplice  e senza causare molti cambiamenti nel sistema cosi come modificare quelli già esistenti.</a:t>
+            </a:r>
+            <a:endParaRPr sz="2800" b="1"/>
           </a:p>
         </p:txBody>
       </p:sp>

--- a/Presentazione/Atsilo1/Bottiglieri/Atsilo_A_GianfrancoB.pptx
+++ b/Presentazione/Atsilo1/Bottiglieri/Atsilo_A_GianfrancoB.pptx
@@ -5,7 +5,7 @@
     <p:sldMasterId id="2147483684" r:id="rId1"/>
   </p:sldMasterIdLst>
   <p:notesMasterIdLst>
-    <p:notesMasterId r:id="rId10"/>
+    <p:notesMasterId r:id="rId11"/>
   </p:notesMasterIdLst>
   <p:sldIdLst>
     <p:sldId id="280" r:id="rId2"/>
@@ -16,6 +16,7 @@
     <p:sldId id="285" r:id="rId7"/>
     <p:sldId id="286" r:id="rId8"/>
     <p:sldId id="287" r:id="rId9"/>
+    <p:sldId id="288" r:id="rId10"/>
   </p:sldIdLst>
   <p:sldSz cx="9144000" cy="6858000" type="screen4x3"/>
   <p:notesSz cx="6858000" cy="9144000"/>
@@ -369,7 +370,7 @@
     </p:spTree>
     <p:extLst>
       <p:ext uri="{BB962C8B-B14F-4D97-AF65-F5344CB8AC3E}">
-        <p14:creationId xmlns="" xmlns:p14="http://schemas.microsoft.com/office/powerpoint/2010/main" val="2126419590"/>
+        <p14:creationId xmlns:p14="http://schemas.microsoft.com/office/powerpoint/2010/main" xmlns="" val="2126419590"/>
       </p:ext>
     </p:extLst>
   </p:cSld>
@@ -4570,15 +4571,57 @@
               </a:lnSpc>
             </a:pPr>
             <a:r>
-              <a:rPr lang="it-IT" sz="4800" b="1">
+              <a:rPr lang="it-IT" sz="4800" b="1" dirty="0">
                 <a:solidFill>
                   <a:srgbClr val="000000"/>
                 </a:solidFill>
                 <a:latin typeface="Calibri"/>
               </a:rPr>
-              <a:t>TIPI DI NOTIFICHE</a:t>
-            </a:r>
-            <a:endParaRPr/>
+              <a:t>TIPI </a:t>
+            </a:r>
+            <a:r>
+              <a:rPr lang="it-IT" sz="4800" b="1" dirty="0" err="1">
+                <a:solidFill>
+                  <a:srgbClr val="000000"/>
+                </a:solidFill>
+                <a:latin typeface="Calibri"/>
+              </a:rPr>
+              <a:t>DI</a:t>
+            </a:r>
+            <a:r>
+              <a:rPr lang="it-IT" sz="4800" b="1" dirty="0">
+                <a:solidFill>
+                  <a:srgbClr val="000000"/>
+                </a:solidFill>
+                <a:latin typeface="Calibri"/>
+              </a:rPr>
+              <a:t> </a:t>
+            </a:r>
+            <a:r>
+              <a:rPr lang="it-IT" sz="4800" b="1" dirty="0" smtClean="0">
+                <a:solidFill>
+                  <a:srgbClr val="000000"/>
+                </a:solidFill>
+                <a:latin typeface="Calibri"/>
+              </a:rPr>
+              <a:t>NOTIFICHE</a:t>
+            </a:r>
+          </a:p>
+          <a:p>
+            <a:pPr algn="ctr">
+              <a:lnSpc>
+                <a:spcPct val="100000"/>
+              </a:lnSpc>
+            </a:pPr>
+            <a:r>
+              <a:rPr lang="it-IT" sz="3000" dirty="0" smtClean="0">
+                <a:solidFill>
+                  <a:srgbClr val="000000"/>
+                </a:solidFill>
+              </a:rPr>
+              <a:t>(1)</a:t>
+            </a:r>
+            <a:endParaRPr sz="3000"/>
           </a:p>
           <a:p>
             <a:pPr algn="ctr">
@@ -5054,13 +5097,13 @@
               </a:lnSpc>
             </a:pPr>
             <a:r>
-              <a:rPr lang="it-IT" sz="3000" dirty="0">
+              <a:rPr lang="it-IT" sz="3000" dirty="0" smtClean="0">
                 <a:solidFill>
                   <a:srgbClr val="000000"/>
                 </a:solidFill>
                 <a:latin typeface="Calibri"/>
               </a:rPr>
-              <a:t>(continua)</a:t>
+              <a:t>(2)</a:t>
             </a:r>
             <a:endParaRPr/>
           </a:p>
@@ -6311,11 +6354,22 @@
               <a:buFont typeface="Wingdings" pitchFamily="2" charset="2"/>
               <a:buChar char="v"/>
             </a:pPr>
+            <a:endParaRPr lang="it-IT" sz="3200" b="1" dirty="0" smtClean="0"/>
+          </a:p>
+          <a:p>
+            <a:pPr>
+              <a:lnSpc>
+                <a:spcPct val="100000"/>
+              </a:lnSpc>
+              <a:buSzPct val="95000"/>
+              <a:buFont typeface="Wingdings" pitchFamily="2" charset="2"/>
+              <a:buChar char="v"/>
+            </a:pPr>
             <a:r>
               <a:rPr lang="it-IT" sz="3200" b="1" dirty="0" err="1" smtClean="0"/>
               <a:t>Perchè</a:t>
             </a:r>
-            <a:endParaRPr lang="it-IT" sz="3200" b="1" dirty="0" smtClean="0"/>
+            <a:endParaRPr lang="it-IT" sz="3200" dirty="0" smtClean="0"/>
           </a:p>
           <a:p>
             <a:pPr>
@@ -6333,14 +6387,13 @@
               <a:buChar char="•"/>
             </a:pPr>
             <a:r>
-              <a:rPr lang="it-IT" sz="2800" smtClean="0"/>
-              <a:t>ci </a:t>
-            </a:r>
-            <a:r>
               <a:rPr lang="it-IT" sz="2800" dirty="0" smtClean="0"/>
-              <a:t>permette di inserire altri messaggi in modo semplice  e senza causare molti cambiamenti nel sistema cosi come modificare quelli già esistenti.</a:t>
-            </a:r>
-            <a:endParaRPr sz="2800" b="1"/>
+              <a:t>ci permette di inserire altri messaggi in modo semplice  e senza causare molti cambiamenti nel sistema cosi come modificare quelli già esistenti</a:t>
+            </a:r>
+            <a:r>
+              <a:rPr lang="it-IT" sz="2800" dirty="0" smtClean="0"/>
+              <a:t>.</a:t>
+            </a:r>
           </a:p>
         </p:txBody>
       </p:sp>
@@ -6375,9 +6428,276 @@
                 </a:solidFill>
                 <a:latin typeface="Calibri"/>
               </a:rPr>
-              <a:t>PERCHE’ BRIDGE?</a:t>
-            </a:r>
+              <a:t>PERCHE’ BRIDGE</a:t>
+            </a:r>
+            <a:r>
+              <a:rPr lang="it-IT" sz="4800" b="1" dirty="0" smtClean="0">
+                <a:solidFill>
+                  <a:srgbClr val="000000"/>
+                </a:solidFill>
+                <a:latin typeface="Calibri"/>
+              </a:rPr>
+              <a:t>?</a:t>
+            </a:r>
+          </a:p>
+          <a:p>
+            <a:pPr algn="ctr">
+              <a:lnSpc>
+                <a:spcPct val="100000"/>
+              </a:lnSpc>
+            </a:pPr>
+            <a:r>
+              <a:rPr lang="it-IT" sz="3000" dirty="0" smtClean="0">
+                <a:solidFill>
+                  <a:srgbClr val="000000"/>
+                </a:solidFill>
+                <a:latin typeface="Calibri"/>
+              </a:rPr>
+              <a:t>(1)</a:t>
+            </a:r>
+            <a:endParaRPr sz="3000"/>
+          </a:p>
+        </p:txBody>
+      </p:sp>
+    </p:spTree>
+  </p:cSld>
+  <p:clrMapOvr>
+    <a:masterClrMapping/>
+  </p:clrMapOvr>
+  <p:timing>
+    <p:tnLst>
+      <p:par>
+        <p:cTn id="1" dur="indefinite" restart="never" nodeType="tmRoot">
+          <p:childTnLst>
+            <p:seq>
+              <p:cTn id="2" nodeType="mainSeq"/>
+              <p:prevCondLst>
+                <p:cond evt="onPrev" delay="0">
+                  <p:tgtEl>
+                    <p:sldTgt/>
+                  </p:tgtEl>
+                </p:cond>
+              </p:prevCondLst>
+              <p:nextCondLst>
+                <p:cond evt="onNext" delay="0">
+                  <p:tgtEl>
+                    <p:sldTgt/>
+                  </p:tgtEl>
+                </p:cond>
+              </p:nextCondLst>
+            </p:seq>
+          </p:childTnLst>
+        </p:cTn>
+      </p:par>
+    </p:tnLst>
+  </p:timing>
+</p:sld>
+</file>
+
+<file path=ppt/slides/slide9.xml><?xml version="1.0" encoding="utf-8"?>
+<p:sld xmlns:a="http://schemas.openxmlformats.org/drawingml/2006/main" xmlns:r="http://schemas.openxmlformats.org/officeDocument/2006/relationships" xmlns:p="http://schemas.openxmlformats.org/presentationml/2006/main">
+  <p:cSld>
+    <p:spTree>
+      <p:nvGrpSpPr>
+        <p:cNvPr id="1" name=""/>
+        <p:cNvGrpSpPr/>
+        <p:nvPr/>
+      </p:nvGrpSpPr>
+      <p:grpSpPr>
+        <a:xfrm>
+          <a:off x="0" y="0"/>
+          <a:ext cx="0" cy="0"/>
+          <a:chOff x="0" y="0"/>
+          <a:chExt cx="0" cy="0"/>
+        </a:xfrm>
+      </p:grpSpPr>
+      <p:sp>
+        <p:nvSpPr>
+          <p:cNvPr id="48" name="CustomShape 1"/>
+          <p:cNvSpPr/>
+          <p:nvPr/>
+        </p:nvSpPr>
+        <p:spPr>
+          <a:xfrm>
+            <a:off x="1671480" y="476640"/>
+            <a:ext cx="5540040" cy="1521720"/>
+          </a:xfrm>
+          <a:prstGeom prst="rect">
+            <a:avLst/>
+          </a:prstGeom>
+        </p:spPr>
+        <p:txBody>
+          <a:bodyPr wrap="none" lIns="90000" tIns="45000" rIns="90000" bIns="45000"/>
+          <a:lstStyle/>
+          <a:p>
+            <a:pPr algn="ctr">
+              <a:lnSpc>
+                <a:spcPct val="100000"/>
+              </a:lnSpc>
+            </a:pPr>
             <a:endParaRPr/>
+          </a:p>
+          <a:p>
+            <a:pPr algn="ctr">
+              <a:lnSpc>
+                <a:spcPct val="100000"/>
+              </a:lnSpc>
+            </a:pPr>
+            <a:endParaRPr/>
+          </a:p>
+          <a:p>
+            <a:pPr algn="ctr">
+              <a:lnSpc>
+                <a:spcPct val="100000"/>
+              </a:lnSpc>
+            </a:pPr>
+            <a:endParaRPr/>
+          </a:p>
+        </p:txBody>
+      </p:sp>
+      <p:sp>
+        <p:nvSpPr>
+          <p:cNvPr id="49" name="CustomShape 2"/>
+          <p:cNvSpPr/>
+          <p:nvPr/>
+        </p:nvSpPr>
+        <p:spPr>
+          <a:xfrm>
+            <a:off x="357158" y="1795320"/>
+            <a:ext cx="8177040" cy="4633560"/>
+          </a:xfrm>
+          <a:prstGeom prst="rect">
+            <a:avLst/>
+          </a:prstGeom>
+        </p:spPr>
+        <p:txBody>
+          <a:bodyPr lIns="90000" tIns="0" rIns="90000" bIns="45000"/>
+          <a:lstStyle/>
+          <a:p>
+            <a:pPr>
+              <a:lnSpc>
+                <a:spcPct val="100000"/>
+              </a:lnSpc>
+              <a:buSzPct val="95000"/>
+              <a:buFont typeface="Wingdings" pitchFamily="2" charset="2"/>
+              <a:buChar char="v"/>
+            </a:pPr>
+            <a:endParaRPr lang="it-IT" sz="3200" b="1" dirty="0" smtClean="0"/>
+          </a:p>
+          <a:p>
+            <a:pPr>
+              <a:lnSpc>
+                <a:spcPct val="100000"/>
+              </a:lnSpc>
+              <a:buSzPct val="95000"/>
+              <a:buFont typeface="Wingdings" pitchFamily="2" charset="2"/>
+              <a:buChar char="v"/>
+            </a:pPr>
+            <a:r>
+              <a:rPr lang="it-IT" sz="3200" b="1" dirty="0" smtClean="0"/>
+              <a:t>Perché</a:t>
+            </a:r>
+          </a:p>
+          <a:p>
+            <a:pPr>
+              <a:lnSpc>
+                <a:spcPct val="100000"/>
+              </a:lnSpc>
+              <a:buSzPct val="95000"/>
+            </a:pPr>
+            <a:endParaRPr lang="it-IT" sz="3200" b="1" dirty="0" smtClean="0"/>
+          </a:p>
+          <a:p>
+            <a:pPr lvl="1">
+              <a:buSzPct val="95000"/>
+            </a:pPr>
+            <a:endParaRPr lang="it-IT" sz="2800" dirty="0" smtClean="0"/>
+          </a:p>
+          <a:p>
+            <a:pPr lvl="1">
+              <a:buSzPct val="95000"/>
+              <a:buFont typeface="Arial" pitchFamily="34" charset="0"/>
+              <a:buChar char="•"/>
+            </a:pPr>
+            <a:r>
+              <a:rPr lang="it-IT" sz="2800" dirty="0" smtClean="0"/>
+              <a:t>il </a:t>
+            </a:r>
+            <a:r>
+              <a:rPr lang="it-IT" sz="2800" dirty="0" err="1" smtClean="0"/>
+              <a:t>controlMail</a:t>
+            </a:r>
+            <a:r>
+              <a:rPr lang="it-IT" sz="2800" dirty="0" smtClean="0"/>
+              <a:t> </a:t>
+            </a:r>
+            <a:r>
+              <a:rPr lang="it-IT" sz="2800" dirty="0" smtClean="0"/>
+              <a:t>può usare un solo metodo di invio senza badare al tipo di notifica infatti prende in input un oggetto MESSAGGIO.</a:t>
+            </a:r>
+            <a:endParaRPr sz="2800"/>
+          </a:p>
+        </p:txBody>
+      </p:sp>
+      <p:sp>
+        <p:nvSpPr>
+          <p:cNvPr id="50" name="TextShape 3"/>
+          <p:cNvSpPr txBox="1"/>
+          <p:nvPr/>
+        </p:nvSpPr>
+        <p:spPr>
+          <a:xfrm>
+            <a:off x="1166040" y="864000"/>
+            <a:ext cx="6753960" cy="1368000"/>
+          </a:xfrm>
+          <a:prstGeom prst="rect">
+            <a:avLst/>
+          </a:prstGeom>
+        </p:spPr>
+        <p:txBody>
+          <a:bodyPr wrap="none" lIns="90000" tIns="45000" rIns="90000" bIns="45000"/>
+          <a:lstStyle/>
+          <a:p>
+            <a:pPr algn="ctr">
+              <a:lnSpc>
+                <a:spcPct val="100000"/>
+              </a:lnSpc>
+            </a:pPr>
+            <a:r>
+              <a:rPr lang="it-IT" sz="4800" b="1" dirty="0" smtClean="0">
+                <a:solidFill>
+                  <a:srgbClr val="000000"/>
+                </a:solidFill>
+                <a:latin typeface="Calibri"/>
+              </a:rPr>
+              <a:t>PERCHE’ BRIDGE</a:t>
+            </a:r>
+            <a:r>
+              <a:rPr lang="it-IT" sz="4800" b="1" dirty="0" smtClean="0">
+                <a:solidFill>
+                  <a:srgbClr val="000000"/>
+                </a:solidFill>
+                <a:latin typeface="Calibri"/>
+              </a:rPr>
+              <a:t>?</a:t>
+            </a:r>
+          </a:p>
+          <a:p>
+            <a:pPr algn="ctr">
+              <a:lnSpc>
+                <a:spcPct val="100000"/>
+              </a:lnSpc>
+            </a:pPr>
+            <a:r>
+              <a:rPr lang="it-IT" sz="3000" dirty="0" smtClean="0">
+                <a:solidFill>
+                  <a:srgbClr val="000000"/>
+                </a:solidFill>
+                <a:latin typeface="Calibri"/>
+              </a:rPr>
+              <a:t>(2)</a:t>
+            </a:r>
+            <a:endParaRPr sz="3000"/>
           </a:p>
         </p:txBody>
       </p:sp>

--- a/Presentazione/Atsilo1/Bottiglieri/Atsilo_A_GianfrancoB.pptx
+++ b/Presentazione/Atsilo1/Bottiglieri/Atsilo_A_GianfrancoB.pptx
@@ -201,7 +201,7 @@
             <a:fld id="{38D78F4D-402C-46E0-A4BB-DF91EA86B14C}" type="datetimeFigureOut">
               <a:rPr lang="it-IT" smtClean="0"/>
               <a:pPr/>
-              <a:t>29/12/2012</a:t>
+              <a:t>30/12/12</a:t>
             </a:fld>
             <a:endParaRPr lang="it-IT"/>
           </a:p>
@@ -361,7 +361,7 @@
             <a:fld id="{D70604CA-7593-4640-8FA1-5523937B8510}" type="slidenum">
               <a:rPr lang="it-IT" smtClean="0"/>
               <a:pPr/>
-              <a:t>‹N›</a:t>
+              <a:t>‹n.›</a:t>
             </a:fld>
             <a:endParaRPr lang="it-IT"/>
           </a:p>
@@ -370,7 +370,7 @@
     </p:spTree>
     <p:extLst>
       <p:ext uri="{BB962C8B-B14F-4D97-AF65-F5344CB8AC3E}">
-        <p14:creationId xmlns:p14="http://schemas.microsoft.com/office/powerpoint/2010/main" xmlns="" val="2126419590"/>
+        <p14:creationId xmlns:p14="http://schemas.microsoft.com/office/powerpoint/2010/main" val="2126419590"/>
       </p:ext>
     </p:extLst>
   </p:cSld>
@@ -636,7 +636,7 @@
             <a:fld id="{63CABBC0-75E4-43BB-A6A6-84C2A96BDB82}" type="datetimeFigureOut">
               <a:rPr lang="it-IT" smtClean="0"/>
               <a:pPr/>
-              <a:t>29/12/2012</a:t>
+              <a:t>30/12/12</a:t>
             </a:fld>
             <a:endParaRPr lang="it-IT"/>
           </a:p>
@@ -679,7 +679,7 @@
             <a:fld id="{F89AEA99-3E91-4C58-9AD4-045DB5619AC3}" type="slidenum">
               <a:rPr lang="it-IT" smtClean="0"/>
               <a:pPr/>
-              <a:t>‹N›</a:t>
+              <a:t>‹n.›</a:t>
             </a:fld>
             <a:endParaRPr lang="it-IT"/>
           </a:p>
@@ -693,7 +693,7 @@
   <p:timing>
     <p:tnLst>
       <p:par>
-        <p:cTn id="1" dur="indefinite" restart="never" nodeType="tmRoot"/>
+        <p:cTn xmlns:p14="http://schemas.microsoft.com/office/powerpoint/2010/main" id="1" dur="indefinite" restart="never" nodeType="tmRoot"/>
       </p:par>
     </p:tnLst>
   </p:timing>
@@ -818,7 +818,7 @@
             <a:fld id="{63CABBC0-75E4-43BB-A6A6-84C2A96BDB82}" type="datetimeFigureOut">
               <a:rPr lang="it-IT" smtClean="0"/>
               <a:pPr/>
-              <a:t>29/12/2012</a:t>
+              <a:t>30/12/12</a:t>
             </a:fld>
             <a:endParaRPr lang="it-IT"/>
           </a:p>
@@ -861,7 +861,7 @@
             <a:fld id="{F89AEA99-3E91-4C58-9AD4-045DB5619AC3}" type="slidenum">
               <a:rPr lang="it-IT" smtClean="0"/>
               <a:pPr/>
-              <a:t>‹N›</a:t>
+              <a:t>‹n.›</a:t>
             </a:fld>
             <a:endParaRPr lang="it-IT"/>
           </a:p>
@@ -875,7 +875,7 @@
   <p:timing>
     <p:tnLst>
       <p:par>
-        <p:cTn id="1" dur="indefinite" restart="never" nodeType="tmRoot"/>
+        <p:cTn xmlns:p14="http://schemas.microsoft.com/office/powerpoint/2010/main" id="1" dur="indefinite" restart="never" nodeType="tmRoot"/>
       </p:par>
     </p:tnLst>
   </p:timing>
@@ -1010,7 +1010,7 @@
             <a:fld id="{63CABBC0-75E4-43BB-A6A6-84C2A96BDB82}" type="datetimeFigureOut">
               <a:rPr lang="it-IT" smtClean="0"/>
               <a:pPr/>
-              <a:t>29/12/2012</a:t>
+              <a:t>30/12/12</a:t>
             </a:fld>
             <a:endParaRPr lang="it-IT"/>
           </a:p>
@@ -1053,7 +1053,7 @@
             <a:fld id="{F89AEA99-3E91-4C58-9AD4-045DB5619AC3}" type="slidenum">
               <a:rPr lang="it-IT" smtClean="0"/>
               <a:pPr/>
-              <a:t>‹N›</a:t>
+              <a:t>‹n.›</a:t>
             </a:fld>
             <a:endParaRPr lang="it-IT"/>
           </a:p>
@@ -1067,7 +1067,7 @@
   <p:timing>
     <p:tnLst>
       <p:par>
-        <p:cTn id="1" dur="indefinite" restart="never" nodeType="tmRoot"/>
+        <p:cTn xmlns:p14="http://schemas.microsoft.com/office/powerpoint/2010/main" id="1" dur="indefinite" restart="never" nodeType="tmRoot"/>
       </p:par>
     </p:tnLst>
   </p:timing>
@@ -1192,7 +1192,7 @@
             <a:fld id="{63CABBC0-75E4-43BB-A6A6-84C2A96BDB82}" type="datetimeFigureOut">
               <a:rPr lang="it-IT" smtClean="0"/>
               <a:pPr/>
-              <a:t>29/12/2012</a:t>
+              <a:t>30/12/12</a:t>
             </a:fld>
             <a:endParaRPr lang="it-IT"/>
           </a:p>
@@ -1235,7 +1235,7 @@
             <a:fld id="{F89AEA99-3E91-4C58-9AD4-045DB5619AC3}" type="slidenum">
               <a:rPr lang="it-IT" smtClean="0"/>
               <a:pPr/>
-              <a:t>‹N›</a:t>
+              <a:t>‹n.›</a:t>
             </a:fld>
             <a:endParaRPr lang="it-IT"/>
           </a:p>
@@ -1249,7 +1249,7 @@
   <p:timing>
     <p:tnLst>
       <p:par>
-        <p:cTn id="1" dur="indefinite" restart="never" nodeType="tmRoot"/>
+        <p:cTn xmlns:p14="http://schemas.microsoft.com/office/powerpoint/2010/main" id="1" dur="indefinite" restart="never" nodeType="tmRoot"/>
       </p:par>
     </p:tnLst>
   </p:timing>
@@ -1435,7 +1435,7 @@
             <a:fld id="{63CABBC0-75E4-43BB-A6A6-84C2A96BDB82}" type="datetimeFigureOut">
               <a:rPr lang="it-IT" smtClean="0"/>
               <a:pPr/>
-              <a:t>29/12/2012</a:t>
+              <a:t>30/12/12</a:t>
             </a:fld>
             <a:endParaRPr lang="it-IT"/>
           </a:p>
@@ -1478,7 +1478,7 @@
             <a:fld id="{F89AEA99-3E91-4C58-9AD4-045DB5619AC3}" type="slidenum">
               <a:rPr lang="it-IT" smtClean="0"/>
               <a:pPr/>
-              <a:t>‹N›</a:t>
+              <a:t>‹n.›</a:t>
             </a:fld>
             <a:endParaRPr lang="it-IT"/>
           </a:p>
@@ -1492,7 +1492,7 @@
   <p:timing>
     <p:tnLst>
       <p:par>
-        <p:cTn id="1" dur="indefinite" restart="never" nodeType="tmRoot"/>
+        <p:cTn xmlns:p14="http://schemas.microsoft.com/office/powerpoint/2010/main" id="1" dur="indefinite" restart="never" nodeType="tmRoot"/>
       </p:par>
     </p:tnLst>
   </p:timing>
@@ -1716,7 +1716,7 @@
             <a:fld id="{63CABBC0-75E4-43BB-A6A6-84C2A96BDB82}" type="datetimeFigureOut">
               <a:rPr lang="it-IT" smtClean="0"/>
               <a:pPr/>
-              <a:t>29/12/2012</a:t>
+              <a:t>30/12/12</a:t>
             </a:fld>
             <a:endParaRPr lang="it-IT"/>
           </a:p>
@@ -1759,7 +1759,7 @@
             <a:fld id="{F89AEA99-3E91-4C58-9AD4-045DB5619AC3}" type="slidenum">
               <a:rPr lang="it-IT" smtClean="0"/>
               <a:pPr/>
-              <a:t>‹N›</a:t>
+              <a:t>‹n.›</a:t>
             </a:fld>
             <a:endParaRPr lang="it-IT"/>
           </a:p>
@@ -1773,7 +1773,7 @@
   <p:timing>
     <p:tnLst>
       <p:par>
-        <p:cTn id="1" dur="indefinite" restart="never" nodeType="tmRoot"/>
+        <p:cTn xmlns:p14="http://schemas.microsoft.com/office/powerpoint/2010/main" id="1" dur="indefinite" restart="never" nodeType="tmRoot"/>
       </p:par>
     </p:tnLst>
   </p:timing>
@@ -2107,7 +2107,7 @@
             <a:fld id="{63CABBC0-75E4-43BB-A6A6-84C2A96BDB82}" type="datetimeFigureOut">
               <a:rPr lang="it-IT" smtClean="0"/>
               <a:pPr/>
-              <a:t>29/12/2012</a:t>
+              <a:t>30/12/12</a:t>
             </a:fld>
             <a:endParaRPr lang="it-IT"/>
           </a:p>
@@ -2150,7 +2150,7 @@
             <a:fld id="{F89AEA99-3E91-4C58-9AD4-045DB5619AC3}" type="slidenum">
               <a:rPr lang="it-IT" smtClean="0"/>
               <a:pPr/>
-              <a:t>‹N›</a:t>
+              <a:t>‹n.›</a:t>
             </a:fld>
             <a:endParaRPr lang="it-IT"/>
           </a:p>
@@ -2164,7 +2164,7 @@
   <p:timing>
     <p:tnLst>
       <p:par>
-        <p:cTn id="1" dur="indefinite" restart="never" nodeType="tmRoot"/>
+        <p:cTn xmlns:p14="http://schemas.microsoft.com/office/powerpoint/2010/main" id="1" dur="indefinite" restart="never" nodeType="tmRoot"/>
       </p:par>
     </p:tnLst>
   </p:timing>
@@ -2266,7 +2266,7 @@
             <a:fld id="{63CABBC0-75E4-43BB-A6A6-84C2A96BDB82}" type="datetimeFigureOut">
               <a:rPr lang="it-IT" smtClean="0"/>
               <a:pPr/>
-              <a:t>29/12/2012</a:t>
+              <a:t>30/12/12</a:t>
             </a:fld>
             <a:endParaRPr lang="it-IT"/>
           </a:p>
@@ -2309,7 +2309,7 @@
             <a:fld id="{F89AEA99-3E91-4C58-9AD4-045DB5619AC3}" type="slidenum">
               <a:rPr lang="it-IT" smtClean="0"/>
               <a:pPr/>
-              <a:t>‹N›</a:t>
+              <a:t>‹n.›</a:t>
             </a:fld>
             <a:endParaRPr lang="it-IT"/>
           </a:p>
@@ -2323,7 +2323,7 @@
   <p:timing>
     <p:tnLst>
       <p:par>
-        <p:cTn id="1" dur="indefinite" restart="never" nodeType="tmRoot"/>
+        <p:cTn xmlns:p14="http://schemas.microsoft.com/office/powerpoint/2010/main" id="1" dur="indefinite" restart="never" nodeType="tmRoot"/>
       </p:par>
     </p:tnLst>
   </p:timing>
@@ -2365,7 +2365,7 @@
             <a:fld id="{63CABBC0-75E4-43BB-A6A6-84C2A96BDB82}" type="datetimeFigureOut">
               <a:rPr lang="it-IT" smtClean="0"/>
               <a:pPr/>
-              <a:t>29/12/2012</a:t>
+              <a:t>30/12/12</a:t>
             </a:fld>
             <a:endParaRPr lang="it-IT"/>
           </a:p>
@@ -2408,7 +2408,7 @@
             <a:fld id="{F89AEA99-3E91-4C58-9AD4-045DB5619AC3}" type="slidenum">
               <a:rPr lang="it-IT" smtClean="0"/>
               <a:pPr/>
-              <a:t>‹N›</a:t>
+              <a:t>‹n.›</a:t>
             </a:fld>
             <a:endParaRPr lang="it-IT"/>
           </a:p>
@@ -2422,7 +2422,7 @@
   <p:timing>
     <p:tnLst>
       <p:par>
-        <p:cTn id="1" dur="indefinite" restart="never" nodeType="tmRoot"/>
+        <p:cTn xmlns:p14="http://schemas.microsoft.com/office/powerpoint/2010/main" id="1" dur="indefinite" restart="never" nodeType="tmRoot"/>
       </p:par>
     </p:tnLst>
   </p:timing>
@@ -2635,7 +2635,7 @@
             <a:fld id="{63CABBC0-75E4-43BB-A6A6-84C2A96BDB82}" type="datetimeFigureOut">
               <a:rPr lang="it-IT" smtClean="0"/>
               <a:pPr/>
-              <a:t>29/12/2012</a:t>
+              <a:t>30/12/12</a:t>
             </a:fld>
             <a:endParaRPr lang="it-IT"/>
           </a:p>
@@ -2678,7 +2678,7 @@
             <a:fld id="{F89AEA99-3E91-4C58-9AD4-045DB5619AC3}" type="slidenum">
               <a:rPr lang="it-IT" smtClean="0"/>
               <a:pPr/>
-              <a:t>‹N›</a:t>
+              <a:t>‹n.›</a:t>
             </a:fld>
             <a:endParaRPr lang="it-IT"/>
           </a:p>
@@ -2692,7 +2692,7 @@
   <p:timing>
     <p:tnLst>
       <p:par>
-        <p:cTn id="1" dur="indefinite" restart="never" nodeType="tmRoot"/>
+        <p:cTn xmlns:p14="http://schemas.microsoft.com/office/powerpoint/2010/main" id="1" dur="indefinite" restart="never" nodeType="tmRoot"/>
       </p:par>
     </p:tnLst>
   </p:timing>
@@ -2932,7 +2932,7 @@
             <a:fld id="{63CABBC0-75E4-43BB-A6A6-84C2A96BDB82}" type="datetimeFigureOut">
               <a:rPr lang="it-IT" smtClean="0"/>
               <a:pPr/>
-              <a:t>29/12/2012</a:t>
+              <a:t>30/12/12</a:t>
             </a:fld>
             <a:endParaRPr lang="it-IT"/>
           </a:p>
@@ -2980,7 +2980,7 @@
             <a:fld id="{F89AEA99-3E91-4C58-9AD4-045DB5619AC3}" type="slidenum">
               <a:rPr lang="it-IT" smtClean="0"/>
               <a:pPr/>
-              <a:t>‹N›</a:t>
+              <a:t>‹n.›</a:t>
             </a:fld>
             <a:endParaRPr lang="it-IT"/>
           </a:p>
@@ -3296,7 +3296,7 @@
   <p:timing>
     <p:tnLst>
       <p:par>
-        <p:cTn id="1" dur="indefinite" restart="never" nodeType="tmRoot"/>
+        <p:cTn xmlns:p14="http://schemas.microsoft.com/office/powerpoint/2010/main" id="1" dur="indefinite" restart="never" nodeType="tmRoot"/>
       </p:par>
     </p:tnLst>
   </p:timing>
@@ -3712,7 +3712,7 @@
             <a:fld id="{63CABBC0-75E4-43BB-A6A6-84C2A96BDB82}" type="datetimeFigureOut">
               <a:rPr lang="it-IT" smtClean="0"/>
               <a:pPr/>
-              <a:t>29/12/2012</a:t>
+              <a:t>30/12/12</a:t>
             </a:fld>
             <a:endParaRPr lang="it-IT"/>
           </a:p>
@@ -3791,7 +3791,7 @@
             <a:fld id="{F89AEA99-3E91-4C58-9AD4-045DB5619AC3}" type="slidenum">
               <a:rPr lang="it-IT" smtClean="0"/>
               <a:pPr/>
-              <a:t>‹N›</a:t>
+              <a:t>‹n.›</a:t>
             </a:fld>
             <a:endParaRPr lang="it-IT"/>
           </a:p>
@@ -4030,7 +4030,7 @@
   <p:timing>
     <p:tnLst>
       <p:par>
-        <p:cTn id="1" dur="indefinite" restart="never" nodeType="tmRoot"/>
+        <p:cTn xmlns:p14="http://schemas.microsoft.com/office/powerpoint/2010/main" id="1" dur="indefinite" restart="never" nodeType="tmRoot"/>
       </p:par>
     </p:tnLst>
   </p:timing>
@@ -4488,9 +4488,36 @@
                 </a:solidFill>
                 <a:latin typeface="Calibri"/>
               </a:rPr>
-              <a:t>che permette di inviare, brevi messaggi di notifiche agli utenti che porto a termine iterazioni con il nostro sistema:</a:t>
-            </a:r>
-            <a:endParaRPr sz="2800"/>
+              <a:t>che permette di </a:t>
+            </a:r>
+            <a:r>
+              <a:rPr lang="it-IT" sz="2800" dirty="0" smtClean="0">
+                <a:solidFill>
+                  <a:srgbClr val="000000"/>
+                </a:solidFill>
+                <a:latin typeface="Calibri"/>
+              </a:rPr>
+              <a:t>inviare </a:t>
+            </a:r>
+            <a:r>
+              <a:rPr lang="it-IT" sz="2800" dirty="0">
+                <a:solidFill>
+                  <a:srgbClr val="000000"/>
+                </a:solidFill>
+                <a:latin typeface="Calibri"/>
+              </a:rPr>
+              <a:t>brevi messaggi di notifiche agli utenti che porto a termine iterazioni con il nostro </a:t>
+            </a:r>
+            <a:r>
+              <a:rPr lang="it-IT" sz="2800" dirty="0" smtClean="0">
+                <a:solidFill>
+                  <a:srgbClr val="000000"/>
+                </a:solidFill>
+                <a:latin typeface="Calibri"/>
+              </a:rPr>
+              <a:t>sistema</a:t>
+            </a:r>
+            <a:endParaRPr sz="2800" dirty="0"/>
           </a:p>
         </p:txBody>
       </p:sp>
@@ -4502,7 +4529,7 @@
   <p:timing>
     <p:tnLst>
       <p:par>
-        <p:cTn id="1" dur="indefinite" restart="never" nodeType="tmRoot">
+        <p:cTn xmlns:p14="http://schemas.microsoft.com/office/powerpoint/2010/main" id="1" dur="indefinite" restart="never" nodeType="tmRoot">
           <p:childTnLst>
             <p:seq>
               <p:cTn id="2" nodeType="mainSeq"/>
@@ -4686,7 +4713,7 @@
               </a:rPr>
               <a:t>:</a:t>
             </a:r>
-            <a:endParaRPr sz="2000"/>
+            <a:endParaRPr sz="2000" dirty="0"/>
           </a:p>
           <a:p>
             <a:pPr lvl="1">
@@ -4695,13 +4722,13 @@
               <a:buChar char="•"/>
             </a:pPr>
             <a:r>
-              <a:rPr lang="it-IT" sz="3200" b="1" dirty="0">
+              <a:rPr lang="it-IT" sz="3200" b="1" dirty="0" smtClean="0">
                 <a:solidFill>
                   <a:srgbClr val="000000"/>
                 </a:solidFill>
                 <a:latin typeface="Calibri"/>
               </a:rPr>
-              <a:t>Composizione classe</a:t>
+              <a:t> Composizione classe</a:t>
             </a:r>
             <a:r>
               <a:rPr lang="it-IT" sz="3200" dirty="0">
@@ -4710,7 +4737,7 @@
                 </a:solidFill>
                 <a:latin typeface="Calibri"/>
               </a:rPr>
-              <a:t>, manda una notifica al responsabile delle </a:t>
+              <a:t>:</a:t>
             </a:r>
             <a:r>
               <a:rPr lang="it-IT" sz="3200" dirty="0" smtClean="0">
@@ -4719,7 +4746,34 @@
                 </a:solidFill>
                 <a:latin typeface="Calibri"/>
               </a:rPr>
-              <a:t>classi,che </a:t>
+              <a:t> </a:t>
+            </a:r>
+            <a:r>
+              <a:rPr lang="it-IT" sz="3200" dirty="0">
+                <a:solidFill>
+                  <a:srgbClr val="000000"/>
+                </a:solidFill>
+                <a:latin typeface="Calibri"/>
+              </a:rPr>
+              <a:t>manda una notifica al responsabile delle </a:t>
+            </a:r>
+            <a:r>
+              <a:rPr lang="it-IT" sz="3200" dirty="0" smtClean="0">
+                <a:solidFill>
+                  <a:srgbClr val="000000"/>
+                </a:solidFill>
+                <a:latin typeface="Calibri"/>
+              </a:rPr>
+              <a:t>classi</a:t>
+            </a:r>
+            <a:r>
+              <a:rPr lang="it-IT" sz="3200" dirty="0" smtClean="0">
+                <a:solidFill>
+                  <a:srgbClr val="000000"/>
+                </a:solidFill>
+                <a:latin typeface="Calibri"/>
+              </a:rPr>
+              <a:t>, che </a:t>
             </a:r>
             <a:r>
               <a:rPr lang="it-IT" sz="3200" dirty="0">
@@ -4739,7 +4793,7 @@
               </a:rPr>
               <a:t>dovrà poi approvare.</a:t>
             </a:r>
-            <a:endParaRPr sz="2000"/>
+            <a:endParaRPr sz="2000" dirty="0"/>
           </a:p>
           <a:p>
             <a:pPr lvl="1">
@@ -4748,31 +4802,31 @@
               <a:buChar char="•"/>
             </a:pPr>
             <a:r>
-              <a:rPr lang="it-IT" sz="3200" b="1" dirty="0">
+              <a:rPr lang="it-IT" sz="3200" b="1" dirty="0" smtClean="0">
                 <a:solidFill>
                   <a:srgbClr val="000000"/>
                 </a:solidFill>
                 <a:latin typeface="Calibri"/>
               </a:rPr>
-              <a:t>Evento</a:t>
-            </a:r>
-            <a:r>
-              <a:rPr lang="it-IT" sz="3200" dirty="0">
+              <a:t> Evento</a:t>
+            </a:r>
+            <a:r>
+              <a:rPr lang="it-IT" sz="3200" dirty="0" smtClean="0">
                 <a:solidFill>
                   <a:srgbClr val="000000"/>
                 </a:solidFill>
                 <a:latin typeface="Calibri"/>
               </a:rPr>
-              <a:t>,manda una notifica tutte le </a:t>
-            </a:r>
-            <a:r>
-              <a:rPr lang="it-IT" sz="3200" dirty="0" err="1">
+              <a:t>: </a:t>
+            </a:r>
+            <a:r>
+              <a:rPr lang="it-IT" sz="3200" dirty="0" smtClean="0">
                 <a:solidFill>
                   <a:srgbClr val="000000"/>
                 </a:solidFill>
                 <a:latin typeface="Calibri"/>
               </a:rPr>
-              <a:t>email</a:t>
+              <a:t>manda </a:t>
             </a:r>
             <a:r>
               <a:rPr lang="it-IT" sz="3200" dirty="0">
@@ -4781,9 +4835,9 @@
                 </a:solidFill>
                 <a:latin typeface="Calibri"/>
               </a:rPr>
-              <a:t> presenti nel campo CC dell'evento, con data ora e luogo dell'evento.</a:t>
-            </a:r>
-            <a:endParaRPr sz="2000"/>
+              <a:t>una notifica tutte le email presenti nel campo CC dell'evento, con data ora e luogo dell'evento.</a:t>
+            </a:r>
+            <a:endParaRPr sz="2000" dirty="0"/>
           </a:p>
           <a:p>
             <a:pPr lvl="1">
@@ -4800,7 +4854,7 @@
               </a:rPr>
               <a:t>…..</a:t>
             </a:r>
-            <a:endParaRPr sz="2000"/>
+            <a:endParaRPr sz="2000" dirty="0"/>
           </a:p>
         </p:txBody>
       </p:sp>
@@ -4812,7 +4866,7 @@
   <p:timing>
     <p:tnLst>
       <p:par>
-        <p:cTn id="1" dur="indefinite" restart="never" nodeType="tmRoot">
+        <p:cTn xmlns:p14="http://schemas.microsoft.com/office/powerpoint/2010/main" id="1" dur="indefinite" restart="never" nodeType="tmRoot">
           <p:childTnLst>
             <p:seq>
               <p:cTn id="2" nodeType="mainSeq"/>
@@ -4925,7 +4979,7 @@
               </a:lnSpc>
               <a:buSzPct val="95000"/>
             </a:pPr>
-            <a:endParaRPr sz="3200"/>
+            <a:endParaRPr sz="3200" dirty="0"/>
           </a:p>
           <a:p>
             <a:pPr>
@@ -4937,22 +4991,31 @@
               <a:buChar char="•"/>
             </a:pPr>
             <a:r>
-              <a:rPr lang="it-IT" sz="3200" b="1" dirty="0">
+              <a:rPr lang="it-IT" sz="3200" b="1" dirty="0" smtClean="0">
                 <a:solidFill>
                   <a:srgbClr val="000000"/>
                 </a:solidFill>
                 <a:latin typeface="Calibri"/>
               </a:rPr>
-              <a:t>Licenziamento,</a:t>
-            </a:r>
-            <a:r>
-              <a:rPr lang="it-IT" sz="3200" dirty="0">
+              <a:t> Licenziamento: </a:t>
+            </a:r>
+            <a:r>
+              <a:rPr lang="it-IT" sz="3200" dirty="0" smtClean="0">
                 <a:solidFill>
                   <a:srgbClr val="000000"/>
                 </a:solidFill>
                 <a:latin typeface="Calibri"/>
               </a:rPr>
-              <a:t>manda una notifica al diretto interessato</a:t>
+              <a:t>manda </a:t>
+            </a:r>
+            <a:r>
+              <a:rPr lang="it-IT" sz="3200" dirty="0">
+                <a:solidFill>
+                  <a:srgbClr val="000000"/>
+                </a:solidFill>
+                <a:latin typeface="Calibri"/>
+              </a:rPr>
+              <a:t>una notifica al diretto interessato</a:t>
             </a:r>
             <a:r>
               <a:rPr lang="it-IT" sz="3200" b="1" dirty="0">
@@ -4963,7 +5026,7 @@
               </a:rPr>
               <a:t>.</a:t>
             </a:r>
-            <a:endParaRPr sz="3200"/>
+            <a:endParaRPr sz="3200" dirty="0"/>
           </a:p>
           <a:p>
             <a:pPr>
@@ -4975,45 +5038,49 @@
               <a:buChar char="•"/>
             </a:pPr>
             <a:r>
-              <a:rPr lang="it-IT" sz="3200" b="1" dirty="0">
+              <a:rPr lang="it-IT" sz="3200" b="1" dirty="0" smtClean="0">
                 <a:solidFill>
                   <a:srgbClr val="000000"/>
                 </a:solidFill>
                 <a:latin typeface="Calibri"/>
               </a:rPr>
-              <a:t>Registrazione,</a:t>
-            </a:r>
-            <a:r>
-              <a:rPr lang="it-IT" sz="3200" dirty="0">
+              <a:t> Registrazione: </a:t>
+            </a:r>
+            <a:r>
+              <a:rPr lang="it-IT" sz="3200" dirty="0" smtClean="0">
                 <a:solidFill>
                   <a:srgbClr val="000000"/>
                 </a:solidFill>
                 <a:latin typeface="Calibri"/>
               </a:rPr>
-              <a:t>alla fine della registrazione il sistema invia un </a:t>
-            </a:r>
-            <a:endParaRPr lang="it-IT" sz="3200" dirty="0" smtClean="0">
-              <a:solidFill>
-                <a:srgbClr val="000000"/>
-              </a:solidFill>
-              <a:latin typeface="Calibri"/>
-            </a:endParaRPr>
-          </a:p>
-          <a:p>
-            <a:pPr>
-              <a:lnSpc>
-                <a:spcPct val="100000"/>
-              </a:lnSpc>
-              <a:buSzPct val="95000"/>
-            </a:pPr>
-            <a:r>
-              <a:rPr lang="it-IT" sz="3200" dirty="0" smtClean="0">
+              <a:t>alla </a:t>
+            </a:r>
+            <a:r>
+              <a:rPr lang="it-IT" sz="3200" dirty="0">
                 <a:solidFill>
                   <a:srgbClr val="000000"/>
                 </a:solidFill>
                 <a:latin typeface="Calibri"/>
               </a:rPr>
-              <a:t>e-mail </a:t>
+              <a:t>fine della registrazione il sistema invia </a:t>
+            </a:r>
+            <a:r>
+              <a:rPr lang="it-IT" sz="3200" dirty="0" smtClean="0">
+                <a:solidFill>
+                  <a:srgbClr val="000000"/>
+                </a:solidFill>
+                <a:latin typeface="Calibri"/>
+              </a:rPr>
+              <a:t>una e</a:t>
+            </a:r>
+            <a:r>
+              <a:rPr lang="it-IT" sz="3200" dirty="0" smtClean="0">
+                <a:solidFill>
+                  <a:srgbClr val="000000"/>
+                </a:solidFill>
+                <a:latin typeface="Calibri"/>
+              </a:rPr>
+              <a:t>-mail </a:t>
             </a:r>
             <a:r>
               <a:rPr lang="it-IT" sz="3200" dirty="0">
@@ -5033,7 +5100,7 @@
               </a:rPr>
               <a:t>.</a:t>
             </a:r>
-            <a:endParaRPr sz="3200"/>
+            <a:endParaRPr sz="3200" dirty="0"/>
           </a:p>
         </p:txBody>
       </p:sp>
@@ -5117,7 +5184,7 @@
   <p:timing>
     <p:tnLst>
       <p:par>
-        <p:cTn id="1" dur="indefinite" restart="never" nodeType="tmRoot">
+        <p:cTn xmlns:p14="http://schemas.microsoft.com/office/powerpoint/2010/main" id="1" dur="indefinite" restart="never" nodeType="tmRoot">
           <p:childTnLst>
             <p:seq>
               <p:cTn id="2" nodeType="mainSeq"/>
@@ -5269,7 +5336,7 @@
                 </a:solidFill>
                 <a:latin typeface="Calibri"/>
               </a:rPr>
-              <a:t>Per </a:t>
+              <a:t> Per </a:t>
             </a:r>
             <a:r>
               <a:rPr lang="it-IT" sz="3200" dirty="0">
@@ -5305,34 +5372,16 @@
                 </a:solidFill>
                 <a:latin typeface="Calibri"/>
               </a:rPr>
-              <a:t>JAVAMAIL  (</a:t>
-            </a:r>
-            <a:r>
-              <a:rPr lang="it-IT" sz="3200" b="1" dirty="0">
+              <a:t>JAVAMAIL  </a:t>
+            </a:r>
+            <a:r>
+              <a:rPr lang="it-IT" sz="3200" b="1" dirty="0" smtClean="0">
                 <a:solidFill>
                   <a:srgbClr val="000000"/>
                 </a:solidFill>
                 <a:latin typeface="Calibri"/>
               </a:rPr>
-              <a:t>è </a:t>
-            </a:r>
-            <a:r>
-              <a:rPr lang="it-IT" sz="3200" b="1" dirty="0" smtClean="0">
-                <a:solidFill>
-                  <a:srgbClr val="000000"/>
-                </a:solidFill>
-                <a:latin typeface="Calibri"/>
-              </a:rPr>
-              <a:t>un </a:t>
-            </a:r>
-            <a:r>
-              <a:rPr lang="it-IT" sz="3200" b="1" dirty="0">
-                <a:solidFill>
-                  <a:srgbClr val="000000"/>
-                </a:solidFill>
-                <a:latin typeface="Calibri"/>
-              </a:rPr>
-              <a:t>api della </a:t>
+              <a:t>(API di </a:t>
             </a:r>
             <a:r>
               <a:rPr lang="it-IT" sz="3200" b="1" dirty="0" err="1">
@@ -5397,7 +5446,7 @@
               </a:rPr>
               <a:t>il design pattern BRIDGE.</a:t>
             </a:r>
-            <a:endParaRPr sz="2000"/>
+            <a:endParaRPr sz="2000" dirty="0"/>
           </a:p>
         </p:txBody>
       </p:sp>
@@ -5446,7 +5495,7 @@
   <p:timing>
     <p:tnLst>
       <p:par>
-        <p:cTn id="1" dur="indefinite" restart="never" nodeType="tmRoot">
+        <p:cTn xmlns:p14="http://schemas.microsoft.com/office/powerpoint/2010/main" id="1" dur="indefinite" restart="never" nodeType="tmRoot">
           <p:childTnLst>
             <p:seq>
               <p:cTn id="2" nodeType="mainSeq"/>
@@ -5686,7 +5735,7 @@
   <p:timing>
     <p:tnLst>
       <p:par>
-        <p:cTn id="1" dur="indefinite" restart="never" nodeType="tmRoot">
+        <p:cTn xmlns:p14="http://schemas.microsoft.com/office/powerpoint/2010/main" id="1" dur="indefinite" restart="never" nodeType="tmRoot">
           <p:childTnLst>
             <p:seq>
               <p:cTn id="2" nodeType="mainSeq"/>
@@ -5936,7 +5985,7 @@
   <p:timing>
     <p:tnLst>
       <p:par>
-        <p:cTn id="1" dur="indefinite" restart="never" nodeType="tmRoot">
+        <p:cTn xmlns:p14="http://schemas.microsoft.com/office/powerpoint/2010/main" id="1" dur="indefinite" restart="never" nodeType="tmRoot">
           <p:childTnLst>
             <p:seq>
               <p:cTn id="2" nodeType="mainSeq"/>
@@ -6200,22 +6249,30 @@
               <a:t> A </a:t>
             </a:r>
             <a:r>
+              <a:rPr lang="it-IT" dirty="0" smtClean="0"/>
+              <a:t>e B </a:t>
+            </a:r>
+            <a:r>
+              <a:rPr lang="it-IT" dirty="0" smtClean="0"/>
+              <a:t>corrispondono i vari </a:t>
+            </a:r>
+          </a:p>
+          <a:p>
+            <a:r>
+              <a:rPr lang="it-IT" dirty="0" smtClean="0"/>
+              <a:t>tipi di messaggi sopra </a:t>
+            </a:r>
+            <a:r>
+              <a:rPr lang="it-IT" dirty="0" smtClean="0"/>
+              <a:t>citati, </a:t>
+            </a:r>
+            <a:r>
+              <a:rPr lang="it-IT" dirty="0" smtClean="0"/>
+              <a:t>ovvero : </a:t>
+            </a:r>
+            <a:r>
               <a:rPr lang="it-IT" dirty="0" err="1" smtClean="0"/>
-              <a:t>eB</a:t>
-            </a:r>
-            <a:r>
-              <a:rPr lang="it-IT" dirty="0" smtClean="0"/>
-              <a:t> corrispondono i vari </a:t>
-            </a:r>
-          </a:p>
-          <a:p>
-            <a:r>
-              <a:rPr lang="it-IT" dirty="0" smtClean="0"/>
-              <a:t>tipi di messaggi sopra citati ovvero : </a:t>
-            </a:r>
-            <a:r>
-              <a:rPr lang="it-IT" dirty="0" err="1" smtClean="0"/>
-              <a:t>ComposioneClasse</a:t>
+              <a:t>ComposizioneClasse</a:t>
             </a:r>
             <a:r>
               <a:rPr lang="it-IT" dirty="0" smtClean="0"/>
@@ -6239,7 +6296,7 @@
   <p:timing>
     <p:tnLst>
       <p:par>
-        <p:cTn id="1" dur="indefinite" restart="never" nodeType="tmRoot">
+        <p:cTn xmlns:p14="http://schemas.microsoft.com/office/powerpoint/2010/main" id="1" dur="indefinite" restart="never" nodeType="tmRoot">
           <p:childTnLst>
             <p:seq>
               <p:cTn id="2" nodeType="mainSeq"/>
@@ -6366,8 +6423,8 @@
               <a:buChar char="v"/>
             </a:pPr>
             <a:r>
-              <a:rPr lang="it-IT" sz="3200" b="1" dirty="0" err="1" smtClean="0"/>
-              <a:t>Perchè</a:t>
+              <a:rPr lang="it-IT" sz="3200" b="1" dirty="0" smtClean="0"/>
+              <a:t>Perché</a:t>
             </a:r>
             <a:endParaRPr lang="it-IT" sz="3200" dirty="0" smtClean="0"/>
           </a:p>
@@ -6388,11 +6445,19 @@
             </a:pPr>
             <a:r>
               <a:rPr lang="it-IT" sz="2800" dirty="0" smtClean="0"/>
-              <a:t>ci permette di inserire altri messaggi in modo semplice  e senza causare molti cambiamenti nel sistema cosi come modificare quelli già esistenti</a:t>
+              <a:t> ci </a:t>
             </a:r>
             <a:r>
               <a:rPr lang="it-IT" sz="2800" dirty="0" smtClean="0"/>
-              <a:t>.</a:t>
+              <a:t>permette di inserire altri messaggi in modo semplice  e senza causare molti cambiamenti nel </a:t>
+            </a:r>
+            <a:r>
+              <a:rPr lang="it-IT" sz="2800" dirty="0" smtClean="0"/>
+              <a:t>sistema, così </a:t>
+            </a:r>
+            <a:r>
+              <a:rPr lang="it-IT" sz="2800" dirty="0" smtClean="0"/>
+              <a:t>come modificare quelli già esistenti.</a:t>
             </a:r>
           </a:p>
         </p:txBody>
@@ -6428,16 +6493,7 @@
                 </a:solidFill>
                 <a:latin typeface="Calibri"/>
               </a:rPr>
-              <a:t>PERCHE’ BRIDGE</a:t>
-            </a:r>
-            <a:r>
-              <a:rPr lang="it-IT" sz="4800" b="1" dirty="0" smtClean="0">
-                <a:solidFill>
-                  <a:srgbClr val="000000"/>
-                </a:solidFill>
-                <a:latin typeface="Calibri"/>
-              </a:rPr>
-              <a:t>?</a:t>
+              <a:t>PERCHE’ BRIDGE?</a:t>
             </a:r>
           </a:p>
           <a:p>
@@ -6467,7 +6523,7 @@
   <p:timing>
     <p:tnLst>
       <p:par>
-        <p:cTn id="1" dur="indefinite" restart="never" nodeType="tmRoot">
+        <p:cTn xmlns:p14="http://schemas.microsoft.com/office/powerpoint/2010/main" id="1" dur="indefinite" restart="never" nodeType="tmRoot">
           <p:childTnLst>
             <p:seq>
               <p:cTn id="2" nodeType="mainSeq"/>
@@ -6599,15 +6655,6 @@
             </a:r>
           </a:p>
           <a:p>
-            <a:pPr>
-              <a:lnSpc>
-                <a:spcPct val="100000"/>
-              </a:lnSpc>
-              <a:buSzPct val="95000"/>
-            </a:pPr>
-            <a:endParaRPr lang="it-IT" sz="3200" b="1" dirty="0" smtClean="0"/>
-          </a:p>
-          <a:p>
             <a:pPr lvl="1">
               <a:buSzPct val="95000"/>
             </a:pPr>
@@ -6621,7 +6668,7 @@
             </a:pPr>
             <a:r>
               <a:rPr lang="it-IT" sz="2800" dirty="0" smtClean="0"/>
-              <a:t>il </a:t>
+              <a:t> il </a:t>
             </a:r>
             <a:r>
               <a:rPr lang="it-IT" sz="2800" dirty="0" err="1" smtClean="0"/>
@@ -6629,13 +6676,17 @@
             </a:r>
             <a:r>
               <a:rPr lang="it-IT" sz="2800" dirty="0" smtClean="0"/>
-              <a:t> </a:t>
+              <a:t> può usare un solo metodo di invio senza badare al tipo di </a:t>
             </a:r>
             <a:r>
               <a:rPr lang="it-IT" sz="2800" dirty="0" smtClean="0"/>
-              <a:t>può usare un solo metodo di invio senza badare al tipo di notifica infatti prende in input un oggetto MESSAGGIO.</a:t>
-            </a:r>
-            <a:endParaRPr sz="2800"/>
+              <a:t>notifica, </a:t>
+            </a:r>
+            <a:r>
+              <a:rPr lang="it-IT" sz="2800" dirty="0" smtClean="0"/>
+              <a:t>infatti prende in input un oggetto MESSAGGIO.</a:t>
+            </a:r>
+            <a:endParaRPr sz="2800" dirty="0"/>
           </a:p>
         </p:txBody>
       </p:sp>
@@ -6670,16 +6721,7 @@
                 </a:solidFill>
                 <a:latin typeface="Calibri"/>
               </a:rPr>
-              <a:t>PERCHE’ BRIDGE</a:t>
-            </a:r>
-            <a:r>
-              <a:rPr lang="it-IT" sz="4800" b="1" dirty="0" smtClean="0">
-                <a:solidFill>
-                  <a:srgbClr val="000000"/>
-                </a:solidFill>
-                <a:latin typeface="Calibri"/>
-              </a:rPr>
-              <a:t>?</a:t>
+              <a:t>PERCHE’ BRIDGE?</a:t>
             </a:r>
           </a:p>
           <a:p>
@@ -6709,7 +6751,7 @@
   <p:timing>
     <p:tnLst>
       <p:par>
-        <p:cTn id="1" dur="indefinite" restart="never" nodeType="tmRoot">
+        <p:cTn xmlns:p14="http://schemas.microsoft.com/office/powerpoint/2010/main" id="1" dur="indefinite" restart="never" nodeType="tmRoot">
           <p:childTnLst>
             <p:seq>
               <p:cTn id="2" nodeType="mainSeq"/>

--- a/Presentazione/Atsilo1/Bottiglieri/Atsilo_A_GianfrancoB.pptx
+++ b/Presentazione/Atsilo1/Bottiglieri/Atsilo_A_GianfrancoB.pptx
@@ -5,18 +5,23 @@
     <p:sldMasterId id="2147483684" r:id="rId1"/>
   </p:sldMasterIdLst>
   <p:notesMasterIdLst>
-    <p:notesMasterId r:id="rId11"/>
+    <p:notesMasterId r:id="rId16"/>
   </p:notesMasterIdLst>
   <p:sldIdLst>
     <p:sldId id="280" r:id="rId2"/>
     <p:sldId id="281" r:id="rId3"/>
     <p:sldId id="282" r:id="rId4"/>
     <p:sldId id="283" r:id="rId5"/>
-    <p:sldId id="284" r:id="rId6"/>
-    <p:sldId id="285" r:id="rId7"/>
-    <p:sldId id="286" r:id="rId8"/>
-    <p:sldId id="287" r:id="rId9"/>
-    <p:sldId id="288" r:id="rId10"/>
+    <p:sldId id="286" r:id="rId6"/>
+    <p:sldId id="289" r:id="rId7"/>
+    <p:sldId id="290" r:id="rId8"/>
+    <p:sldId id="291" r:id="rId9"/>
+    <p:sldId id="287" r:id="rId10"/>
+    <p:sldId id="288" r:id="rId11"/>
+    <p:sldId id="293" r:id="rId12"/>
+    <p:sldId id="294" r:id="rId13"/>
+    <p:sldId id="296" r:id="rId14"/>
+    <p:sldId id="297" r:id="rId15"/>
   </p:sldIdLst>
   <p:sldSz cx="9144000" cy="6858000" type="screen4x3"/>
   <p:notesSz cx="6858000" cy="9144000"/>
@@ -201,7 +206,7 @@
             <a:fld id="{38D78F4D-402C-46E0-A4BB-DF91EA86B14C}" type="datetimeFigureOut">
               <a:rPr lang="it-IT" smtClean="0"/>
               <a:pPr/>
-              <a:t>30/12/12</a:t>
+              <a:t>03/01/2013</a:t>
             </a:fld>
             <a:endParaRPr lang="it-IT"/>
           </a:p>
@@ -361,7 +366,7 @@
             <a:fld id="{D70604CA-7593-4640-8FA1-5523937B8510}" type="slidenum">
               <a:rPr lang="it-IT" smtClean="0"/>
               <a:pPr/>
-              <a:t>‹n.›</a:t>
+              <a:t>‹N›</a:t>
             </a:fld>
             <a:endParaRPr lang="it-IT"/>
           </a:p>
@@ -370,7 +375,7 @@
     </p:spTree>
     <p:extLst>
       <p:ext uri="{BB962C8B-B14F-4D97-AF65-F5344CB8AC3E}">
-        <p14:creationId xmlns:p14="http://schemas.microsoft.com/office/powerpoint/2010/main" val="2126419590"/>
+        <p14:creationId xmlns="" xmlns:p14="http://schemas.microsoft.com/office/powerpoint/2010/main" val="2126419590"/>
       </p:ext>
     </p:extLst>
   </p:cSld>
@@ -636,7 +641,7 @@
             <a:fld id="{63CABBC0-75E4-43BB-A6A6-84C2A96BDB82}" type="datetimeFigureOut">
               <a:rPr lang="it-IT" smtClean="0"/>
               <a:pPr/>
-              <a:t>30/12/12</a:t>
+              <a:t>03/01/2013</a:t>
             </a:fld>
             <a:endParaRPr lang="it-IT"/>
           </a:p>
@@ -679,7 +684,7 @@
             <a:fld id="{F89AEA99-3E91-4C58-9AD4-045DB5619AC3}" type="slidenum">
               <a:rPr lang="it-IT" smtClean="0"/>
               <a:pPr/>
-              <a:t>‹n.›</a:t>
+              <a:t>‹N›</a:t>
             </a:fld>
             <a:endParaRPr lang="it-IT"/>
           </a:p>
@@ -693,7 +698,7 @@
   <p:timing>
     <p:tnLst>
       <p:par>
-        <p:cTn xmlns:p14="http://schemas.microsoft.com/office/powerpoint/2010/main" id="1" dur="indefinite" restart="never" nodeType="tmRoot"/>
+        <p:cTn id="1" dur="indefinite" restart="never" nodeType="tmRoot"/>
       </p:par>
     </p:tnLst>
   </p:timing>
@@ -818,7 +823,7 @@
             <a:fld id="{63CABBC0-75E4-43BB-A6A6-84C2A96BDB82}" type="datetimeFigureOut">
               <a:rPr lang="it-IT" smtClean="0"/>
               <a:pPr/>
-              <a:t>30/12/12</a:t>
+              <a:t>03/01/2013</a:t>
             </a:fld>
             <a:endParaRPr lang="it-IT"/>
           </a:p>
@@ -861,7 +866,7 @@
             <a:fld id="{F89AEA99-3E91-4C58-9AD4-045DB5619AC3}" type="slidenum">
               <a:rPr lang="it-IT" smtClean="0"/>
               <a:pPr/>
-              <a:t>‹n.›</a:t>
+              <a:t>‹N›</a:t>
             </a:fld>
             <a:endParaRPr lang="it-IT"/>
           </a:p>
@@ -875,7 +880,7 @@
   <p:timing>
     <p:tnLst>
       <p:par>
-        <p:cTn xmlns:p14="http://schemas.microsoft.com/office/powerpoint/2010/main" id="1" dur="indefinite" restart="never" nodeType="tmRoot"/>
+        <p:cTn id="1" dur="indefinite" restart="never" nodeType="tmRoot"/>
       </p:par>
     </p:tnLst>
   </p:timing>
@@ -1010,7 +1015,7 @@
             <a:fld id="{63CABBC0-75E4-43BB-A6A6-84C2A96BDB82}" type="datetimeFigureOut">
               <a:rPr lang="it-IT" smtClean="0"/>
               <a:pPr/>
-              <a:t>30/12/12</a:t>
+              <a:t>03/01/2013</a:t>
             </a:fld>
             <a:endParaRPr lang="it-IT"/>
           </a:p>
@@ -1053,7 +1058,7 @@
             <a:fld id="{F89AEA99-3E91-4C58-9AD4-045DB5619AC3}" type="slidenum">
               <a:rPr lang="it-IT" smtClean="0"/>
               <a:pPr/>
-              <a:t>‹n.›</a:t>
+              <a:t>‹N›</a:t>
             </a:fld>
             <a:endParaRPr lang="it-IT"/>
           </a:p>
@@ -1067,7 +1072,7 @@
   <p:timing>
     <p:tnLst>
       <p:par>
-        <p:cTn xmlns:p14="http://schemas.microsoft.com/office/powerpoint/2010/main" id="1" dur="indefinite" restart="never" nodeType="tmRoot"/>
+        <p:cTn id="1" dur="indefinite" restart="never" nodeType="tmRoot"/>
       </p:par>
     </p:tnLst>
   </p:timing>
@@ -1192,7 +1197,7 @@
             <a:fld id="{63CABBC0-75E4-43BB-A6A6-84C2A96BDB82}" type="datetimeFigureOut">
               <a:rPr lang="it-IT" smtClean="0"/>
               <a:pPr/>
-              <a:t>30/12/12</a:t>
+              <a:t>03/01/2013</a:t>
             </a:fld>
             <a:endParaRPr lang="it-IT"/>
           </a:p>
@@ -1235,7 +1240,7 @@
             <a:fld id="{F89AEA99-3E91-4C58-9AD4-045DB5619AC3}" type="slidenum">
               <a:rPr lang="it-IT" smtClean="0"/>
               <a:pPr/>
-              <a:t>‹n.›</a:t>
+              <a:t>‹N›</a:t>
             </a:fld>
             <a:endParaRPr lang="it-IT"/>
           </a:p>
@@ -1249,7 +1254,7 @@
   <p:timing>
     <p:tnLst>
       <p:par>
-        <p:cTn xmlns:p14="http://schemas.microsoft.com/office/powerpoint/2010/main" id="1" dur="indefinite" restart="never" nodeType="tmRoot"/>
+        <p:cTn id="1" dur="indefinite" restart="never" nodeType="tmRoot"/>
       </p:par>
     </p:tnLst>
   </p:timing>
@@ -1435,7 +1440,7 @@
             <a:fld id="{63CABBC0-75E4-43BB-A6A6-84C2A96BDB82}" type="datetimeFigureOut">
               <a:rPr lang="it-IT" smtClean="0"/>
               <a:pPr/>
-              <a:t>30/12/12</a:t>
+              <a:t>03/01/2013</a:t>
             </a:fld>
             <a:endParaRPr lang="it-IT"/>
           </a:p>
@@ -1478,7 +1483,7 @@
             <a:fld id="{F89AEA99-3E91-4C58-9AD4-045DB5619AC3}" type="slidenum">
               <a:rPr lang="it-IT" smtClean="0"/>
               <a:pPr/>
-              <a:t>‹n.›</a:t>
+              <a:t>‹N›</a:t>
             </a:fld>
             <a:endParaRPr lang="it-IT"/>
           </a:p>
@@ -1492,7 +1497,7 @@
   <p:timing>
     <p:tnLst>
       <p:par>
-        <p:cTn xmlns:p14="http://schemas.microsoft.com/office/powerpoint/2010/main" id="1" dur="indefinite" restart="never" nodeType="tmRoot"/>
+        <p:cTn id="1" dur="indefinite" restart="never" nodeType="tmRoot"/>
       </p:par>
     </p:tnLst>
   </p:timing>
@@ -1716,7 +1721,7 @@
             <a:fld id="{63CABBC0-75E4-43BB-A6A6-84C2A96BDB82}" type="datetimeFigureOut">
               <a:rPr lang="it-IT" smtClean="0"/>
               <a:pPr/>
-              <a:t>30/12/12</a:t>
+              <a:t>03/01/2013</a:t>
             </a:fld>
             <a:endParaRPr lang="it-IT"/>
           </a:p>
@@ -1759,7 +1764,7 @@
             <a:fld id="{F89AEA99-3E91-4C58-9AD4-045DB5619AC3}" type="slidenum">
               <a:rPr lang="it-IT" smtClean="0"/>
               <a:pPr/>
-              <a:t>‹n.›</a:t>
+              <a:t>‹N›</a:t>
             </a:fld>
             <a:endParaRPr lang="it-IT"/>
           </a:p>
@@ -1773,7 +1778,7 @@
   <p:timing>
     <p:tnLst>
       <p:par>
-        <p:cTn xmlns:p14="http://schemas.microsoft.com/office/powerpoint/2010/main" id="1" dur="indefinite" restart="never" nodeType="tmRoot"/>
+        <p:cTn id="1" dur="indefinite" restart="never" nodeType="tmRoot"/>
       </p:par>
     </p:tnLst>
   </p:timing>
@@ -2107,7 +2112,7 @@
             <a:fld id="{63CABBC0-75E4-43BB-A6A6-84C2A96BDB82}" type="datetimeFigureOut">
               <a:rPr lang="it-IT" smtClean="0"/>
               <a:pPr/>
-              <a:t>30/12/12</a:t>
+              <a:t>03/01/2013</a:t>
             </a:fld>
             <a:endParaRPr lang="it-IT"/>
           </a:p>
@@ -2150,7 +2155,7 @@
             <a:fld id="{F89AEA99-3E91-4C58-9AD4-045DB5619AC3}" type="slidenum">
               <a:rPr lang="it-IT" smtClean="0"/>
               <a:pPr/>
-              <a:t>‹n.›</a:t>
+              <a:t>‹N›</a:t>
             </a:fld>
             <a:endParaRPr lang="it-IT"/>
           </a:p>
@@ -2164,7 +2169,7 @@
   <p:timing>
     <p:tnLst>
       <p:par>
-        <p:cTn xmlns:p14="http://schemas.microsoft.com/office/powerpoint/2010/main" id="1" dur="indefinite" restart="never" nodeType="tmRoot"/>
+        <p:cTn id="1" dur="indefinite" restart="never" nodeType="tmRoot"/>
       </p:par>
     </p:tnLst>
   </p:timing>
@@ -2266,7 +2271,7 @@
             <a:fld id="{63CABBC0-75E4-43BB-A6A6-84C2A96BDB82}" type="datetimeFigureOut">
               <a:rPr lang="it-IT" smtClean="0"/>
               <a:pPr/>
-              <a:t>30/12/12</a:t>
+              <a:t>03/01/2013</a:t>
             </a:fld>
             <a:endParaRPr lang="it-IT"/>
           </a:p>
@@ -2309,7 +2314,7 @@
             <a:fld id="{F89AEA99-3E91-4C58-9AD4-045DB5619AC3}" type="slidenum">
               <a:rPr lang="it-IT" smtClean="0"/>
               <a:pPr/>
-              <a:t>‹n.›</a:t>
+              <a:t>‹N›</a:t>
             </a:fld>
             <a:endParaRPr lang="it-IT"/>
           </a:p>
@@ -2323,7 +2328,7 @@
   <p:timing>
     <p:tnLst>
       <p:par>
-        <p:cTn xmlns:p14="http://schemas.microsoft.com/office/powerpoint/2010/main" id="1" dur="indefinite" restart="never" nodeType="tmRoot"/>
+        <p:cTn id="1" dur="indefinite" restart="never" nodeType="tmRoot"/>
       </p:par>
     </p:tnLst>
   </p:timing>
@@ -2365,7 +2370,7 @@
             <a:fld id="{63CABBC0-75E4-43BB-A6A6-84C2A96BDB82}" type="datetimeFigureOut">
               <a:rPr lang="it-IT" smtClean="0"/>
               <a:pPr/>
-              <a:t>30/12/12</a:t>
+              <a:t>03/01/2013</a:t>
             </a:fld>
             <a:endParaRPr lang="it-IT"/>
           </a:p>
@@ -2408,7 +2413,7 @@
             <a:fld id="{F89AEA99-3E91-4C58-9AD4-045DB5619AC3}" type="slidenum">
               <a:rPr lang="it-IT" smtClean="0"/>
               <a:pPr/>
-              <a:t>‹n.›</a:t>
+              <a:t>‹N›</a:t>
             </a:fld>
             <a:endParaRPr lang="it-IT"/>
           </a:p>
@@ -2422,7 +2427,7 @@
   <p:timing>
     <p:tnLst>
       <p:par>
-        <p:cTn xmlns:p14="http://schemas.microsoft.com/office/powerpoint/2010/main" id="1" dur="indefinite" restart="never" nodeType="tmRoot"/>
+        <p:cTn id="1" dur="indefinite" restart="never" nodeType="tmRoot"/>
       </p:par>
     </p:tnLst>
   </p:timing>
@@ -2635,7 +2640,7 @@
             <a:fld id="{63CABBC0-75E4-43BB-A6A6-84C2A96BDB82}" type="datetimeFigureOut">
               <a:rPr lang="it-IT" smtClean="0"/>
               <a:pPr/>
-              <a:t>30/12/12</a:t>
+              <a:t>03/01/2013</a:t>
             </a:fld>
             <a:endParaRPr lang="it-IT"/>
           </a:p>
@@ -2678,7 +2683,7 @@
             <a:fld id="{F89AEA99-3E91-4C58-9AD4-045DB5619AC3}" type="slidenum">
               <a:rPr lang="it-IT" smtClean="0"/>
               <a:pPr/>
-              <a:t>‹n.›</a:t>
+              <a:t>‹N›</a:t>
             </a:fld>
             <a:endParaRPr lang="it-IT"/>
           </a:p>
@@ -2692,7 +2697,7 @@
   <p:timing>
     <p:tnLst>
       <p:par>
-        <p:cTn xmlns:p14="http://schemas.microsoft.com/office/powerpoint/2010/main" id="1" dur="indefinite" restart="never" nodeType="tmRoot"/>
+        <p:cTn id="1" dur="indefinite" restart="never" nodeType="tmRoot"/>
       </p:par>
     </p:tnLst>
   </p:timing>
@@ -2932,7 +2937,7 @@
             <a:fld id="{63CABBC0-75E4-43BB-A6A6-84C2A96BDB82}" type="datetimeFigureOut">
               <a:rPr lang="it-IT" smtClean="0"/>
               <a:pPr/>
-              <a:t>30/12/12</a:t>
+              <a:t>03/01/2013</a:t>
             </a:fld>
             <a:endParaRPr lang="it-IT"/>
           </a:p>
@@ -2980,7 +2985,7 @@
             <a:fld id="{F89AEA99-3E91-4C58-9AD4-045DB5619AC3}" type="slidenum">
               <a:rPr lang="it-IT" smtClean="0"/>
               <a:pPr/>
-              <a:t>‹n.›</a:t>
+              <a:t>‹N›</a:t>
             </a:fld>
             <a:endParaRPr lang="it-IT"/>
           </a:p>
@@ -3296,7 +3301,7 @@
   <p:timing>
     <p:tnLst>
       <p:par>
-        <p:cTn xmlns:p14="http://schemas.microsoft.com/office/powerpoint/2010/main" id="1" dur="indefinite" restart="never" nodeType="tmRoot"/>
+        <p:cTn id="1" dur="indefinite" restart="never" nodeType="tmRoot"/>
       </p:par>
     </p:tnLst>
   </p:timing>
@@ -3712,7 +3717,7 @@
             <a:fld id="{63CABBC0-75E4-43BB-A6A6-84C2A96BDB82}" type="datetimeFigureOut">
               <a:rPr lang="it-IT" smtClean="0"/>
               <a:pPr/>
-              <a:t>30/12/12</a:t>
+              <a:t>03/01/2013</a:t>
             </a:fld>
             <a:endParaRPr lang="it-IT"/>
           </a:p>
@@ -3791,7 +3796,7 @@
             <a:fld id="{F89AEA99-3E91-4C58-9AD4-045DB5619AC3}" type="slidenum">
               <a:rPr lang="it-IT" smtClean="0"/>
               <a:pPr/>
-              <a:t>‹n.›</a:t>
+              <a:t>‹N›</a:t>
             </a:fld>
             <a:endParaRPr lang="it-IT"/>
           </a:p>
@@ -4030,7 +4035,7 @@
   <p:timing>
     <p:tnLst>
       <p:par>
-        <p:cTn xmlns:p14="http://schemas.microsoft.com/office/powerpoint/2010/main" id="1" dur="indefinite" restart="never" nodeType="tmRoot"/>
+        <p:cTn id="1" dur="indefinite" restart="never" nodeType="tmRoot"/>
       </p:par>
     </p:tnLst>
   </p:timing>
@@ -4451,6 +4456,20 @@
             </a:endParaRPr>
           </a:p>
           <a:p>
+            <a:pPr>
+              <a:lnSpc>
+                <a:spcPct val="100000"/>
+              </a:lnSpc>
+              <a:buSzPct val="95000"/>
+            </a:pPr>
+            <a:endParaRPr lang="it-IT" sz="4000" b="1" dirty="0" smtClean="0">
+              <a:solidFill>
+                <a:srgbClr val="000000"/>
+              </a:solidFill>
+              <a:latin typeface="Calibri"/>
+            </a:endParaRPr>
+          </a:p>
+          <a:p>
             <a:pPr lvl="1">
               <a:buSzPct val="95000"/>
             </a:pPr>
@@ -4521,6 +4540,32 @@
           </a:p>
         </p:txBody>
       </p:sp>
+      <p:pic>
+        <p:nvPicPr>
+          <p:cNvPr id="3074" name="Picture 2" descr="C:\Documents and Settings\Frank\Desktop\email-marketing.jpg"/>
+          <p:cNvPicPr>
+            <a:picLocks noChangeAspect="1" noChangeArrowheads="1"/>
+          </p:cNvPicPr>
+          <p:nvPr/>
+        </p:nvPicPr>
+        <p:blipFill>
+          <a:blip r:embed="rId2"/>
+          <a:srcRect/>
+          <a:stretch>
+            <a:fillRect/>
+          </a:stretch>
+        </p:blipFill>
+        <p:spPr bwMode="auto">
+          <a:xfrm>
+            <a:off x="6286512" y="1071546"/>
+            <a:ext cx="2683426" cy="2258364"/>
+          </a:xfrm>
+          <a:prstGeom prst="rect">
+            <a:avLst/>
+          </a:prstGeom>
+          <a:noFill/>
+        </p:spPr>
+      </p:pic>
     </p:spTree>
   </p:cSld>
   <p:clrMapOvr>
@@ -4529,7 +4574,1264 @@
   <p:timing>
     <p:tnLst>
       <p:par>
-        <p:cTn xmlns:p14="http://schemas.microsoft.com/office/powerpoint/2010/main" id="1" dur="indefinite" restart="never" nodeType="tmRoot">
+        <p:cTn id="1" dur="indefinite" restart="never" nodeType="tmRoot">
+          <p:childTnLst>
+            <p:seq>
+              <p:cTn id="2" nodeType="mainSeq"/>
+              <p:prevCondLst>
+                <p:cond evt="onPrev" delay="0">
+                  <p:tgtEl>
+                    <p:sldTgt/>
+                  </p:tgtEl>
+                </p:cond>
+              </p:prevCondLst>
+              <p:nextCondLst>
+                <p:cond evt="onNext" delay="0">
+                  <p:tgtEl>
+                    <p:sldTgt/>
+                  </p:tgtEl>
+                </p:cond>
+              </p:nextCondLst>
+            </p:seq>
+          </p:childTnLst>
+        </p:cTn>
+      </p:par>
+    </p:tnLst>
+  </p:timing>
+</p:sld>
+</file>
+
+<file path=ppt/slides/slide10.xml><?xml version="1.0" encoding="utf-8"?>
+<p:sld xmlns:a="http://schemas.openxmlformats.org/drawingml/2006/main" xmlns:r="http://schemas.openxmlformats.org/officeDocument/2006/relationships" xmlns:p="http://schemas.openxmlformats.org/presentationml/2006/main">
+  <p:cSld>
+    <p:spTree>
+      <p:nvGrpSpPr>
+        <p:cNvPr id="1" name=""/>
+        <p:cNvGrpSpPr/>
+        <p:nvPr/>
+      </p:nvGrpSpPr>
+      <p:grpSpPr>
+        <a:xfrm>
+          <a:off x="0" y="0"/>
+          <a:ext cx="0" cy="0"/>
+          <a:chOff x="0" y="0"/>
+          <a:chExt cx="0" cy="0"/>
+        </a:xfrm>
+      </p:grpSpPr>
+      <p:sp>
+        <p:nvSpPr>
+          <p:cNvPr id="48" name="CustomShape 1"/>
+          <p:cNvSpPr/>
+          <p:nvPr/>
+        </p:nvSpPr>
+        <p:spPr>
+          <a:xfrm>
+            <a:off x="1671480" y="476640"/>
+            <a:ext cx="5540040" cy="1521720"/>
+          </a:xfrm>
+          <a:prstGeom prst="rect">
+            <a:avLst/>
+          </a:prstGeom>
+        </p:spPr>
+        <p:txBody>
+          <a:bodyPr wrap="none" lIns="90000" tIns="45000" rIns="90000" bIns="45000"/>
+          <a:lstStyle/>
+          <a:p>
+            <a:pPr algn="ctr">
+              <a:lnSpc>
+                <a:spcPct val="100000"/>
+              </a:lnSpc>
+            </a:pPr>
+            <a:endParaRPr/>
+          </a:p>
+          <a:p>
+            <a:pPr algn="ctr">
+              <a:lnSpc>
+                <a:spcPct val="100000"/>
+              </a:lnSpc>
+            </a:pPr>
+            <a:endParaRPr/>
+          </a:p>
+          <a:p>
+            <a:pPr algn="ctr">
+              <a:lnSpc>
+                <a:spcPct val="100000"/>
+              </a:lnSpc>
+            </a:pPr>
+            <a:endParaRPr/>
+          </a:p>
+        </p:txBody>
+      </p:sp>
+      <p:sp>
+        <p:nvSpPr>
+          <p:cNvPr id="49" name="CustomShape 2"/>
+          <p:cNvSpPr/>
+          <p:nvPr/>
+        </p:nvSpPr>
+        <p:spPr>
+          <a:xfrm>
+            <a:off x="357158" y="1795320"/>
+            <a:ext cx="8177040" cy="4633560"/>
+          </a:xfrm>
+          <a:prstGeom prst="rect">
+            <a:avLst/>
+          </a:prstGeom>
+        </p:spPr>
+        <p:txBody>
+          <a:bodyPr lIns="90000" tIns="0" rIns="90000" bIns="45000"/>
+          <a:lstStyle/>
+          <a:p>
+            <a:pPr>
+              <a:lnSpc>
+                <a:spcPct val="100000"/>
+              </a:lnSpc>
+              <a:buSzPct val="95000"/>
+              <a:buFont typeface="Wingdings" pitchFamily="2" charset="2"/>
+              <a:buChar char="v"/>
+            </a:pPr>
+            <a:endParaRPr lang="it-IT" sz="3200" b="1" dirty="0" smtClean="0"/>
+          </a:p>
+          <a:p>
+            <a:pPr>
+              <a:lnSpc>
+                <a:spcPct val="100000"/>
+              </a:lnSpc>
+              <a:buSzPct val="95000"/>
+              <a:buFont typeface="Wingdings" pitchFamily="2" charset="2"/>
+              <a:buChar char="v"/>
+            </a:pPr>
+            <a:r>
+              <a:rPr lang="it-IT" sz="3200" b="1" dirty="0" smtClean="0"/>
+              <a:t>Perché</a:t>
+            </a:r>
+          </a:p>
+          <a:p>
+            <a:pPr lvl="1">
+              <a:buSzPct val="95000"/>
+            </a:pPr>
+            <a:endParaRPr lang="it-IT" sz="2800" dirty="0" smtClean="0"/>
+          </a:p>
+          <a:p>
+            <a:pPr lvl="1">
+              <a:buSzPct val="95000"/>
+            </a:pPr>
+            <a:endParaRPr lang="it-IT" sz="2800" dirty="0" smtClean="0"/>
+          </a:p>
+          <a:p>
+            <a:pPr lvl="1">
+              <a:buSzPct val="95000"/>
+              <a:buFont typeface="Arial" pitchFamily="34" charset="0"/>
+              <a:buChar char="•"/>
+            </a:pPr>
+            <a:r>
+              <a:rPr lang="it-IT" sz="2800" dirty="0" smtClean="0"/>
+              <a:t> il </a:t>
+            </a:r>
+            <a:r>
+              <a:rPr lang="it-IT" sz="2800" dirty="0" err="1" smtClean="0"/>
+              <a:t>controlMail</a:t>
+            </a:r>
+            <a:r>
+              <a:rPr lang="it-IT" sz="2800" dirty="0" smtClean="0"/>
+              <a:t> può usare un solo metodo di invio senza badare al tipo di notifica, infatti prende in input un oggetto MESSAGGIO.</a:t>
+            </a:r>
+            <a:endParaRPr sz="2800" dirty="0"/>
+          </a:p>
+        </p:txBody>
+      </p:sp>
+      <p:sp>
+        <p:nvSpPr>
+          <p:cNvPr id="50" name="TextShape 3"/>
+          <p:cNvSpPr txBox="1"/>
+          <p:nvPr/>
+        </p:nvSpPr>
+        <p:spPr>
+          <a:xfrm>
+            <a:off x="1166040" y="864000"/>
+            <a:ext cx="6753960" cy="1368000"/>
+          </a:xfrm>
+          <a:prstGeom prst="rect">
+            <a:avLst/>
+          </a:prstGeom>
+        </p:spPr>
+        <p:txBody>
+          <a:bodyPr wrap="none" lIns="90000" tIns="45000" rIns="90000" bIns="45000"/>
+          <a:lstStyle/>
+          <a:p>
+            <a:pPr algn="ctr">
+              <a:lnSpc>
+                <a:spcPct val="100000"/>
+              </a:lnSpc>
+            </a:pPr>
+            <a:r>
+              <a:rPr lang="it-IT" sz="4800" b="1" dirty="0" smtClean="0">
+                <a:solidFill>
+                  <a:srgbClr val="000000"/>
+                </a:solidFill>
+                <a:latin typeface="Calibri"/>
+              </a:rPr>
+              <a:t>PERCHE’ BRIDGE?</a:t>
+            </a:r>
+          </a:p>
+          <a:p>
+            <a:pPr algn="ctr">
+              <a:lnSpc>
+                <a:spcPct val="100000"/>
+              </a:lnSpc>
+            </a:pPr>
+            <a:r>
+              <a:rPr lang="it-IT" sz="3000" dirty="0" smtClean="0">
+                <a:solidFill>
+                  <a:srgbClr val="000000"/>
+                </a:solidFill>
+                <a:latin typeface="Calibri"/>
+              </a:rPr>
+              <a:t>(2)</a:t>
+            </a:r>
+            <a:endParaRPr sz="3000"/>
+          </a:p>
+        </p:txBody>
+      </p:sp>
+    </p:spTree>
+  </p:cSld>
+  <p:clrMapOvr>
+    <a:masterClrMapping/>
+  </p:clrMapOvr>
+  <p:timing>
+    <p:tnLst>
+      <p:par>
+        <p:cTn id="1" dur="indefinite" restart="never" nodeType="tmRoot">
+          <p:childTnLst>
+            <p:seq>
+              <p:cTn id="2" nodeType="mainSeq"/>
+              <p:prevCondLst>
+                <p:cond evt="onPrev" delay="0">
+                  <p:tgtEl>
+                    <p:sldTgt/>
+                  </p:tgtEl>
+                </p:cond>
+              </p:prevCondLst>
+              <p:nextCondLst>
+                <p:cond evt="onNext" delay="0">
+                  <p:tgtEl>
+                    <p:sldTgt/>
+                  </p:tgtEl>
+                </p:cond>
+              </p:nextCondLst>
+            </p:seq>
+          </p:childTnLst>
+        </p:cTn>
+      </p:par>
+    </p:tnLst>
+  </p:timing>
+</p:sld>
+</file>
+
+<file path=ppt/slides/slide11.xml><?xml version="1.0" encoding="utf-8"?>
+<p:sld xmlns:a="http://schemas.openxmlformats.org/drawingml/2006/main" xmlns:r="http://schemas.openxmlformats.org/officeDocument/2006/relationships" xmlns:p="http://schemas.openxmlformats.org/presentationml/2006/main">
+  <p:cSld>
+    <p:spTree>
+      <p:nvGrpSpPr>
+        <p:cNvPr id="1" name=""/>
+        <p:cNvGrpSpPr/>
+        <p:nvPr/>
+      </p:nvGrpSpPr>
+      <p:grpSpPr>
+        <a:xfrm>
+          <a:off x="0" y="0"/>
+          <a:ext cx="0" cy="0"/>
+          <a:chOff x="0" y="0"/>
+          <a:chExt cx="0" cy="0"/>
+        </a:xfrm>
+      </p:grpSpPr>
+      <p:sp>
+        <p:nvSpPr>
+          <p:cNvPr id="48" name="CustomShape 1"/>
+          <p:cNvSpPr/>
+          <p:nvPr/>
+        </p:nvSpPr>
+        <p:spPr>
+          <a:xfrm>
+            <a:off x="1671480" y="476640"/>
+            <a:ext cx="5540040" cy="1521720"/>
+          </a:xfrm>
+          <a:prstGeom prst="rect">
+            <a:avLst/>
+          </a:prstGeom>
+        </p:spPr>
+        <p:txBody>
+          <a:bodyPr wrap="none" lIns="90000" tIns="45000" rIns="90000" bIns="45000"/>
+          <a:lstStyle/>
+          <a:p>
+            <a:pPr algn="ctr">
+              <a:lnSpc>
+                <a:spcPct val="100000"/>
+              </a:lnSpc>
+            </a:pPr>
+            <a:endParaRPr/>
+          </a:p>
+          <a:p>
+            <a:pPr algn="ctr">
+              <a:lnSpc>
+                <a:spcPct val="100000"/>
+              </a:lnSpc>
+            </a:pPr>
+            <a:endParaRPr/>
+          </a:p>
+          <a:p>
+            <a:pPr algn="ctr">
+              <a:lnSpc>
+                <a:spcPct val="100000"/>
+              </a:lnSpc>
+            </a:pPr>
+            <a:endParaRPr/>
+          </a:p>
+        </p:txBody>
+      </p:sp>
+      <p:sp>
+        <p:nvSpPr>
+          <p:cNvPr id="49" name="CustomShape 2"/>
+          <p:cNvSpPr/>
+          <p:nvPr/>
+        </p:nvSpPr>
+        <p:spPr>
+          <a:xfrm>
+            <a:off x="357158" y="1795320"/>
+            <a:ext cx="8177040" cy="4633560"/>
+          </a:xfrm>
+          <a:prstGeom prst="rect">
+            <a:avLst/>
+          </a:prstGeom>
+        </p:spPr>
+        <p:txBody>
+          <a:bodyPr lIns="90000" tIns="0" rIns="90000" bIns="45000"/>
+          <a:lstStyle/>
+          <a:p>
+            <a:pPr>
+              <a:lnSpc>
+                <a:spcPct val="100000"/>
+              </a:lnSpc>
+              <a:buSzPct val="95000"/>
+              <a:buFont typeface="Wingdings" pitchFamily="2" charset="2"/>
+              <a:buChar char="v"/>
+            </a:pPr>
+            <a:endParaRPr lang="it-IT" sz="3200" b="1" dirty="0" smtClean="0"/>
+          </a:p>
+          <a:p>
+            <a:pPr>
+              <a:lnSpc>
+                <a:spcPct val="100000"/>
+              </a:lnSpc>
+              <a:buSzPct val="95000"/>
+              <a:buFont typeface="Wingdings" pitchFamily="2" charset="2"/>
+              <a:buChar char="v"/>
+            </a:pPr>
+            <a:r>
+              <a:rPr lang="it-IT" sz="3200" b="1" dirty="0" smtClean="0"/>
+              <a:t>Perché usarlo?</a:t>
+            </a:r>
+          </a:p>
+          <a:p>
+            <a:pPr>
+              <a:lnSpc>
+                <a:spcPct val="100000"/>
+              </a:lnSpc>
+              <a:buSzPct val="95000"/>
+              <a:buFont typeface="Wingdings" pitchFamily="2" charset="2"/>
+              <a:buChar char="v"/>
+            </a:pPr>
+            <a:endParaRPr lang="it-IT" sz="3200" b="1" dirty="0" smtClean="0"/>
+          </a:p>
+          <a:p>
+            <a:pPr>
+              <a:lnSpc>
+                <a:spcPct val="100000"/>
+              </a:lnSpc>
+              <a:buSzPct val="95000"/>
+            </a:pPr>
+            <a:endParaRPr lang="it-IT" sz="2800" dirty="0" smtClean="0"/>
+          </a:p>
+          <a:p>
+            <a:pPr lvl="1">
+              <a:buSzPct val="95000"/>
+              <a:buFont typeface="Arial" pitchFamily="34" charset="0"/>
+              <a:buChar char="•"/>
+            </a:pPr>
+            <a:r>
+              <a:rPr lang="it-IT" sz="2800" dirty="0" smtClean="0"/>
+              <a:t> Abbiamo usato </a:t>
+            </a:r>
+            <a:r>
+              <a:rPr lang="it-IT" sz="2800" dirty="0" err="1" smtClean="0"/>
+              <a:t>Junit</a:t>
+            </a:r>
+            <a:r>
+              <a:rPr lang="it-IT" sz="2800" dirty="0" smtClean="0"/>
+              <a:t> per fare i test di unità su ogni classe.</a:t>
+            </a:r>
+            <a:endParaRPr sz="2800" dirty="0"/>
+          </a:p>
+        </p:txBody>
+      </p:sp>
+      <p:sp>
+        <p:nvSpPr>
+          <p:cNvPr id="50" name="TextShape 3"/>
+          <p:cNvSpPr txBox="1"/>
+          <p:nvPr/>
+        </p:nvSpPr>
+        <p:spPr>
+          <a:xfrm>
+            <a:off x="1166040" y="864000"/>
+            <a:ext cx="6753960" cy="1368000"/>
+          </a:xfrm>
+          <a:prstGeom prst="rect">
+            <a:avLst/>
+          </a:prstGeom>
+        </p:spPr>
+        <p:txBody>
+          <a:bodyPr wrap="none" lIns="90000" tIns="45000" rIns="90000" bIns="45000"/>
+          <a:lstStyle/>
+          <a:p>
+            <a:pPr algn="ctr">
+              <a:lnSpc>
+                <a:spcPct val="100000"/>
+              </a:lnSpc>
+            </a:pPr>
+            <a:r>
+              <a:rPr lang="it-IT" sz="4800" b="1" dirty="0" smtClean="0">
+                <a:solidFill>
+                  <a:srgbClr val="000000"/>
+                </a:solidFill>
+              </a:rPr>
+              <a:t>JUNIT</a:t>
+            </a:r>
+          </a:p>
+          <a:p>
+            <a:pPr algn="ctr"/>
+            <a:r>
+              <a:rPr lang="it-IT" sz="2800" b="1" dirty="0" smtClean="0">
+                <a:solidFill>
+                  <a:srgbClr val="000000"/>
+                </a:solidFill>
+              </a:rPr>
+              <a:t>(TEST D’ UNITA’ E INTEGRAZIONE)</a:t>
+            </a:r>
+          </a:p>
+          <a:p>
+            <a:pPr algn="ctr">
+              <a:lnSpc>
+                <a:spcPct val="100000"/>
+              </a:lnSpc>
+            </a:pPr>
+            <a:endParaRPr lang="it-IT" sz="4800" b="1" dirty="0" smtClean="0">
+              <a:solidFill>
+                <a:srgbClr val="000000"/>
+              </a:solidFill>
+            </a:endParaRPr>
+          </a:p>
+          <a:p>
+            <a:pPr algn="ctr">
+              <a:lnSpc>
+                <a:spcPct val="100000"/>
+              </a:lnSpc>
+            </a:pPr>
+            <a:endParaRPr sz="3000"/>
+          </a:p>
+        </p:txBody>
+      </p:sp>
+    </p:spTree>
+  </p:cSld>
+  <p:clrMapOvr>
+    <a:masterClrMapping/>
+  </p:clrMapOvr>
+  <p:timing>
+    <p:tnLst>
+      <p:par>
+        <p:cTn id="1" dur="indefinite" restart="never" nodeType="tmRoot">
+          <p:childTnLst>
+            <p:seq>
+              <p:cTn id="2" nodeType="mainSeq"/>
+              <p:prevCondLst>
+                <p:cond evt="onPrev" delay="0">
+                  <p:tgtEl>
+                    <p:sldTgt/>
+                  </p:tgtEl>
+                </p:cond>
+              </p:prevCondLst>
+              <p:nextCondLst>
+                <p:cond evt="onNext" delay="0">
+                  <p:tgtEl>
+                    <p:sldTgt/>
+                  </p:tgtEl>
+                </p:cond>
+              </p:nextCondLst>
+            </p:seq>
+          </p:childTnLst>
+        </p:cTn>
+      </p:par>
+    </p:tnLst>
+  </p:timing>
+</p:sld>
+</file>
+
+<file path=ppt/slides/slide12.xml><?xml version="1.0" encoding="utf-8"?>
+<p:sld xmlns:a="http://schemas.openxmlformats.org/drawingml/2006/main" xmlns:r="http://schemas.openxmlformats.org/officeDocument/2006/relationships" xmlns:p="http://schemas.openxmlformats.org/presentationml/2006/main">
+  <p:cSld>
+    <p:spTree>
+      <p:nvGrpSpPr>
+        <p:cNvPr id="1" name=""/>
+        <p:cNvGrpSpPr/>
+        <p:nvPr/>
+      </p:nvGrpSpPr>
+      <p:grpSpPr>
+        <a:xfrm>
+          <a:off x="0" y="0"/>
+          <a:ext cx="0" cy="0"/>
+          <a:chOff x="0" y="0"/>
+          <a:chExt cx="0" cy="0"/>
+        </a:xfrm>
+      </p:grpSpPr>
+      <p:sp>
+        <p:nvSpPr>
+          <p:cNvPr id="48" name="CustomShape 1"/>
+          <p:cNvSpPr/>
+          <p:nvPr/>
+        </p:nvSpPr>
+        <p:spPr>
+          <a:xfrm>
+            <a:off x="1671480" y="476640"/>
+            <a:ext cx="5540040" cy="1521720"/>
+          </a:xfrm>
+          <a:prstGeom prst="rect">
+            <a:avLst/>
+          </a:prstGeom>
+        </p:spPr>
+        <p:txBody>
+          <a:bodyPr wrap="none" lIns="90000" tIns="45000" rIns="90000" bIns="45000"/>
+          <a:lstStyle/>
+          <a:p>
+            <a:pPr algn="ctr">
+              <a:lnSpc>
+                <a:spcPct val="100000"/>
+              </a:lnSpc>
+            </a:pPr>
+            <a:endParaRPr/>
+          </a:p>
+          <a:p>
+            <a:pPr algn="ctr">
+              <a:lnSpc>
+                <a:spcPct val="100000"/>
+              </a:lnSpc>
+            </a:pPr>
+            <a:endParaRPr/>
+          </a:p>
+          <a:p>
+            <a:pPr algn="ctr">
+              <a:lnSpc>
+                <a:spcPct val="100000"/>
+              </a:lnSpc>
+            </a:pPr>
+            <a:endParaRPr/>
+          </a:p>
+        </p:txBody>
+      </p:sp>
+      <p:sp>
+        <p:nvSpPr>
+          <p:cNvPr id="49" name="CustomShape 2"/>
+          <p:cNvSpPr/>
+          <p:nvPr/>
+        </p:nvSpPr>
+        <p:spPr>
+          <a:xfrm>
+            <a:off x="357158" y="1795320"/>
+            <a:ext cx="8177040" cy="4633560"/>
+          </a:xfrm>
+          <a:prstGeom prst="rect">
+            <a:avLst/>
+          </a:prstGeom>
+        </p:spPr>
+        <p:txBody>
+          <a:bodyPr lIns="90000" tIns="0" rIns="90000" bIns="45000"/>
+          <a:lstStyle/>
+          <a:p>
+            <a:pPr>
+              <a:lnSpc>
+                <a:spcPct val="100000"/>
+              </a:lnSpc>
+              <a:buSzPct val="95000"/>
+              <a:buFont typeface="Wingdings" pitchFamily="2" charset="2"/>
+              <a:buChar char="v"/>
+            </a:pPr>
+            <a:endParaRPr lang="it-IT" sz="3200" b="1" dirty="0" smtClean="0"/>
+          </a:p>
+          <a:p>
+            <a:pPr>
+              <a:lnSpc>
+                <a:spcPct val="100000"/>
+              </a:lnSpc>
+              <a:buSzPct val="95000"/>
+              <a:buFont typeface="Wingdings" pitchFamily="2" charset="2"/>
+              <a:buChar char="v"/>
+            </a:pPr>
+            <a:r>
+              <a:rPr lang="it-IT" sz="3200" b="1" dirty="0" smtClean="0"/>
+              <a:t>Cosa fa?</a:t>
+            </a:r>
+          </a:p>
+          <a:p>
+            <a:pPr lvl="1">
+              <a:buSzPct val="95000"/>
+              <a:buFont typeface="Arial" pitchFamily="34" charset="0"/>
+              <a:buChar char="•"/>
+            </a:pPr>
+            <a:endParaRPr lang="it-IT" sz="2800" dirty="0" smtClean="0"/>
+          </a:p>
+          <a:p>
+            <a:pPr lvl="1">
+              <a:buSzPct val="95000"/>
+            </a:pPr>
+            <a:endParaRPr lang="it-IT" sz="2800" dirty="0" smtClean="0"/>
+          </a:p>
+          <a:p>
+            <a:pPr lvl="1">
+              <a:buSzPct val="95000"/>
+              <a:buFont typeface="Arial" pitchFamily="34" charset="0"/>
+              <a:buChar char="•"/>
+            </a:pPr>
+            <a:r>
+              <a:rPr lang="it-IT" sz="2800" dirty="0" smtClean="0"/>
+              <a:t>Il </a:t>
+            </a:r>
+            <a:r>
+              <a:rPr lang="it-IT" sz="2800" dirty="0" err="1" smtClean="0"/>
+              <a:t>junit</a:t>
+            </a:r>
+            <a:r>
+              <a:rPr lang="it-IT" sz="2800" dirty="0" smtClean="0"/>
+              <a:t> test non è altro che un insieme di diversi metodi che vanno a verificare gli input della classe presa in esame.</a:t>
+            </a:r>
+          </a:p>
+        </p:txBody>
+      </p:sp>
+      <p:sp>
+        <p:nvSpPr>
+          <p:cNvPr id="50" name="TextShape 3"/>
+          <p:cNvSpPr txBox="1"/>
+          <p:nvPr/>
+        </p:nvSpPr>
+        <p:spPr>
+          <a:xfrm>
+            <a:off x="1166040" y="864000"/>
+            <a:ext cx="6753960" cy="1368000"/>
+          </a:xfrm>
+          <a:prstGeom prst="rect">
+            <a:avLst/>
+          </a:prstGeom>
+        </p:spPr>
+        <p:txBody>
+          <a:bodyPr wrap="none" lIns="90000" tIns="45000" rIns="90000" bIns="45000"/>
+          <a:lstStyle/>
+          <a:p>
+            <a:pPr algn="ctr">
+              <a:lnSpc>
+                <a:spcPct val="100000"/>
+              </a:lnSpc>
+            </a:pPr>
+            <a:r>
+              <a:rPr lang="it-IT" sz="4800" b="1" dirty="0" smtClean="0">
+                <a:solidFill>
+                  <a:srgbClr val="000000"/>
+                </a:solidFill>
+              </a:rPr>
+              <a:t>JUNIT</a:t>
+            </a:r>
+          </a:p>
+          <a:p>
+            <a:pPr algn="ctr"/>
+            <a:r>
+              <a:rPr lang="it-IT" sz="2800" b="1" dirty="0" smtClean="0">
+                <a:solidFill>
+                  <a:srgbClr val="000000"/>
+                </a:solidFill>
+              </a:rPr>
+              <a:t>(TEST D’ UNITA’ E INTEGRAZIONE)</a:t>
+            </a:r>
+          </a:p>
+          <a:p>
+            <a:pPr algn="ctr">
+              <a:lnSpc>
+                <a:spcPct val="100000"/>
+              </a:lnSpc>
+            </a:pPr>
+            <a:endParaRPr lang="it-IT" sz="4800" b="1" dirty="0" smtClean="0">
+              <a:solidFill>
+                <a:srgbClr val="000000"/>
+              </a:solidFill>
+            </a:endParaRPr>
+          </a:p>
+          <a:p>
+            <a:pPr algn="ctr">
+              <a:lnSpc>
+                <a:spcPct val="100000"/>
+              </a:lnSpc>
+            </a:pPr>
+            <a:endParaRPr sz="3000"/>
+          </a:p>
+        </p:txBody>
+      </p:sp>
+      <p:pic>
+        <p:nvPicPr>
+          <p:cNvPr id="8194" name="Picture 2" descr="C:\Documents and Settings\Frank\Desktop\omino_di_pongo.jpg"/>
+          <p:cNvPicPr>
+            <a:picLocks noChangeAspect="1" noChangeArrowheads="1"/>
+          </p:cNvPicPr>
+          <p:nvPr/>
+        </p:nvPicPr>
+        <p:blipFill>
+          <a:blip r:embed="rId2"/>
+          <a:srcRect/>
+          <a:stretch>
+            <a:fillRect/>
+          </a:stretch>
+        </p:blipFill>
+        <p:spPr bwMode="auto">
+          <a:xfrm>
+            <a:off x="6357950" y="4429132"/>
+            <a:ext cx="2143116" cy="2143116"/>
+          </a:xfrm>
+          <a:prstGeom prst="rect">
+            <a:avLst/>
+          </a:prstGeom>
+          <a:noFill/>
+        </p:spPr>
+      </p:pic>
+    </p:spTree>
+  </p:cSld>
+  <p:clrMapOvr>
+    <a:masterClrMapping/>
+  </p:clrMapOvr>
+  <p:timing>
+    <p:tnLst>
+      <p:par>
+        <p:cTn id="1" dur="indefinite" restart="never" nodeType="tmRoot">
+          <p:childTnLst>
+            <p:seq>
+              <p:cTn id="2" nodeType="mainSeq"/>
+              <p:prevCondLst>
+                <p:cond evt="onPrev" delay="0">
+                  <p:tgtEl>
+                    <p:sldTgt/>
+                  </p:tgtEl>
+                </p:cond>
+              </p:prevCondLst>
+              <p:nextCondLst>
+                <p:cond evt="onNext" delay="0">
+                  <p:tgtEl>
+                    <p:sldTgt/>
+                  </p:tgtEl>
+                </p:cond>
+              </p:nextCondLst>
+            </p:seq>
+          </p:childTnLst>
+        </p:cTn>
+      </p:par>
+    </p:tnLst>
+  </p:timing>
+</p:sld>
+</file>
+
+<file path=ppt/slides/slide13.xml><?xml version="1.0" encoding="utf-8"?>
+<p:sld xmlns:a="http://schemas.openxmlformats.org/drawingml/2006/main" xmlns:r="http://schemas.openxmlformats.org/officeDocument/2006/relationships" xmlns:p="http://schemas.openxmlformats.org/presentationml/2006/main">
+  <p:cSld>
+    <p:spTree>
+      <p:nvGrpSpPr>
+        <p:cNvPr id="1" name=""/>
+        <p:cNvGrpSpPr/>
+        <p:nvPr/>
+      </p:nvGrpSpPr>
+      <p:grpSpPr>
+        <a:xfrm>
+          <a:off x="0" y="0"/>
+          <a:ext cx="0" cy="0"/>
+          <a:chOff x="0" y="0"/>
+          <a:chExt cx="0" cy="0"/>
+        </a:xfrm>
+      </p:grpSpPr>
+      <p:sp>
+        <p:nvSpPr>
+          <p:cNvPr id="48" name="CustomShape 1"/>
+          <p:cNvSpPr/>
+          <p:nvPr/>
+        </p:nvSpPr>
+        <p:spPr>
+          <a:xfrm>
+            <a:off x="1671480" y="476640"/>
+            <a:ext cx="5540040" cy="1521720"/>
+          </a:xfrm>
+          <a:prstGeom prst="rect">
+            <a:avLst/>
+          </a:prstGeom>
+        </p:spPr>
+        <p:txBody>
+          <a:bodyPr wrap="none" lIns="90000" tIns="45000" rIns="90000" bIns="45000"/>
+          <a:lstStyle/>
+          <a:p>
+            <a:pPr algn="ctr">
+              <a:lnSpc>
+                <a:spcPct val="100000"/>
+              </a:lnSpc>
+            </a:pPr>
+            <a:endParaRPr/>
+          </a:p>
+          <a:p>
+            <a:pPr algn="ctr">
+              <a:lnSpc>
+                <a:spcPct val="100000"/>
+              </a:lnSpc>
+            </a:pPr>
+            <a:endParaRPr/>
+          </a:p>
+          <a:p>
+            <a:pPr algn="ctr">
+              <a:lnSpc>
+                <a:spcPct val="100000"/>
+              </a:lnSpc>
+            </a:pPr>
+            <a:endParaRPr/>
+          </a:p>
+        </p:txBody>
+      </p:sp>
+      <p:sp>
+        <p:nvSpPr>
+          <p:cNvPr id="49" name="CustomShape 2"/>
+          <p:cNvSpPr/>
+          <p:nvPr/>
+        </p:nvSpPr>
+        <p:spPr>
+          <a:xfrm>
+            <a:off x="357158" y="1795320"/>
+            <a:ext cx="8177040" cy="4633560"/>
+          </a:xfrm>
+          <a:prstGeom prst="rect">
+            <a:avLst/>
+          </a:prstGeom>
+        </p:spPr>
+        <p:txBody>
+          <a:bodyPr lIns="90000" tIns="0" rIns="90000" bIns="45000"/>
+          <a:lstStyle/>
+          <a:p>
+            <a:pPr>
+              <a:lnSpc>
+                <a:spcPct val="100000"/>
+              </a:lnSpc>
+              <a:buSzPct val="95000"/>
+              <a:buFont typeface="Wingdings" pitchFamily="2" charset="2"/>
+              <a:buChar char="v"/>
+            </a:pPr>
+            <a:endParaRPr lang="it-IT" sz="3200" b="1" dirty="0" smtClean="0"/>
+          </a:p>
+          <a:p>
+            <a:pPr>
+              <a:lnSpc>
+                <a:spcPct val="100000"/>
+              </a:lnSpc>
+              <a:buSzPct val="95000"/>
+              <a:buFont typeface="Wingdings" pitchFamily="2" charset="2"/>
+              <a:buChar char="v"/>
+            </a:pPr>
+            <a:r>
+              <a:rPr lang="it-IT" sz="3200" b="1" dirty="0" smtClean="0"/>
+              <a:t>Pro</a:t>
+            </a:r>
+          </a:p>
+          <a:p>
+            <a:pPr lvl="1">
+              <a:buSzPct val="95000"/>
+              <a:buFont typeface="Arial" pitchFamily="34" charset="0"/>
+              <a:buChar char="•"/>
+            </a:pPr>
+            <a:endParaRPr lang="it-IT" sz="2800" dirty="0" smtClean="0"/>
+          </a:p>
+          <a:p>
+            <a:pPr lvl="1">
+              <a:buSzPct val="95000"/>
+              <a:buFont typeface="Arial" pitchFamily="34" charset="0"/>
+              <a:buChar char="•"/>
+            </a:pPr>
+            <a:r>
+              <a:rPr lang="it-IT" sz="2800" dirty="0" smtClean="0"/>
+              <a:t>Facilità il </a:t>
+            </a:r>
+            <a:r>
+              <a:rPr lang="it-IT" sz="2800" dirty="0" err="1" smtClean="0"/>
+              <a:t>testing</a:t>
+            </a:r>
+            <a:r>
+              <a:rPr lang="it-IT" sz="2800" dirty="0" smtClean="0"/>
+              <a:t>, permette di capire subito, quali dei vari metodi riscontra problemi sia di tipo semantico che sintattico.</a:t>
+            </a:r>
+          </a:p>
+          <a:p>
+            <a:pPr lvl="1">
+              <a:buSzPct val="95000"/>
+              <a:buFont typeface="Arial" pitchFamily="34" charset="0"/>
+              <a:buChar char="•"/>
+            </a:pPr>
+            <a:r>
+              <a:rPr lang="it-IT" sz="2800" dirty="0" smtClean="0"/>
+              <a:t>Evita di scrivere test complicati, che a loro volta verrebbero modificati  più e più volte.</a:t>
+            </a:r>
+          </a:p>
+        </p:txBody>
+      </p:sp>
+      <p:sp>
+        <p:nvSpPr>
+          <p:cNvPr id="50" name="TextShape 3"/>
+          <p:cNvSpPr txBox="1"/>
+          <p:nvPr/>
+        </p:nvSpPr>
+        <p:spPr>
+          <a:xfrm>
+            <a:off x="1166040" y="864000"/>
+            <a:ext cx="6753960" cy="1368000"/>
+          </a:xfrm>
+          <a:prstGeom prst="rect">
+            <a:avLst/>
+          </a:prstGeom>
+        </p:spPr>
+        <p:txBody>
+          <a:bodyPr wrap="none" lIns="90000" tIns="45000" rIns="90000" bIns="45000"/>
+          <a:lstStyle/>
+          <a:p>
+            <a:pPr algn="ctr">
+              <a:lnSpc>
+                <a:spcPct val="100000"/>
+              </a:lnSpc>
+            </a:pPr>
+            <a:r>
+              <a:rPr lang="it-IT" sz="4800" b="1" dirty="0" smtClean="0">
+                <a:solidFill>
+                  <a:srgbClr val="000000"/>
+                </a:solidFill>
+              </a:rPr>
+              <a:t>JUNIT</a:t>
+            </a:r>
+          </a:p>
+          <a:p>
+            <a:pPr algn="ctr"/>
+            <a:r>
+              <a:rPr lang="it-IT" sz="2800" b="1" dirty="0" smtClean="0">
+                <a:solidFill>
+                  <a:srgbClr val="000000"/>
+                </a:solidFill>
+              </a:rPr>
+              <a:t>(TEST D’ UNITA’ E INTEGRAZIONE)</a:t>
+            </a:r>
+          </a:p>
+          <a:p>
+            <a:pPr algn="ctr">
+              <a:lnSpc>
+                <a:spcPct val="100000"/>
+              </a:lnSpc>
+            </a:pPr>
+            <a:endParaRPr lang="it-IT" sz="4800" b="1" dirty="0" smtClean="0">
+              <a:solidFill>
+                <a:srgbClr val="000000"/>
+              </a:solidFill>
+            </a:endParaRPr>
+          </a:p>
+          <a:p>
+            <a:pPr algn="ctr">
+              <a:lnSpc>
+                <a:spcPct val="100000"/>
+              </a:lnSpc>
+            </a:pPr>
+            <a:endParaRPr sz="3000"/>
+          </a:p>
+        </p:txBody>
+      </p:sp>
+      <p:pic>
+        <p:nvPicPr>
+          <p:cNvPr id="9218" name="Picture 2" descr="C:\Documents and Settings\Frank\Desktop\omino.jpg"/>
+          <p:cNvPicPr>
+            <a:picLocks noChangeAspect="1" noChangeArrowheads="1"/>
+          </p:cNvPicPr>
+          <p:nvPr/>
+        </p:nvPicPr>
+        <p:blipFill>
+          <a:blip r:embed="rId2"/>
+          <a:srcRect/>
+          <a:stretch>
+            <a:fillRect/>
+          </a:stretch>
+        </p:blipFill>
+        <p:spPr bwMode="auto">
+          <a:xfrm>
+            <a:off x="7190504" y="857232"/>
+            <a:ext cx="1953496" cy="2249480"/>
+          </a:xfrm>
+          <a:prstGeom prst="rect">
+            <a:avLst/>
+          </a:prstGeom>
+          <a:noFill/>
+        </p:spPr>
+      </p:pic>
+    </p:spTree>
+  </p:cSld>
+  <p:clrMapOvr>
+    <a:masterClrMapping/>
+  </p:clrMapOvr>
+  <p:timing>
+    <p:tnLst>
+      <p:par>
+        <p:cTn id="1" dur="indefinite" restart="never" nodeType="tmRoot">
+          <p:childTnLst>
+            <p:seq>
+              <p:cTn id="2" nodeType="mainSeq"/>
+              <p:prevCondLst>
+                <p:cond evt="onPrev" delay="0">
+                  <p:tgtEl>
+                    <p:sldTgt/>
+                  </p:tgtEl>
+                </p:cond>
+              </p:prevCondLst>
+              <p:nextCondLst>
+                <p:cond evt="onNext" delay="0">
+                  <p:tgtEl>
+                    <p:sldTgt/>
+                  </p:tgtEl>
+                </p:cond>
+              </p:nextCondLst>
+            </p:seq>
+          </p:childTnLst>
+        </p:cTn>
+      </p:par>
+    </p:tnLst>
+  </p:timing>
+</p:sld>
+</file>
+
+<file path=ppt/slides/slide14.xml><?xml version="1.0" encoding="utf-8"?>
+<p:sld xmlns:a="http://schemas.openxmlformats.org/drawingml/2006/main" xmlns:r="http://schemas.openxmlformats.org/officeDocument/2006/relationships" xmlns:p="http://schemas.openxmlformats.org/presentationml/2006/main">
+  <p:cSld>
+    <p:spTree>
+      <p:nvGrpSpPr>
+        <p:cNvPr id="1" name=""/>
+        <p:cNvGrpSpPr/>
+        <p:nvPr/>
+      </p:nvGrpSpPr>
+      <p:grpSpPr>
+        <a:xfrm>
+          <a:off x="0" y="0"/>
+          <a:ext cx="0" cy="0"/>
+          <a:chOff x="0" y="0"/>
+          <a:chExt cx="0" cy="0"/>
+        </a:xfrm>
+      </p:grpSpPr>
+      <p:sp>
+        <p:nvSpPr>
+          <p:cNvPr id="48" name="CustomShape 1"/>
+          <p:cNvSpPr/>
+          <p:nvPr/>
+        </p:nvSpPr>
+        <p:spPr>
+          <a:xfrm>
+            <a:off x="1671480" y="476640"/>
+            <a:ext cx="5540040" cy="1521720"/>
+          </a:xfrm>
+          <a:prstGeom prst="rect">
+            <a:avLst/>
+          </a:prstGeom>
+        </p:spPr>
+        <p:txBody>
+          <a:bodyPr wrap="none" lIns="90000" tIns="45000" rIns="90000" bIns="45000"/>
+          <a:lstStyle/>
+          <a:p>
+            <a:pPr algn="ctr">
+              <a:lnSpc>
+                <a:spcPct val="100000"/>
+              </a:lnSpc>
+            </a:pPr>
+            <a:endParaRPr/>
+          </a:p>
+          <a:p>
+            <a:pPr algn="ctr">
+              <a:lnSpc>
+                <a:spcPct val="100000"/>
+              </a:lnSpc>
+            </a:pPr>
+            <a:endParaRPr/>
+          </a:p>
+          <a:p>
+            <a:pPr algn="ctr">
+              <a:lnSpc>
+                <a:spcPct val="100000"/>
+              </a:lnSpc>
+            </a:pPr>
+            <a:endParaRPr/>
+          </a:p>
+        </p:txBody>
+      </p:sp>
+      <p:sp>
+        <p:nvSpPr>
+          <p:cNvPr id="49" name="CustomShape 2"/>
+          <p:cNvSpPr/>
+          <p:nvPr/>
+        </p:nvSpPr>
+        <p:spPr>
+          <a:xfrm>
+            <a:off x="357158" y="1795320"/>
+            <a:ext cx="8177040" cy="4633560"/>
+          </a:xfrm>
+          <a:prstGeom prst="rect">
+            <a:avLst/>
+          </a:prstGeom>
+        </p:spPr>
+        <p:txBody>
+          <a:bodyPr lIns="90000" tIns="0" rIns="90000" bIns="45000"/>
+          <a:lstStyle/>
+          <a:p>
+            <a:pPr>
+              <a:lnSpc>
+                <a:spcPct val="100000"/>
+              </a:lnSpc>
+              <a:buSzPct val="95000"/>
+              <a:buFont typeface="Wingdings" pitchFamily="2" charset="2"/>
+              <a:buChar char="v"/>
+            </a:pPr>
+            <a:endParaRPr lang="it-IT" sz="3200" b="1" dirty="0" smtClean="0"/>
+          </a:p>
+          <a:p>
+            <a:pPr>
+              <a:lnSpc>
+                <a:spcPct val="100000"/>
+              </a:lnSpc>
+              <a:buSzPct val="95000"/>
+              <a:buFont typeface="Wingdings" pitchFamily="2" charset="2"/>
+              <a:buChar char="v"/>
+            </a:pPr>
+            <a:r>
+              <a:rPr lang="it-IT" sz="3200" b="1" dirty="0" smtClean="0"/>
+              <a:t>Contro</a:t>
+            </a:r>
+          </a:p>
+          <a:p>
+            <a:pPr>
+              <a:lnSpc>
+                <a:spcPct val="100000"/>
+              </a:lnSpc>
+              <a:buSzPct val="95000"/>
+            </a:pPr>
+            <a:endParaRPr lang="it-IT" sz="3200" b="1" dirty="0" smtClean="0"/>
+          </a:p>
+          <a:p>
+            <a:pPr lvl="1">
+              <a:buSzPct val="95000"/>
+              <a:buFont typeface="Arial" pitchFamily="34" charset="0"/>
+              <a:buChar char="•"/>
+            </a:pPr>
+            <a:r>
+              <a:rPr lang="it-IT" sz="2800" dirty="0" smtClean="0"/>
+              <a:t>L’unico contro  che abbiamo riscontrato è un approccio un po’ ostile.</a:t>
+            </a:r>
+          </a:p>
+          <a:p>
+            <a:pPr lvl="1">
+              <a:buSzPct val="95000"/>
+              <a:buFont typeface="Arial" pitchFamily="34" charset="0"/>
+              <a:buChar char="•"/>
+            </a:pPr>
+            <a:r>
+              <a:rPr lang="it-IT" sz="2800" dirty="0" smtClean="0"/>
+              <a:t>Ma grazie al supporto dei nostri PM, in fine è stato utile e piacevole utilizzare </a:t>
+            </a:r>
+            <a:r>
+              <a:rPr lang="it-IT" sz="2800" dirty="0" err="1" smtClean="0"/>
+              <a:t>Junit</a:t>
+            </a:r>
+            <a:r>
+              <a:rPr lang="it-IT" sz="2800" smtClean="0"/>
+              <a:t>.</a:t>
+            </a:r>
+            <a:endParaRPr lang="it-IT" sz="2800" dirty="0" smtClean="0"/>
+          </a:p>
+        </p:txBody>
+      </p:sp>
+      <p:sp>
+        <p:nvSpPr>
+          <p:cNvPr id="50" name="TextShape 3"/>
+          <p:cNvSpPr txBox="1"/>
+          <p:nvPr/>
+        </p:nvSpPr>
+        <p:spPr>
+          <a:xfrm>
+            <a:off x="1166040" y="864000"/>
+            <a:ext cx="6753960" cy="1368000"/>
+          </a:xfrm>
+          <a:prstGeom prst="rect">
+            <a:avLst/>
+          </a:prstGeom>
+        </p:spPr>
+        <p:txBody>
+          <a:bodyPr wrap="none" lIns="90000" tIns="45000" rIns="90000" bIns="45000"/>
+          <a:lstStyle/>
+          <a:p>
+            <a:pPr algn="ctr">
+              <a:lnSpc>
+                <a:spcPct val="100000"/>
+              </a:lnSpc>
+            </a:pPr>
+            <a:r>
+              <a:rPr lang="it-IT" sz="4800" b="1" dirty="0" smtClean="0">
+                <a:solidFill>
+                  <a:srgbClr val="000000"/>
+                </a:solidFill>
+              </a:rPr>
+              <a:t>JUNIT</a:t>
+            </a:r>
+          </a:p>
+          <a:p>
+            <a:pPr algn="ctr"/>
+            <a:r>
+              <a:rPr lang="it-IT" sz="2800" b="1" dirty="0" smtClean="0">
+                <a:solidFill>
+                  <a:srgbClr val="000000"/>
+                </a:solidFill>
+              </a:rPr>
+              <a:t>(TEST D’ UNITA’ E INTEGRAZIONE)</a:t>
+            </a:r>
+          </a:p>
+          <a:p>
+            <a:pPr algn="ctr">
+              <a:lnSpc>
+                <a:spcPct val="100000"/>
+              </a:lnSpc>
+            </a:pPr>
+            <a:endParaRPr lang="it-IT" sz="4800" b="1" dirty="0" smtClean="0">
+              <a:solidFill>
+                <a:srgbClr val="000000"/>
+              </a:solidFill>
+            </a:endParaRPr>
+          </a:p>
+          <a:p>
+            <a:pPr algn="ctr">
+              <a:lnSpc>
+                <a:spcPct val="100000"/>
+              </a:lnSpc>
+            </a:pPr>
+            <a:endParaRPr sz="3000"/>
+          </a:p>
+        </p:txBody>
+      </p:sp>
+    </p:spTree>
+  </p:cSld>
+  <p:clrMapOvr>
+    <a:masterClrMapping/>
+  </p:clrMapOvr>
+  <p:timing>
+    <p:tnLst>
+      <p:par>
+        <p:cTn id="1" dur="indefinite" restart="never" nodeType="tmRoot">
           <p:childTnLst>
             <p:seq>
               <p:cTn id="2" nodeType="mainSeq"/>
@@ -4764,16 +6066,7 @@
                 </a:solidFill>
                 <a:latin typeface="Calibri"/>
               </a:rPr>
-              <a:t>classi</a:t>
-            </a:r>
-            <a:r>
-              <a:rPr lang="it-IT" sz="3200" dirty="0" smtClean="0">
-                <a:solidFill>
-                  <a:srgbClr val="000000"/>
-                </a:solidFill>
-                <a:latin typeface="Calibri"/>
-              </a:rPr>
-              <a:t>, che </a:t>
+              <a:t>classi, che </a:t>
             </a:r>
             <a:r>
               <a:rPr lang="it-IT" sz="3200" dirty="0">
@@ -4817,16 +6110,7 @@
                 </a:solidFill>
                 <a:latin typeface="Calibri"/>
               </a:rPr>
-              <a:t>: </a:t>
-            </a:r>
-            <a:r>
-              <a:rPr lang="it-IT" sz="3200" dirty="0" smtClean="0">
-                <a:solidFill>
-                  <a:srgbClr val="000000"/>
-                </a:solidFill>
-                <a:latin typeface="Calibri"/>
-              </a:rPr>
-              <a:t>manda </a:t>
+              <a:t>: manda </a:t>
             </a:r>
             <a:r>
               <a:rPr lang="it-IT" sz="3200" dirty="0">
@@ -4866,7 +6150,7 @@
   <p:timing>
     <p:tnLst>
       <p:par>
-        <p:cTn xmlns:p14="http://schemas.microsoft.com/office/powerpoint/2010/main" id="1" dur="indefinite" restart="never" nodeType="tmRoot">
+        <p:cTn id="1" dur="indefinite" restart="never" nodeType="tmRoot">
           <p:childTnLst>
             <p:seq>
               <p:cTn id="2" nodeType="mainSeq"/>
@@ -5071,16 +6355,7 @@
                 </a:solidFill>
                 <a:latin typeface="Calibri"/>
               </a:rPr>
-              <a:t>una e</a:t>
-            </a:r>
-            <a:r>
-              <a:rPr lang="it-IT" sz="3200" dirty="0" smtClean="0">
-                <a:solidFill>
-                  <a:srgbClr val="000000"/>
-                </a:solidFill>
-                <a:latin typeface="Calibri"/>
-              </a:rPr>
-              <a:t>-mail </a:t>
+              <a:t>una e-mail </a:t>
             </a:r>
             <a:r>
               <a:rPr lang="it-IT" sz="3200" dirty="0">
@@ -5176,6 +6451,32 @@
           </a:p>
         </p:txBody>
       </p:sp>
+      <p:pic>
+        <p:nvPicPr>
+          <p:cNvPr id="4098" name="Picture 2" descr="C:\Documents and Settings\Frank\Desktop\7005564-scelta-della-giusta-direzione-illustrazione-di-rendering-3d.jpg"/>
+          <p:cNvPicPr>
+            <a:picLocks noChangeAspect="1" noChangeArrowheads="1"/>
+          </p:cNvPicPr>
+          <p:nvPr/>
+        </p:nvPicPr>
+        <p:blipFill>
+          <a:blip r:embed="rId2"/>
+          <a:srcRect/>
+          <a:stretch>
+            <a:fillRect/>
+          </a:stretch>
+        </p:blipFill>
+        <p:spPr bwMode="auto">
+          <a:xfrm>
+            <a:off x="4214810" y="3929066"/>
+            <a:ext cx="3513151" cy="2634863"/>
+          </a:xfrm>
+          <a:prstGeom prst="rect">
+            <a:avLst/>
+          </a:prstGeom>
+          <a:noFill/>
+        </p:spPr>
+      </p:pic>
     </p:spTree>
   </p:cSld>
   <p:clrMapOvr>
@@ -5184,7 +6485,7 @@
   <p:timing>
     <p:tnLst>
       <p:par>
-        <p:cTn xmlns:p14="http://schemas.microsoft.com/office/powerpoint/2010/main" id="1" dur="indefinite" restart="never" nodeType="tmRoot">
+        <p:cTn id="1" dur="indefinite" restart="never" nodeType="tmRoot">
           <p:childTnLst>
             <p:seq>
               <p:cTn id="2" nodeType="mainSeq"/>
@@ -5324,6 +6625,20 @@
             </a:endParaRPr>
           </a:p>
           <a:p>
+            <a:pPr>
+              <a:lnSpc>
+                <a:spcPct val="100000"/>
+              </a:lnSpc>
+              <a:buSzPct val="95000"/>
+            </a:pPr>
+            <a:endParaRPr lang="it-IT" sz="4400" b="1" dirty="0" smtClean="0">
+              <a:solidFill>
+                <a:srgbClr val="000000"/>
+              </a:solidFill>
+              <a:latin typeface="Calibri"/>
+            </a:endParaRPr>
+          </a:p>
+          <a:p>
             <a:pPr lvl="1">
               <a:buSzPct val="95000"/>
               <a:buFont typeface="Arial" pitchFamily="34" charset="0"/>
@@ -5366,22 +6681,40 @@
               <a:t>usato </a:t>
             </a:r>
             <a:r>
-              <a:rPr lang="it-IT" sz="3200" b="1" dirty="0" smtClean="0">
+              <a:rPr lang="it-IT" sz="3200" dirty="0" smtClean="0">
                 <a:solidFill>
                   <a:srgbClr val="000000"/>
                 </a:solidFill>
                 <a:latin typeface="Calibri"/>
               </a:rPr>
-              <a:t>JAVAMAIL  </a:t>
-            </a:r>
-            <a:r>
-              <a:rPr lang="it-IT" sz="3200" b="1" dirty="0" smtClean="0">
+              <a:t>una componente </a:t>
+            </a:r>
+            <a:r>
+              <a:rPr lang="it-IT" sz="3200" dirty="0" err="1" smtClean="0">
                 <a:solidFill>
                   <a:srgbClr val="000000"/>
                 </a:solidFill>
                 <a:latin typeface="Calibri"/>
               </a:rPr>
-              <a:t>(API di </a:t>
+              <a:t>off-the-shelf</a:t>
+            </a:r>
+            <a:r>
+              <a:rPr lang="it-IT" sz="3200" dirty="0" smtClean="0">
+                <a:solidFill>
+                  <a:srgbClr val="000000"/>
+                </a:solidFill>
+                <a:latin typeface="Calibri"/>
+              </a:rPr>
+              <a:t>, </a:t>
+            </a:r>
+            <a:r>
+              <a:rPr lang="it-IT" sz="3200" b="1" dirty="0" smtClean="0">
+                <a:solidFill>
+                  <a:srgbClr val="000000"/>
+                </a:solidFill>
+                <a:latin typeface="Calibri"/>
+              </a:rPr>
+              <a:t>JAVAMAIL  (API di </a:t>
             </a:r>
             <a:r>
               <a:rPr lang="it-IT" sz="3200" b="1" dirty="0" err="1">
@@ -5458,7 +6791,7 @@
         </p:nvSpPr>
         <p:spPr>
           <a:xfrm>
-            <a:off x="1166040" y="864000"/>
+            <a:off x="1071538" y="714356"/>
             <a:ext cx="6753960" cy="1368000"/>
           </a:xfrm>
           <a:prstGeom prst="rect">
@@ -5487,6 +6820,32 @@
           </a:p>
         </p:txBody>
       </p:sp>
+      <p:pic>
+        <p:nvPicPr>
+          <p:cNvPr id="5122" name="Picture 2" descr="\\vmware-host\Shared Folders\Scrivania\icona_omino_punto_interrogativo.png"/>
+          <p:cNvPicPr>
+            <a:picLocks noChangeAspect="1" noChangeArrowheads="1"/>
+          </p:cNvPicPr>
+          <p:nvPr/>
+        </p:nvPicPr>
+        <p:blipFill>
+          <a:blip r:embed="rId2"/>
+          <a:srcRect/>
+          <a:stretch>
+            <a:fillRect/>
+          </a:stretch>
+        </p:blipFill>
+        <p:spPr bwMode="auto">
+          <a:xfrm>
+            <a:off x="4500562" y="1285860"/>
+            <a:ext cx="2643206" cy="2643206"/>
+          </a:xfrm>
+          <a:prstGeom prst="rect">
+            <a:avLst/>
+          </a:prstGeom>
+          <a:noFill/>
+        </p:spPr>
+      </p:pic>
     </p:spTree>
   </p:cSld>
   <p:clrMapOvr>
@@ -5495,7 +6854,7 @@
   <p:timing>
     <p:tnLst>
       <p:par>
-        <p:cTn xmlns:p14="http://schemas.microsoft.com/office/powerpoint/2010/main" id="1" dur="indefinite" restart="never" nodeType="tmRoot">
+        <p:cTn id="1" dur="indefinite" restart="never" nodeType="tmRoot">
           <p:childTnLst>
             <p:seq>
               <p:cTn id="2" nodeType="mainSeq"/>
@@ -5638,39 +6997,45 @@
       </p:sp>
       <p:pic>
         <p:nvPicPr>
-          <p:cNvPr id="54" name="Immagine 53"/>
-          <p:cNvPicPr/>
+          <p:cNvPr id="2050" name="Picture 2" descr="C:\Documents and Settings\Frank\Desktop\MailBridge2.png"/>
+          <p:cNvPicPr>
+            <a:picLocks noChangeAspect="1" noChangeArrowheads="1"/>
+          </p:cNvPicPr>
           <p:nvPr/>
         </p:nvPicPr>
         <p:blipFill>
           <a:blip r:embed="rId2"/>
+          <a:srcRect/>
           <a:stretch>
             <a:fillRect/>
           </a:stretch>
         </p:blipFill>
-        <p:spPr>
-          <a:xfrm>
-            <a:off x="216000" y="1656000"/>
-            <a:ext cx="8712000" cy="4392000"/>
+        <p:spPr bwMode="auto">
+          <a:xfrm>
+            <a:off x="285720" y="1714488"/>
+            <a:ext cx="8643998" cy="4686300"/>
           </a:xfrm>
           <a:prstGeom prst="rect">
             <a:avLst/>
           </a:prstGeom>
+          <a:noFill/>
         </p:spPr>
       </p:pic>
       <p:cxnSp>
         <p:nvCxnSpPr>
-          <p:cNvPr id="7" name="Connettore 2 6"/>
+          <p:cNvPr id="13" name="Connettore 4 12"/>
           <p:cNvCxnSpPr/>
           <p:nvPr/>
         </p:nvCxnSpPr>
         <p:spPr>
-          <a:xfrm flipV="1">
-            <a:off x="2714612" y="2571744"/>
-            <a:ext cx="1000132" cy="571504"/>
-          </a:xfrm>
-          <a:prstGeom prst="straightConnector1">
-            <a:avLst/>
+          <a:xfrm>
+            <a:off x="2786050" y="2285992"/>
+            <a:ext cx="2643206" cy="1571636"/>
+          </a:xfrm>
+          <a:prstGeom prst="bentConnector3">
+            <a:avLst>
+              <a:gd name="adj1" fmla="val 50000"/>
+            </a:avLst>
           </a:prstGeom>
           <a:ln>
             <a:tailEnd type="arrow"/>
@@ -5693,14 +7058,14 @@
       </p:cxnSp>
       <p:sp>
         <p:nvSpPr>
-          <p:cNvPr id="8" name="CasellaDiTesto 7"/>
+          <p:cNvPr id="28" name="CasellaDiTesto 27"/>
           <p:cNvSpPr txBox="1"/>
           <p:nvPr/>
         </p:nvSpPr>
         <p:spPr>
           <a:xfrm>
-            <a:off x="3714744" y="2000240"/>
-            <a:ext cx="4357718" cy="646331"/>
+            <a:off x="5429256" y="3429000"/>
+            <a:ext cx="3057055" cy="646331"/>
           </a:xfrm>
           <a:prstGeom prst="rect">
             <a:avLst/>
@@ -5708,20 +7073,28 @@
           <a:noFill/>
         </p:spPr>
         <p:txBody>
-          <a:bodyPr wrap="square" rtlCol="0">
+          <a:bodyPr wrap="none" rtlCol="0">
             <a:spAutoFit/>
           </a:bodyPr>
           <a:lstStyle/>
           <a:p>
             <a:r>
               <a:rPr lang="it-IT" dirty="0" smtClean="0"/>
-              <a:t>Alla classe Abstraction corrisponde la classe</a:t>
-            </a:r>
-          </a:p>
-          <a:p>
+              <a:t>Il </a:t>
+            </a:r>
             <a:r>
               <a:rPr lang="it-IT" dirty="0" err="1" smtClean="0"/>
-              <a:t>NotificheMail.java</a:t>
+              <a:t>control</a:t>
+            </a:r>
+            <a:r>
+              <a:rPr lang="it-IT" dirty="0" smtClean="0"/>
+              <a:t> si occupa di inviare   </a:t>
+            </a:r>
+          </a:p>
+          <a:p>
+            <a:r>
+              <a:rPr lang="it-IT" dirty="0" smtClean="0"/>
+              <a:t>Oggetti Messaggio </a:t>
             </a:r>
             <a:endParaRPr lang="it-IT" dirty="0"/>
           </a:p>
@@ -5735,7 +7108,7 @@
   <p:timing>
     <p:tnLst>
       <p:par>
-        <p:cTn xmlns:p14="http://schemas.microsoft.com/office/powerpoint/2010/main" id="1" dur="indefinite" restart="never" nodeType="tmRoot">
+        <p:cTn id="1" dur="indefinite" restart="never" nodeType="tmRoot">
           <p:childTnLst>
             <p:seq>
               <p:cTn id="2" nodeType="mainSeq"/>
@@ -5878,38 +7251,44 @@
       </p:sp>
       <p:pic>
         <p:nvPicPr>
-          <p:cNvPr id="54" name="Immagine 53"/>
-          <p:cNvPicPr/>
+          <p:cNvPr id="2050" name="Picture 2" descr="C:\Documents and Settings\Frank\Desktop\MailBridge2.png"/>
+          <p:cNvPicPr>
+            <a:picLocks noChangeAspect="1" noChangeArrowheads="1"/>
+          </p:cNvPicPr>
           <p:nvPr/>
         </p:nvPicPr>
         <p:blipFill>
           <a:blip r:embed="rId2"/>
+          <a:srcRect/>
           <a:stretch>
             <a:fillRect/>
           </a:stretch>
         </p:blipFill>
-        <p:spPr>
-          <a:xfrm>
-            <a:off x="216000" y="1656000"/>
-            <a:ext cx="8712000" cy="4392000"/>
+        <p:spPr bwMode="auto">
+          <a:xfrm>
+            <a:off x="285720" y="1714488"/>
+            <a:ext cx="8643998" cy="4686300"/>
           </a:xfrm>
           <a:prstGeom prst="rect">
             <a:avLst/>
           </a:prstGeom>
+          <a:noFill/>
         </p:spPr>
       </p:pic>
       <p:cxnSp>
         <p:nvCxnSpPr>
-          <p:cNvPr id="7" name="Connettore 2 6"/>
-          <p:cNvCxnSpPr/>
+          <p:cNvPr id="7" name="Connettore 4 6"/>
+          <p:cNvCxnSpPr>
+            <a:endCxn id="8" idx="0"/>
+          </p:cNvCxnSpPr>
           <p:nvPr/>
         </p:nvCxnSpPr>
         <p:spPr>
-          <a:xfrm rot="16200000" flipV="1">
-            <a:off x="7072330" y="2714620"/>
-            <a:ext cx="428628" cy="428628"/>
-          </a:xfrm>
-          <a:prstGeom prst="straightConnector1">
+          <a:xfrm>
+            <a:off x="5572132" y="2714620"/>
+            <a:ext cx="1420854" cy="1071570"/>
+          </a:xfrm>
+          <a:prstGeom prst="bentConnector2">
             <a:avLst/>
           </a:prstGeom>
           <a:ln>
@@ -5939,8 +7318,8 @@
         </p:nvSpPr>
         <p:spPr>
           <a:xfrm>
-            <a:off x="3714744" y="2000240"/>
-            <a:ext cx="4357718" cy="646331"/>
+            <a:off x="5429256" y="3786190"/>
+            <a:ext cx="3127459" cy="646331"/>
           </a:xfrm>
           <a:prstGeom prst="rect">
             <a:avLst/>
@@ -5948,30 +7327,20 @@
           <a:noFill/>
         </p:spPr>
         <p:txBody>
-          <a:bodyPr wrap="square" rtlCol="0">
+          <a:bodyPr wrap="none" rtlCol="0">
             <a:spAutoFit/>
           </a:bodyPr>
           <a:lstStyle/>
           <a:p>
             <a:r>
               <a:rPr lang="it-IT" dirty="0" smtClean="0"/>
-              <a:t>All’interfaccia </a:t>
-            </a:r>
-            <a:r>
-              <a:rPr lang="it-IT" dirty="0" err="1" smtClean="0"/>
-              <a:t>Implementor</a:t>
-            </a:r>
+              <a:t>L’interfaccia Messaggio serve a </a:t>
+            </a:r>
+          </a:p>
+          <a:p>
             <a:r>
               <a:rPr lang="it-IT" dirty="0" smtClean="0"/>
-              <a:t> </a:t>
-            </a:r>
-            <a:r>
-              <a:rPr lang="it-IT" dirty="0" err="1" smtClean="0"/>
-              <a:t>corrispone</a:t>
-            </a:r>
-            <a:r>
-              <a:rPr lang="it-IT" dirty="0" smtClean="0"/>
-              <a:t> l’interfaccia Messaggio</a:t>
+              <a:t>definire le varie Notifiche </a:t>
             </a:r>
             <a:endParaRPr lang="it-IT" dirty="0"/>
           </a:p>
@@ -5985,7 +7354,7 @@
   <p:timing>
     <p:tnLst>
       <p:par>
-        <p:cTn xmlns:p14="http://schemas.microsoft.com/office/powerpoint/2010/main" id="1" dur="indefinite" restart="never" nodeType="tmRoot">
+        <p:cTn id="1" dur="indefinite" restart="never" nodeType="tmRoot">
           <p:childTnLst>
             <p:seq>
               <p:cTn id="2" nodeType="mainSeq"/>
@@ -6128,39 +7497,45 @@
       </p:sp>
       <p:pic>
         <p:nvPicPr>
-          <p:cNvPr id="54" name="Immagine 53"/>
-          <p:cNvPicPr/>
+          <p:cNvPr id="2050" name="Picture 2" descr="C:\Documents and Settings\Frank\Desktop\MailBridge2.png"/>
+          <p:cNvPicPr>
+            <a:picLocks noChangeAspect="1" noChangeArrowheads="1"/>
+          </p:cNvPicPr>
           <p:nvPr/>
         </p:nvPicPr>
         <p:blipFill>
           <a:blip r:embed="rId2"/>
+          <a:srcRect/>
           <a:stretch>
             <a:fillRect/>
           </a:stretch>
         </p:blipFill>
-        <p:spPr>
-          <a:xfrm>
-            <a:off x="216000" y="1656000"/>
-            <a:ext cx="8712000" cy="4392000"/>
+        <p:spPr bwMode="auto">
+          <a:xfrm>
+            <a:off x="285720" y="1714488"/>
+            <a:ext cx="8643998" cy="4686300"/>
           </a:xfrm>
           <a:prstGeom prst="rect">
             <a:avLst/>
           </a:prstGeom>
+          <a:noFill/>
         </p:spPr>
       </p:pic>
       <p:cxnSp>
         <p:nvCxnSpPr>
-          <p:cNvPr id="7" name="Connettore 2 6"/>
+          <p:cNvPr id="9" name="Connettore 4 8"/>
           <p:cNvCxnSpPr/>
           <p:nvPr/>
         </p:nvCxnSpPr>
         <p:spPr>
-          <a:xfrm rot="5400000" flipH="1" flipV="1">
-            <a:off x="2464579" y="4036223"/>
-            <a:ext cx="2428892" cy="71438"/>
-          </a:xfrm>
-          <a:prstGeom prst="straightConnector1">
-            <a:avLst/>
+          <a:xfrm>
+            <a:off x="3929058" y="3713164"/>
+            <a:ext cx="1285884" cy="1588"/>
+          </a:xfrm>
+          <a:prstGeom prst="bentConnector3">
+            <a:avLst>
+              <a:gd name="adj1" fmla="val 50000"/>
+            </a:avLst>
           </a:prstGeom>
           <a:ln>
             <a:tailEnd type="arrow"/>
@@ -6181,49 +7556,16 @@
           </a:fontRef>
         </p:style>
       </p:cxnSp>
-      <p:cxnSp>
-        <p:nvCxnSpPr>
-          <p:cNvPr id="11" name="Connettore 2 10"/>
-          <p:cNvCxnSpPr/>
-          <p:nvPr/>
-        </p:nvCxnSpPr>
-        <p:spPr>
-          <a:xfrm rot="16200000" flipV="1">
-            <a:off x="6679421" y="3964785"/>
-            <a:ext cx="2714644" cy="71438"/>
-          </a:xfrm>
-          <a:prstGeom prst="straightConnector1">
-            <a:avLst/>
-          </a:prstGeom>
-          <a:ln>
-            <a:tailEnd type="arrow"/>
-          </a:ln>
-        </p:spPr>
-        <p:style>
-          <a:lnRef idx="1">
-            <a:schemeClr val="accent1"/>
-          </a:lnRef>
-          <a:fillRef idx="0">
-            <a:schemeClr val="accent1"/>
-          </a:fillRef>
-          <a:effectRef idx="0">
-            <a:schemeClr val="accent1"/>
-          </a:effectRef>
-          <a:fontRef idx="minor">
-            <a:schemeClr val="tx1"/>
-          </a:fontRef>
-        </p:style>
-      </p:cxnSp>
-      <p:sp>
-        <p:nvSpPr>
-          <p:cNvPr id="26" name="CasellaDiTesto 25"/>
+      <p:sp>
+        <p:nvSpPr>
+          <p:cNvPr id="10" name="CasellaDiTesto 9"/>
           <p:cNvSpPr txBox="1"/>
           <p:nvPr/>
         </p:nvSpPr>
         <p:spPr>
           <a:xfrm>
-            <a:off x="3286116" y="1857364"/>
-            <a:ext cx="5674567" cy="923330"/>
+            <a:off x="5286380" y="3643314"/>
+            <a:ext cx="3655553" cy="646331"/>
           </a:xfrm>
           <a:prstGeom prst="rect">
             <a:avLst/>
@@ -6238,51 +7580,13 @@
           <a:p>
             <a:r>
               <a:rPr lang="it-IT" dirty="0" smtClean="0"/>
-              <a:t>Alle classi </a:t>
-            </a:r>
-            <a:r>
-              <a:rPr lang="it-IT" dirty="0" err="1" smtClean="0"/>
-              <a:t>ConcreteImplementor</a:t>
-            </a:r>
+              <a:t>E’ la classe Astratta, che implementa </a:t>
+            </a:r>
+          </a:p>
+          <a:p>
             <a:r>
               <a:rPr lang="it-IT" dirty="0" smtClean="0"/>
-              <a:t> A </a:t>
-            </a:r>
-            <a:r>
-              <a:rPr lang="it-IT" dirty="0" smtClean="0"/>
-              <a:t>e B </a:t>
-            </a:r>
-            <a:r>
-              <a:rPr lang="it-IT" dirty="0" smtClean="0"/>
-              <a:t>corrispondono i vari </a:t>
-            </a:r>
-          </a:p>
-          <a:p>
-            <a:r>
-              <a:rPr lang="it-IT" dirty="0" smtClean="0"/>
-              <a:t>tipi di messaggi sopra </a:t>
-            </a:r>
-            <a:r>
-              <a:rPr lang="it-IT" dirty="0" smtClean="0"/>
-              <a:t>citati, </a:t>
-            </a:r>
-            <a:r>
-              <a:rPr lang="it-IT" dirty="0" smtClean="0"/>
-              <a:t>ovvero : </a:t>
-            </a:r>
-            <a:r>
-              <a:rPr lang="it-IT" dirty="0" err="1" smtClean="0"/>
-              <a:t>ComposizioneClasse</a:t>
-            </a:r>
-            <a:r>
-              <a:rPr lang="it-IT" dirty="0" smtClean="0"/>
-              <a:t>,</a:t>
-            </a:r>
-          </a:p>
-          <a:p>
-            <a:r>
-              <a:rPr lang="it-IT" dirty="0" smtClean="0"/>
-              <a:t>Evento,Registrazione e Licenziamento.</a:t>
+              <a:t>l’interfaccia Messaggio</a:t>
             </a:r>
             <a:endParaRPr lang="it-IT" dirty="0"/>
           </a:p>
@@ -6296,7 +7600,7 @@
   <p:timing>
     <p:tnLst>
       <p:par>
-        <p:cTn xmlns:p14="http://schemas.microsoft.com/office/powerpoint/2010/main" id="1" dur="indefinite" restart="never" nodeType="tmRoot">
+        <p:cTn id="1" dur="indefinite" restart="never" nodeType="tmRoot">
           <p:childTnLst>
             <p:seq>
               <p:cTn id="2" nodeType="mainSeq"/>
@@ -6342,7 +7646,7 @@
       </p:grpSpPr>
       <p:sp>
         <p:nvSpPr>
-          <p:cNvPr id="48" name="CustomShape 1"/>
+          <p:cNvPr id="51" name="CustomShape 1"/>
           <p:cNvSpPr/>
           <p:nvPr/>
         </p:nvSpPr>
@@ -6386,7 +7690,7 @@
       </p:sp>
       <p:sp>
         <p:nvSpPr>
-          <p:cNvPr id="49" name="CustomShape 2"/>
+          <p:cNvPr id="52" name="CustomShape 2"/>
           <p:cNvSpPr/>
           <p:nvPr/>
         </p:nvSpPr>
@@ -6399,72 +7703,10 @@
             <a:avLst/>
           </a:prstGeom>
         </p:spPr>
-        <p:txBody>
-          <a:bodyPr lIns="90000" tIns="0" rIns="90000" bIns="45000"/>
-          <a:lstStyle/>
-          <a:p>
-            <a:pPr>
-              <a:lnSpc>
-                <a:spcPct val="100000"/>
-              </a:lnSpc>
-              <a:buSzPct val="95000"/>
-              <a:buFont typeface="Wingdings" pitchFamily="2" charset="2"/>
-              <a:buChar char="v"/>
-            </a:pPr>
-            <a:endParaRPr lang="it-IT" sz="3200" b="1" dirty="0" smtClean="0"/>
-          </a:p>
-          <a:p>
-            <a:pPr>
-              <a:lnSpc>
-                <a:spcPct val="100000"/>
-              </a:lnSpc>
-              <a:buSzPct val="95000"/>
-              <a:buFont typeface="Wingdings" pitchFamily="2" charset="2"/>
-              <a:buChar char="v"/>
-            </a:pPr>
-            <a:r>
-              <a:rPr lang="it-IT" sz="3200" b="1" dirty="0" smtClean="0"/>
-              <a:t>Perché</a:t>
-            </a:r>
-            <a:endParaRPr lang="it-IT" sz="3200" dirty="0" smtClean="0"/>
-          </a:p>
-          <a:p>
-            <a:pPr>
-              <a:lnSpc>
-                <a:spcPct val="100000"/>
-              </a:lnSpc>
-              <a:buSzPct val="95000"/>
-            </a:pPr>
-            <a:endParaRPr lang="it-IT" sz="3200" dirty="0" smtClean="0"/>
-          </a:p>
-          <a:p>
-            <a:pPr lvl="1">
-              <a:buSzPct val="95000"/>
-              <a:buFont typeface="Arial" pitchFamily="34" charset="0"/>
-              <a:buChar char="•"/>
-            </a:pPr>
-            <a:r>
-              <a:rPr lang="it-IT" sz="2800" dirty="0" smtClean="0"/>
-              <a:t> ci </a:t>
-            </a:r>
-            <a:r>
-              <a:rPr lang="it-IT" sz="2800" dirty="0" smtClean="0"/>
-              <a:t>permette di inserire altri messaggi in modo semplice  e senza causare molti cambiamenti nel </a:t>
-            </a:r>
-            <a:r>
-              <a:rPr lang="it-IT" sz="2800" dirty="0" smtClean="0"/>
-              <a:t>sistema, così </a:t>
-            </a:r>
-            <a:r>
-              <a:rPr lang="it-IT" sz="2800" dirty="0" smtClean="0"/>
-              <a:t>come modificare quelli già esistenti.</a:t>
-            </a:r>
-          </a:p>
-        </p:txBody>
-      </p:sp>
-      <p:sp>
-        <p:nvSpPr>
-          <p:cNvPr id="50" name="TextShape 3"/>
+      </p:sp>
+      <p:sp>
+        <p:nvSpPr>
+          <p:cNvPr id="53" name="TextShape 3"/>
           <p:cNvSpPr txBox="1"/>
           <p:nvPr/>
         </p:nvSpPr>
@@ -6487,31 +7729,162 @@
               </a:lnSpc>
             </a:pPr>
             <a:r>
-              <a:rPr lang="it-IT" sz="4800" b="1" dirty="0" smtClean="0">
+              <a:rPr lang="it-IT" sz="4800" b="1">
                 <a:solidFill>
                   <a:srgbClr val="000000"/>
                 </a:solidFill>
                 <a:latin typeface="Calibri"/>
               </a:rPr>
-              <a:t>PERCHE’ BRIDGE?</a:t>
-            </a:r>
-          </a:p>
-          <a:p>
-            <a:pPr algn="ctr">
-              <a:lnSpc>
-                <a:spcPct val="100000"/>
-              </a:lnSpc>
-            </a:pPr>
-            <a:r>
-              <a:rPr lang="it-IT" sz="3000" dirty="0" smtClean="0">
-                <a:solidFill>
-                  <a:srgbClr val="000000"/>
-                </a:solidFill>
-                <a:latin typeface="Calibri"/>
-              </a:rPr>
-              <a:t>(1)</a:t>
-            </a:r>
-            <a:endParaRPr sz="3000"/>
+              <a:t>IMPLEMENTAZIONE</a:t>
+            </a:r>
+            <a:endParaRPr/>
+          </a:p>
+        </p:txBody>
+      </p:sp>
+      <p:pic>
+        <p:nvPicPr>
+          <p:cNvPr id="2050" name="Picture 2" descr="C:\Documents and Settings\Frank\Desktop\MailBridge2.png"/>
+          <p:cNvPicPr>
+            <a:picLocks noChangeAspect="1" noChangeArrowheads="1"/>
+          </p:cNvPicPr>
+          <p:nvPr/>
+        </p:nvPicPr>
+        <p:blipFill>
+          <a:blip r:embed="rId2"/>
+          <a:srcRect/>
+          <a:stretch>
+            <a:fillRect/>
+          </a:stretch>
+        </p:blipFill>
+        <p:spPr bwMode="auto">
+          <a:xfrm>
+            <a:off x="285720" y="1714488"/>
+            <a:ext cx="8643998" cy="4686300"/>
+          </a:xfrm>
+          <a:prstGeom prst="rect">
+            <a:avLst/>
+          </a:prstGeom>
+          <a:noFill/>
+        </p:spPr>
+      </p:pic>
+      <p:sp>
+        <p:nvSpPr>
+          <p:cNvPr id="6" name="Ovale 5"/>
+          <p:cNvSpPr/>
+          <p:nvPr/>
+        </p:nvSpPr>
+        <p:spPr>
+          <a:xfrm>
+            <a:off x="0" y="4214818"/>
+            <a:ext cx="9144000" cy="2500330"/>
+          </a:xfrm>
+          <a:prstGeom prst="ellipse">
+            <a:avLst/>
+          </a:prstGeom>
+          <a:noFill/>
+          <a:ln w="73025">
+            <a:solidFill>
+              <a:schemeClr val="accent3">
+                <a:lumMod val="75000"/>
+              </a:schemeClr>
+            </a:solidFill>
+          </a:ln>
+        </p:spPr>
+        <p:style>
+          <a:lnRef idx="2">
+            <a:schemeClr val="accent1">
+              <a:shade val="50000"/>
+            </a:schemeClr>
+          </a:lnRef>
+          <a:fillRef idx="1">
+            <a:schemeClr val="accent1"/>
+          </a:fillRef>
+          <a:effectRef idx="0">
+            <a:schemeClr val="accent1"/>
+          </a:effectRef>
+          <a:fontRef idx="minor">
+            <a:schemeClr val="lt1"/>
+          </a:fontRef>
+        </p:style>
+        <p:txBody>
+          <a:bodyPr rtlCol="0" anchor="ctr"/>
+          <a:lstStyle/>
+          <a:p>
+            <a:pPr algn="ctr"/>
+            <a:endParaRPr lang="it-IT"/>
+          </a:p>
+        </p:txBody>
+      </p:sp>
+      <p:cxnSp>
+        <p:nvCxnSpPr>
+          <p:cNvPr id="8" name="Connettore 2 7"/>
+          <p:cNvCxnSpPr/>
+          <p:nvPr/>
+        </p:nvCxnSpPr>
+        <p:spPr>
+          <a:xfrm flipV="1">
+            <a:off x="4572000" y="3786190"/>
+            <a:ext cx="1071570" cy="357190"/>
+          </a:xfrm>
+          <a:prstGeom prst="straightConnector1">
+            <a:avLst/>
+          </a:prstGeom>
+          <a:ln>
+            <a:tailEnd type="arrow"/>
+          </a:ln>
+        </p:spPr>
+        <p:style>
+          <a:lnRef idx="1">
+            <a:schemeClr val="accent1"/>
+          </a:lnRef>
+          <a:fillRef idx="0">
+            <a:schemeClr val="accent1"/>
+          </a:fillRef>
+          <a:effectRef idx="0">
+            <a:schemeClr val="accent1"/>
+          </a:effectRef>
+          <a:fontRef idx="minor">
+            <a:schemeClr val="tx1"/>
+          </a:fontRef>
+        </p:style>
+      </p:cxnSp>
+      <p:sp>
+        <p:nvSpPr>
+          <p:cNvPr id="9" name="CasellaDiTesto 8"/>
+          <p:cNvSpPr txBox="1"/>
+          <p:nvPr/>
+        </p:nvSpPr>
+        <p:spPr>
+          <a:xfrm>
+            <a:off x="5929322" y="3429000"/>
+            <a:ext cx="2874313" cy="646331"/>
+          </a:xfrm>
+          <a:prstGeom prst="rect">
+            <a:avLst/>
+          </a:prstGeom>
+          <a:noFill/>
+        </p:spPr>
+        <p:txBody>
+          <a:bodyPr wrap="none" rtlCol="0">
+            <a:spAutoFit/>
+          </a:bodyPr>
+          <a:lstStyle/>
+          <a:p>
+            <a:r>
+              <a:rPr lang="it-IT" dirty="0" smtClean="0"/>
+              <a:t>Sono le varie notifiche che il </a:t>
+            </a:r>
+          </a:p>
+          <a:p>
+            <a:r>
+              <a:rPr lang="it-IT" dirty="0" smtClean="0"/>
+              <a:t>sistema </a:t>
+            </a:r>
+            <a:r>
+              <a:rPr lang="it-IT" dirty="0" err="1" smtClean="0"/>
+              <a:t>puòinviare</a:t>
+            </a:r>
+            <a:endParaRPr lang="it-IT" dirty="0"/>
           </a:p>
         </p:txBody>
       </p:sp>
@@ -6523,7 +7896,7 @@
   <p:timing>
     <p:tnLst>
       <p:par>
-        <p:cTn xmlns:p14="http://schemas.microsoft.com/office/powerpoint/2010/main" id="1" dur="indefinite" restart="never" nodeType="tmRoot">
+        <p:cTn id="1" dur="indefinite" restart="never" nodeType="tmRoot">
           <p:childTnLst>
             <p:seq>
               <p:cTn id="2" nodeType="mainSeq"/>
@@ -6619,7 +7992,7 @@
         </p:nvSpPr>
         <p:spPr>
           <a:xfrm>
-            <a:off x="357158" y="1795320"/>
+            <a:off x="323640" y="1795320"/>
             <a:ext cx="8177040" cy="4633560"/>
           </a:xfrm>
           <a:prstGeom prst="rect">
@@ -6653,12 +8026,34 @@
               <a:rPr lang="it-IT" sz="3200" b="1" dirty="0" smtClean="0"/>
               <a:t>Perché</a:t>
             </a:r>
-          </a:p>
-          <a:p>
-            <a:pPr lvl="1">
+            <a:endParaRPr lang="it-IT" sz="3200" dirty="0" smtClean="0"/>
+          </a:p>
+          <a:p>
+            <a:pPr>
+              <a:lnSpc>
+                <a:spcPct val="100000"/>
+              </a:lnSpc>
               <a:buSzPct val="95000"/>
             </a:pPr>
-            <a:endParaRPr lang="it-IT" sz="2800" dirty="0" smtClean="0"/>
+            <a:endParaRPr lang="it-IT" sz="3200" dirty="0" smtClean="0"/>
+          </a:p>
+          <a:p>
+            <a:pPr>
+              <a:lnSpc>
+                <a:spcPct val="100000"/>
+              </a:lnSpc>
+              <a:buSzPct val="95000"/>
+            </a:pPr>
+            <a:endParaRPr lang="it-IT" sz="3200" dirty="0" smtClean="0"/>
+          </a:p>
+          <a:p>
+            <a:pPr>
+              <a:lnSpc>
+                <a:spcPct val="100000"/>
+              </a:lnSpc>
+              <a:buSzPct val="95000"/>
+            </a:pPr>
+            <a:endParaRPr lang="it-IT" sz="3200" dirty="0" smtClean="0"/>
           </a:p>
           <a:p>
             <a:pPr lvl="1">
@@ -6668,25 +8063,8 @@
             </a:pPr>
             <a:r>
               <a:rPr lang="it-IT" sz="2800" dirty="0" smtClean="0"/>
-              <a:t> il </a:t>
-            </a:r>
-            <a:r>
-              <a:rPr lang="it-IT" sz="2800" dirty="0" err="1" smtClean="0"/>
-              <a:t>controlMail</a:t>
-            </a:r>
-            <a:r>
-              <a:rPr lang="it-IT" sz="2800" dirty="0" smtClean="0"/>
-              <a:t> può usare un solo metodo di invio senza badare al tipo di </a:t>
-            </a:r>
-            <a:r>
-              <a:rPr lang="it-IT" sz="2800" dirty="0" smtClean="0"/>
-              <a:t>notifica, </a:t>
-            </a:r>
-            <a:r>
-              <a:rPr lang="it-IT" sz="2800" dirty="0" smtClean="0"/>
-              <a:t>infatti prende in input un oggetto MESSAGGIO.</a:t>
-            </a:r>
-            <a:endParaRPr sz="2800" dirty="0"/>
+              <a:t> ci permette di inserire altri messaggi in modo semplice  e senza causare molti cambiamenti nel sistema, così come modificare quelli già esistenti.</a:t>
+            </a:r>
           </a:p>
         </p:txBody>
       </p:sp>
@@ -6737,12 +8115,38 @@
                 </a:solidFill>
                 <a:latin typeface="Calibri"/>
               </a:rPr>
-              <a:t>(2)</a:t>
+              <a:t>(1)</a:t>
             </a:r>
             <a:endParaRPr sz="3000"/>
           </a:p>
         </p:txBody>
       </p:sp>
+      <p:pic>
+        <p:nvPicPr>
+          <p:cNvPr id="6146" name="Picture 2" descr="C:\Documents and Settings\Frank\Desktop\angolo-dell-omino.gif"/>
+          <p:cNvPicPr>
+            <a:picLocks noChangeAspect="1" noChangeArrowheads="1"/>
+          </p:cNvPicPr>
+          <p:nvPr/>
+        </p:nvPicPr>
+        <p:blipFill>
+          <a:blip r:embed="rId2"/>
+          <a:srcRect/>
+          <a:stretch>
+            <a:fillRect/>
+          </a:stretch>
+        </p:blipFill>
+        <p:spPr bwMode="auto">
+          <a:xfrm>
+            <a:off x="6429388" y="1571612"/>
+            <a:ext cx="2484041" cy="2500330"/>
+          </a:xfrm>
+          <a:prstGeom prst="rect">
+            <a:avLst/>
+          </a:prstGeom>
+          <a:noFill/>
+        </p:spPr>
+      </p:pic>
     </p:spTree>
   </p:cSld>
   <p:clrMapOvr>
@@ -6751,7 +8155,7 @@
   <p:timing>
     <p:tnLst>
       <p:par>
-        <p:cTn xmlns:p14="http://schemas.microsoft.com/office/powerpoint/2010/main" id="1" dur="indefinite" restart="never" nodeType="tmRoot">
+        <p:cTn id="1" dur="indefinite" restart="never" nodeType="tmRoot">
           <p:childTnLst>
             <p:seq>
               <p:cTn id="2" nodeType="mainSeq"/>

--- a/Presentazione/Atsilo1/Bottiglieri/Atsilo_A_GianfrancoB.pptx
+++ b/Presentazione/Atsilo1/Bottiglieri/Atsilo_A_GianfrancoB.pptx
@@ -375,7 +375,7 @@
     </p:spTree>
     <p:extLst>
       <p:ext uri="{BB962C8B-B14F-4D97-AF65-F5344CB8AC3E}">
-        <p14:creationId xmlns="" xmlns:p14="http://schemas.microsoft.com/office/powerpoint/2010/main" val="2126419590"/>
+        <p14:creationId xmlns:p14="http://schemas.microsoft.com/office/powerpoint/2010/main" xmlns="" val="2126419590"/>
       </p:ext>
     </p:extLst>
   </p:cSld>
@@ -4341,7 +4341,7 @@
         </p:nvSpPr>
         <p:spPr>
           <a:xfrm>
-            <a:off x="1671480" y="476640"/>
+            <a:off x="1671480" y="571480"/>
             <a:ext cx="5540040" cy="1521720"/>
           </a:xfrm>
           <a:prstGeom prst="rect">
@@ -4403,7 +4403,7 @@
         </p:nvSpPr>
         <p:spPr>
           <a:xfrm>
-            <a:off x="323640" y="1795320"/>
+            <a:off x="323640" y="1890160"/>
             <a:ext cx="8177040" cy="4205448"/>
           </a:xfrm>
           <a:prstGeom prst="rect">
@@ -4557,7 +4557,7 @@
         </p:blipFill>
         <p:spPr bwMode="auto">
           <a:xfrm>
-            <a:off x="6286512" y="1071546"/>
+            <a:off x="6286512" y="1166386"/>
             <a:ext cx="2683426" cy="2258364"/>
           </a:xfrm>
           <a:prstGeom prst="rect">
@@ -5732,8 +5732,13 @@
             </a:pPr>
             <a:r>
               <a:rPr lang="it-IT" sz="2800" dirty="0" smtClean="0"/>
-              <a:t>L’unico contro  che abbiamo riscontrato è un approccio un po’ ostile.</a:t>
-            </a:r>
+              <a:t>L’unico contro  che abbiamo riscontrato è un approccio un po’ ostile</a:t>
+            </a:r>
+            <a:r>
+              <a:rPr lang="it-IT" sz="2800" dirty="0" smtClean="0"/>
+              <a:t>.</a:t>
+            </a:r>
+            <a:endParaRPr lang="it-IT" sz="2800" dirty="0" smtClean="0"/>
           </a:p>
           <a:p>
             <a:pPr lvl="1">
@@ -5741,6 +5746,20 @@
               <a:buFont typeface="Arial" pitchFamily="34" charset="0"/>
               <a:buChar char="•"/>
             </a:pPr>
+            <a:endParaRPr lang="it-IT" sz="2800" dirty="0" smtClean="0"/>
+          </a:p>
+          <a:p>
+            <a:pPr lvl="1">
+              <a:buSzPct val="95000"/>
+              <a:buFont typeface="Arial" pitchFamily="34" charset="0"/>
+              <a:buChar char="•"/>
+            </a:pPr>
+            <a:endParaRPr lang="it-IT" sz="2800" dirty="0" smtClean="0"/>
+          </a:p>
+          <a:p>
+            <a:pPr lvl="1">
+              <a:buSzPct val="95000"/>
+            </a:pPr>
             <a:r>
               <a:rPr lang="it-IT" sz="2800" dirty="0" smtClean="0"/>
               <a:t>Ma grazie al supporto dei nostri PM, in fine è stato utile e piacevole utilizzare </a:t>
@@ -5750,10 +5769,9 @@
               <a:t>Junit</a:t>
             </a:r>
             <a:r>
-              <a:rPr lang="it-IT" sz="2800" smtClean="0"/>
+              <a:rPr lang="it-IT" sz="2800" dirty="0" smtClean="0"/>
               <a:t>.</a:t>
             </a:r>
-            <a:endParaRPr lang="it-IT" sz="2800" dirty="0" smtClean="0"/>
           </a:p>
         </p:txBody>
       </p:sp>

--- a/Presentazione/Atsilo1/Bottiglieri/Atsilo_A_GianfrancoB.pptx
+++ b/Presentazione/Atsilo1/Bottiglieri/Atsilo_A_GianfrancoB.pptx
@@ -206,7 +206,7 @@
             <a:fld id="{38D78F4D-402C-46E0-A4BB-DF91EA86B14C}" type="datetimeFigureOut">
               <a:rPr lang="it-IT" smtClean="0"/>
               <a:pPr/>
-              <a:t>03/01/2013</a:t>
+              <a:t>04/01/2013</a:t>
             </a:fld>
             <a:endParaRPr lang="it-IT"/>
           </a:p>
@@ -375,7 +375,7 @@
     </p:spTree>
     <p:extLst>
       <p:ext uri="{BB962C8B-B14F-4D97-AF65-F5344CB8AC3E}">
-        <p14:creationId xmlns:p14="http://schemas.microsoft.com/office/powerpoint/2010/main" xmlns="" val="2126419590"/>
+        <p14:creationId xmlns="" xmlns:p14="http://schemas.microsoft.com/office/powerpoint/2010/main" val="2126419590"/>
       </p:ext>
     </p:extLst>
   </p:cSld>
@@ -641,7 +641,7 @@
             <a:fld id="{63CABBC0-75E4-43BB-A6A6-84C2A96BDB82}" type="datetimeFigureOut">
               <a:rPr lang="it-IT" smtClean="0"/>
               <a:pPr/>
-              <a:t>03/01/2013</a:t>
+              <a:t>04/01/2013</a:t>
             </a:fld>
             <a:endParaRPr lang="it-IT"/>
           </a:p>
@@ -823,7 +823,7 @@
             <a:fld id="{63CABBC0-75E4-43BB-A6A6-84C2A96BDB82}" type="datetimeFigureOut">
               <a:rPr lang="it-IT" smtClean="0"/>
               <a:pPr/>
-              <a:t>03/01/2013</a:t>
+              <a:t>04/01/2013</a:t>
             </a:fld>
             <a:endParaRPr lang="it-IT"/>
           </a:p>
@@ -1015,7 +1015,7 @@
             <a:fld id="{63CABBC0-75E4-43BB-A6A6-84C2A96BDB82}" type="datetimeFigureOut">
               <a:rPr lang="it-IT" smtClean="0"/>
               <a:pPr/>
-              <a:t>03/01/2013</a:t>
+              <a:t>04/01/2013</a:t>
             </a:fld>
             <a:endParaRPr lang="it-IT"/>
           </a:p>
@@ -1197,7 +1197,7 @@
             <a:fld id="{63CABBC0-75E4-43BB-A6A6-84C2A96BDB82}" type="datetimeFigureOut">
               <a:rPr lang="it-IT" smtClean="0"/>
               <a:pPr/>
-              <a:t>03/01/2013</a:t>
+              <a:t>04/01/2013</a:t>
             </a:fld>
             <a:endParaRPr lang="it-IT"/>
           </a:p>
@@ -1440,7 +1440,7 @@
             <a:fld id="{63CABBC0-75E4-43BB-A6A6-84C2A96BDB82}" type="datetimeFigureOut">
               <a:rPr lang="it-IT" smtClean="0"/>
               <a:pPr/>
-              <a:t>03/01/2013</a:t>
+              <a:t>04/01/2013</a:t>
             </a:fld>
             <a:endParaRPr lang="it-IT"/>
           </a:p>
@@ -1721,7 +1721,7 @@
             <a:fld id="{63CABBC0-75E4-43BB-A6A6-84C2A96BDB82}" type="datetimeFigureOut">
               <a:rPr lang="it-IT" smtClean="0"/>
               <a:pPr/>
-              <a:t>03/01/2013</a:t>
+              <a:t>04/01/2013</a:t>
             </a:fld>
             <a:endParaRPr lang="it-IT"/>
           </a:p>
@@ -2112,7 +2112,7 @@
             <a:fld id="{63CABBC0-75E4-43BB-A6A6-84C2A96BDB82}" type="datetimeFigureOut">
               <a:rPr lang="it-IT" smtClean="0"/>
               <a:pPr/>
-              <a:t>03/01/2013</a:t>
+              <a:t>04/01/2013</a:t>
             </a:fld>
             <a:endParaRPr lang="it-IT"/>
           </a:p>
@@ -2271,7 +2271,7 @@
             <a:fld id="{63CABBC0-75E4-43BB-A6A6-84C2A96BDB82}" type="datetimeFigureOut">
               <a:rPr lang="it-IT" smtClean="0"/>
               <a:pPr/>
-              <a:t>03/01/2013</a:t>
+              <a:t>04/01/2013</a:t>
             </a:fld>
             <a:endParaRPr lang="it-IT"/>
           </a:p>
@@ -2370,7 +2370,7 @@
             <a:fld id="{63CABBC0-75E4-43BB-A6A6-84C2A96BDB82}" type="datetimeFigureOut">
               <a:rPr lang="it-IT" smtClean="0"/>
               <a:pPr/>
-              <a:t>03/01/2013</a:t>
+              <a:t>04/01/2013</a:t>
             </a:fld>
             <a:endParaRPr lang="it-IT"/>
           </a:p>
@@ -2640,7 +2640,7 @@
             <a:fld id="{63CABBC0-75E4-43BB-A6A6-84C2A96BDB82}" type="datetimeFigureOut">
               <a:rPr lang="it-IT" smtClean="0"/>
               <a:pPr/>
-              <a:t>03/01/2013</a:t>
+              <a:t>04/01/2013</a:t>
             </a:fld>
             <a:endParaRPr lang="it-IT"/>
           </a:p>
@@ -2937,7 +2937,7 @@
             <a:fld id="{63CABBC0-75E4-43BB-A6A6-84C2A96BDB82}" type="datetimeFigureOut">
               <a:rPr lang="it-IT" smtClean="0"/>
               <a:pPr/>
-              <a:t>03/01/2013</a:t>
+              <a:t>04/01/2013</a:t>
             </a:fld>
             <a:endParaRPr lang="it-IT"/>
           </a:p>
@@ -3717,7 +3717,7 @@
             <a:fld id="{63CABBC0-75E4-43BB-A6A6-84C2A96BDB82}" type="datetimeFigureOut">
               <a:rPr lang="it-IT" smtClean="0"/>
               <a:pPr/>
-              <a:t>03/01/2013</a:t>
+              <a:t>04/01/2013</a:t>
             </a:fld>
             <a:endParaRPr lang="it-IT"/>
           </a:p>
@@ -4932,42 +4932,74 @@
             </a:r>
           </a:p>
           <a:p>
-            <a:pPr>
-              <a:lnSpc>
-                <a:spcPct val="100000"/>
-              </a:lnSpc>
-              <a:buSzPct val="95000"/>
-              <a:buFont typeface="Wingdings" pitchFamily="2" charset="2"/>
-              <a:buChar char="v"/>
-            </a:pPr>
-            <a:endParaRPr lang="it-IT" sz="3200" b="1" dirty="0" smtClean="0"/>
-          </a:p>
-          <a:p>
-            <a:pPr>
-              <a:lnSpc>
-                <a:spcPct val="100000"/>
-              </a:lnSpc>
-              <a:buSzPct val="95000"/>
-            </a:pPr>
-            <a:endParaRPr lang="it-IT" sz="2800" dirty="0" smtClean="0"/>
-          </a:p>
-          <a:p>
             <a:pPr lvl="1">
               <a:buSzPct val="95000"/>
               <a:buFont typeface="Arial" pitchFamily="34" charset="0"/>
               <a:buChar char="•"/>
             </a:pPr>
+            <a:endParaRPr lang="it-IT" sz="2800" dirty="0" smtClean="0"/>
+          </a:p>
+          <a:p>
+            <a:pPr lvl="1">
+              <a:buSzPct val="95000"/>
+              <a:buFont typeface="Arial" pitchFamily="34" charset="0"/>
+              <a:buChar char="•"/>
+            </a:pPr>
             <a:r>
               <a:rPr lang="it-IT" sz="2800" dirty="0" smtClean="0"/>
-              <a:t> Abbiamo usato </a:t>
+              <a:t>Per </a:t>
+            </a:r>
+            <a:r>
+              <a:rPr lang="it-IT" sz="2800" dirty="0" smtClean="0"/>
+              <a:t> il </a:t>
+            </a:r>
+            <a:r>
+              <a:rPr lang="it-IT" sz="2800" b="1" dirty="0" smtClean="0"/>
+              <a:t>test di regressione</a:t>
+            </a:r>
+            <a:r>
+              <a:rPr lang="it-IT" sz="2800" dirty="0" smtClean="0"/>
+              <a:t>, infatti permette </a:t>
+            </a:r>
+            <a:r>
+              <a:rPr lang="it-IT" sz="2800" dirty="0" smtClean="0"/>
+              <a:t>di scrivere classi </a:t>
+            </a:r>
+            <a:r>
+              <a:rPr lang="it-IT" sz="2800" dirty="0" smtClean="0"/>
+              <a:t>apposite per consentire di </a:t>
+            </a:r>
+            <a:r>
+              <a:rPr lang="it-IT" sz="2800" dirty="0" smtClean="0"/>
+              <a:t>rieseguire i </a:t>
+            </a:r>
+            <a:r>
+              <a:rPr lang="it-IT" sz="2800" dirty="0" smtClean="0"/>
+              <a:t>test precedentemente scritti nella classe </a:t>
             </a:r>
             <a:r>
               <a:rPr lang="it-IT" sz="2800" dirty="0" err="1" smtClean="0"/>
-              <a:t>Junit</a:t>
+              <a:t>junit</a:t>
             </a:r>
             <a:r>
               <a:rPr lang="it-IT" sz="2800" dirty="0" smtClean="0"/>
-              <a:t> per fare i test di unità su ogni classe.</a:t>
+              <a:t> </a:t>
+            </a:r>
+            <a:r>
+              <a:rPr lang="it-IT" sz="2800" dirty="0" smtClean="0"/>
+              <a:t>, e verificare che vadano a buon </a:t>
+            </a:r>
+            <a:r>
+              <a:rPr lang="it-IT" sz="2800" smtClean="0"/>
+              <a:t>fine,anche dopo </a:t>
+            </a:r>
+            <a:r>
+              <a:rPr lang="it-IT" sz="2800" dirty="0" smtClean="0"/>
+              <a:t>eventuali modifiche al </a:t>
+            </a:r>
+            <a:r>
+              <a:rPr lang="it-IT" sz="2800" dirty="0" smtClean="0"/>
+              <a:t>codice.</a:t>
             </a:r>
             <a:endParaRPr sz="2800" dirty="0"/>
           </a:p>
@@ -5732,13 +5764,8 @@
             </a:pPr>
             <a:r>
               <a:rPr lang="it-IT" sz="2800" dirty="0" smtClean="0"/>
-              <a:t>L’unico contro  che abbiamo riscontrato è un approccio un po’ ostile</a:t>
-            </a:r>
-            <a:r>
-              <a:rPr lang="it-IT" sz="2800" dirty="0" smtClean="0"/>
-              <a:t>.</a:t>
-            </a:r>
-            <a:endParaRPr lang="it-IT" sz="2800" dirty="0" smtClean="0"/>
+              <a:t>L’unico contro  che abbiamo riscontrato è un approccio un po’ ostile.</a:t>
+            </a:r>
           </a:p>
           <a:p>
             <a:pPr lvl="1">
